--- a/docs/presentacion/Mallas-algoritmos-js.pptx
+++ b/docs/presentacion/Mallas-algoritmos-js.pptx
@@ -1,31 +1,131 @@
 
 <file path=ppt/presentation.xml><?xml version="1.0" encoding="utf-8"?>
-<p:presentation xmlns:a="http://schemas.openxmlformats.org/drawingml/2006/main" xmlns:p="http://schemas.openxmlformats.org/presentationml/2006/main" xmlns:r="http://schemas.openxmlformats.org/officeDocument/2006/relationships" xmlns:p14="http://schemas.microsoft.com/office/powerpoint/2010/main" xmlns:p15="http://schemas.microsoft.com/office/powerpoint/2012/main" xmlns:mc="http://schemas.openxmlformats.org/markup-compatibility/2006">
+<p:presentation xmlns:a="http://schemas.openxmlformats.org/drawingml/2006/main" xmlns:r="http://schemas.openxmlformats.org/officeDocument/2006/relationships" xmlns:p="http://schemas.openxmlformats.org/presentationml/2006/main">
   <p:sldMasterIdLst>
-    <p:sldMasterId id="2147483648" r:id="rId2"/>
+    <p:sldMasterId id="2147483648" r:id="rId1"/>
   </p:sldMasterIdLst>
   <p:sldIdLst>
-    <p:sldId id="256" r:id="rId3"/>
-    <p:sldId id="257" r:id="rId4"/>
-    <p:sldId id="258" r:id="rId5"/>
-    <p:sldId id="259" r:id="rId6"/>
-    <p:sldId id="260" r:id="rId7"/>
-    <p:sldId id="261" r:id="rId8"/>
-    <p:sldId id="262" r:id="rId9"/>
-    <p:sldId id="263" r:id="rId10"/>
-    <p:sldId id="264" r:id="rId11"/>
-    <p:sldId id="265" r:id="rId12"/>
-    <p:sldId id="266" r:id="rId13"/>
-    <p:sldId id="267" r:id="rId14"/>
-    <p:sldId id="268" r:id="rId15"/>
+    <p:sldId id="256" r:id="rId2"/>
+    <p:sldId id="257" r:id="rId3"/>
+    <p:sldId id="258" r:id="rId4"/>
+    <p:sldId id="259" r:id="rId5"/>
+    <p:sldId id="260" r:id="rId6"/>
+    <p:sldId id="262" r:id="rId7"/>
+    <p:sldId id="264" r:id="rId8"/>
+    <p:sldId id="265" r:id="rId9"/>
+    <p:sldId id="266" r:id="rId10"/>
+    <p:sldId id="267" r:id="rId11"/>
+    <p:sldId id="268" r:id="rId12"/>
+    <p:sldId id="269" r:id="rId13"/>
+    <p:sldId id="270" r:id="rId14"/>
   </p:sldIdLst>
-  <p:sldSz cx="9144000" cy="6858000"/>
-  <p:notesSz cx="7559675" cy="10691812"/>
+  <p:sldSz cx="9144000" cy="6858000" type="screen4x3"/>
+  <p:notesSz cx="7559675" cy="10691813"/>
+  <p:defaultTextStyle>
+    <a:defPPr>
+      <a:defRPr lang="es-ES"/>
+    </a:defPPr>
+    <a:lvl1pPr marL="0" algn="l" defTabSz="914400" rtl="0" eaLnBrk="1" latinLnBrk="0" hangingPunct="1">
+      <a:defRPr sz="1800" kern="1200">
+        <a:solidFill>
+          <a:schemeClr val="tx1"/>
+        </a:solidFill>
+        <a:latin typeface="+mn-lt"/>
+        <a:ea typeface="+mn-ea"/>
+        <a:cs typeface="+mn-cs"/>
+      </a:defRPr>
+    </a:lvl1pPr>
+    <a:lvl2pPr marL="457200" algn="l" defTabSz="914400" rtl="0" eaLnBrk="1" latinLnBrk="0" hangingPunct="1">
+      <a:defRPr sz="1800" kern="1200">
+        <a:solidFill>
+          <a:schemeClr val="tx1"/>
+        </a:solidFill>
+        <a:latin typeface="+mn-lt"/>
+        <a:ea typeface="+mn-ea"/>
+        <a:cs typeface="+mn-cs"/>
+      </a:defRPr>
+    </a:lvl2pPr>
+    <a:lvl3pPr marL="914400" algn="l" defTabSz="914400" rtl="0" eaLnBrk="1" latinLnBrk="0" hangingPunct="1">
+      <a:defRPr sz="1800" kern="1200">
+        <a:solidFill>
+          <a:schemeClr val="tx1"/>
+        </a:solidFill>
+        <a:latin typeface="+mn-lt"/>
+        <a:ea typeface="+mn-ea"/>
+        <a:cs typeface="+mn-cs"/>
+      </a:defRPr>
+    </a:lvl3pPr>
+    <a:lvl4pPr marL="1371600" algn="l" defTabSz="914400" rtl="0" eaLnBrk="1" latinLnBrk="0" hangingPunct="1">
+      <a:defRPr sz="1800" kern="1200">
+        <a:solidFill>
+          <a:schemeClr val="tx1"/>
+        </a:solidFill>
+        <a:latin typeface="+mn-lt"/>
+        <a:ea typeface="+mn-ea"/>
+        <a:cs typeface="+mn-cs"/>
+      </a:defRPr>
+    </a:lvl4pPr>
+    <a:lvl5pPr marL="1828800" algn="l" defTabSz="914400" rtl="0" eaLnBrk="1" latinLnBrk="0" hangingPunct="1">
+      <a:defRPr sz="1800" kern="1200">
+        <a:solidFill>
+          <a:schemeClr val="tx1"/>
+        </a:solidFill>
+        <a:latin typeface="+mn-lt"/>
+        <a:ea typeface="+mn-ea"/>
+        <a:cs typeface="+mn-cs"/>
+      </a:defRPr>
+    </a:lvl5pPr>
+    <a:lvl6pPr marL="2286000" algn="l" defTabSz="914400" rtl="0" eaLnBrk="1" latinLnBrk="0" hangingPunct="1">
+      <a:defRPr sz="1800" kern="1200">
+        <a:solidFill>
+          <a:schemeClr val="tx1"/>
+        </a:solidFill>
+        <a:latin typeface="+mn-lt"/>
+        <a:ea typeface="+mn-ea"/>
+        <a:cs typeface="+mn-cs"/>
+      </a:defRPr>
+    </a:lvl6pPr>
+    <a:lvl7pPr marL="2743200" algn="l" defTabSz="914400" rtl="0" eaLnBrk="1" latinLnBrk="0" hangingPunct="1">
+      <a:defRPr sz="1800" kern="1200">
+        <a:solidFill>
+          <a:schemeClr val="tx1"/>
+        </a:solidFill>
+        <a:latin typeface="+mn-lt"/>
+        <a:ea typeface="+mn-ea"/>
+        <a:cs typeface="+mn-cs"/>
+      </a:defRPr>
+    </a:lvl7pPr>
+    <a:lvl8pPr marL="3200400" algn="l" defTabSz="914400" rtl="0" eaLnBrk="1" latinLnBrk="0" hangingPunct="1">
+      <a:defRPr sz="1800" kern="1200">
+        <a:solidFill>
+          <a:schemeClr val="tx1"/>
+        </a:solidFill>
+        <a:latin typeface="+mn-lt"/>
+        <a:ea typeface="+mn-ea"/>
+        <a:cs typeface="+mn-cs"/>
+      </a:defRPr>
+    </a:lvl8pPr>
+    <a:lvl9pPr marL="3657600" algn="l" defTabSz="914400" rtl="0" eaLnBrk="1" latinLnBrk="0" hangingPunct="1">
+      <a:defRPr sz="1800" kern="1200">
+        <a:solidFill>
+          <a:schemeClr val="tx1"/>
+        </a:solidFill>
+        <a:latin typeface="+mn-lt"/>
+        <a:ea typeface="+mn-ea"/>
+        <a:cs typeface="+mn-cs"/>
+      </a:defRPr>
+    </a:lvl9pPr>
+  </p:defaultTextStyle>
+  <p:extLst>
+    <p:ext uri="{EFAFB233-063F-42B5-8137-9DF3F51BA10A}">
+      <p15:sldGuideLst xmlns:p15="http://schemas.microsoft.com/office/powerpoint/2012/main"/>
+    </p:ext>
+  </p:extLst>
 </p:presentation>
 </file>
 
 <file path=ppt/slideLayouts/slideLayout1.xml><?xml version="1.0" encoding="utf-8"?>
-<p:sldLayout xmlns:a="http://schemas.openxmlformats.org/drawingml/2006/main" xmlns:p="http://schemas.openxmlformats.org/presentationml/2006/main" xmlns:r="http://schemas.openxmlformats.org/officeDocument/2006/relationships" xmlns:p14="http://schemas.microsoft.com/office/powerpoint/2010/main" xmlns:p15="http://schemas.microsoft.com/office/powerpoint/2012/main" xmlns:mc="http://schemas.openxmlformats.org/markup-compatibility/2006" type="blank" preserve="1">
+<p:sldLayout xmlns:a="http://schemas.openxmlformats.org/drawingml/2006/main" xmlns:r="http://schemas.openxmlformats.org/officeDocument/2006/relationships" xmlns:p="http://schemas.openxmlformats.org/presentationml/2006/main" type="blank" preserve="1">
   <p:cSld name="Blank Slide">
     <p:spTree>
       <p:nvGrpSpPr>
@@ -43,11 +143,14 @@
       </p:grpSpPr>
     </p:spTree>
   </p:cSld>
+  <p:clrMapOvr>
+    <a:masterClrMapping/>
+  </p:clrMapOvr>
 </p:sldLayout>
 </file>
 
 <file path=ppt/slideLayouts/slideLayout10.xml><?xml version="1.0" encoding="utf-8"?>
-<p:sldLayout xmlns:a="http://schemas.openxmlformats.org/drawingml/2006/main" xmlns:p="http://schemas.openxmlformats.org/presentationml/2006/main" xmlns:r="http://schemas.openxmlformats.org/officeDocument/2006/relationships" xmlns:p14="http://schemas.microsoft.com/office/powerpoint/2010/main" xmlns:p15="http://schemas.microsoft.com/office/powerpoint/2012/main" xmlns:mc="http://schemas.openxmlformats.org/markup-compatibility/2006" type="objOverTx" preserve="1">
+<p:sldLayout xmlns:a="http://schemas.openxmlformats.org/drawingml/2006/main" xmlns:r="http://schemas.openxmlformats.org/officeDocument/2006/relationships" xmlns:p="http://schemas.openxmlformats.org/presentationml/2006/main" type="objOverTx" preserve="1">
   <p:cSld name="Title, Content over Content">
     <p:spTree>
       <p:nvGrpSpPr>
@@ -65,7 +168,7 @@
       </p:grpSpPr>
       <p:sp>
         <p:nvSpPr>
-          <p:cNvPr id="26" name="PlaceHolder 1"/>
+          <p:cNvPr id="23" name="PlaceHolder 1"/>
           <p:cNvSpPr>
             <a:spLocks noGrp="1"/>
           </p:cNvSpPr>
@@ -83,20 +186,19 @@
           </a:prstGeom>
         </p:spPr>
         <p:txBody>
-          <a:bodyPr lIns="0" rIns="0" tIns="0" bIns="0" anchor="ctr"/>
-          <a:p>
-            <a:endParaRPr b="0" lang="en-US" sz="1800" spc="-1" strike="noStrike">
-              <a:solidFill>
-                <a:srgbClr val="ffffff"/>
-              </a:solidFill>
-              <a:latin typeface="Century Gothic"/>
-            </a:endParaRPr>
-          </a:p>
-        </p:txBody>
-      </p:sp>
-      <p:sp>
-        <p:nvSpPr>
-          <p:cNvPr id="27" name="PlaceHolder 2"/>
+          <a:bodyPr lIns="0" tIns="0" rIns="0" bIns="0" anchor="ctr"/>
+          <a:lstStyle/>
+          <a:p>
+            <a:pPr algn="ctr"/>
+            <a:endParaRPr lang="en-US" sz="4400" b="0" strike="noStrike" spc="-1">
+              <a:latin typeface="Arial"/>
+            </a:endParaRPr>
+          </a:p>
+        </p:txBody>
+      </p:sp>
+      <p:sp>
+        <p:nvSpPr>
+          <p:cNvPr id="24" name="PlaceHolder 2"/>
           <p:cNvSpPr>
             <a:spLocks noGrp="1"/>
           </p:cNvSpPr>
@@ -114,22 +216,20 @@
           </a:prstGeom>
         </p:spPr>
         <p:txBody>
-          <a:bodyPr lIns="0" rIns="0" tIns="0" bIns="0">
+          <a:bodyPr lIns="0" tIns="0" rIns="0" bIns="0">
             <a:normAutofit/>
           </a:bodyPr>
-          <a:p>
-            <a:endParaRPr b="0" lang="en-US" sz="1800" spc="-1" strike="noStrike">
-              <a:solidFill>
-                <a:srgbClr val="ffffff"/>
-              </a:solidFill>
-              <a:latin typeface="Century Gothic"/>
-            </a:endParaRPr>
-          </a:p>
-        </p:txBody>
-      </p:sp>
-      <p:sp>
-        <p:nvSpPr>
-          <p:cNvPr id="28" name="PlaceHolder 3"/>
+          <a:lstStyle/>
+          <a:p>
+            <a:endParaRPr lang="en-US" sz="3200" b="0" strike="noStrike" spc="-1">
+              <a:latin typeface="Arial"/>
+            </a:endParaRPr>
+          </a:p>
+        </p:txBody>
+      </p:sp>
+      <p:sp>
+        <p:nvSpPr>
+          <p:cNvPr id="25" name="PlaceHolder 3"/>
           <p:cNvSpPr>
             <a:spLocks noGrp="1"/>
           </p:cNvSpPr>
@@ -147,26 +247,27 @@
           </a:prstGeom>
         </p:spPr>
         <p:txBody>
-          <a:bodyPr lIns="0" rIns="0" tIns="0" bIns="0">
+          <a:bodyPr lIns="0" tIns="0" rIns="0" bIns="0">
             <a:normAutofit/>
           </a:bodyPr>
-          <a:p>
-            <a:endParaRPr b="0" lang="en-US" sz="1800" spc="-1" strike="noStrike">
-              <a:solidFill>
-                <a:srgbClr val="ffffff"/>
-              </a:solidFill>
-              <a:latin typeface="Century Gothic"/>
+          <a:lstStyle/>
+          <a:p>
+            <a:endParaRPr lang="en-US" sz="3200" b="0" strike="noStrike" spc="-1">
+              <a:latin typeface="Arial"/>
             </a:endParaRPr>
           </a:p>
         </p:txBody>
       </p:sp>
     </p:spTree>
   </p:cSld>
+  <p:clrMapOvr>
+    <a:masterClrMapping/>
+  </p:clrMapOvr>
 </p:sldLayout>
 </file>
 
 <file path=ppt/slideLayouts/slideLayout11.xml><?xml version="1.0" encoding="utf-8"?>
-<p:sldLayout xmlns:a="http://schemas.openxmlformats.org/drawingml/2006/main" xmlns:p="http://schemas.openxmlformats.org/presentationml/2006/main" xmlns:r="http://schemas.openxmlformats.org/officeDocument/2006/relationships" xmlns:p14="http://schemas.microsoft.com/office/powerpoint/2010/main" xmlns:p15="http://schemas.microsoft.com/office/powerpoint/2012/main" xmlns:mc="http://schemas.openxmlformats.org/markup-compatibility/2006" type="fourObj" preserve="1">
+<p:sldLayout xmlns:a="http://schemas.openxmlformats.org/drawingml/2006/main" xmlns:r="http://schemas.openxmlformats.org/officeDocument/2006/relationships" xmlns:p="http://schemas.openxmlformats.org/presentationml/2006/main" type="fourObj" preserve="1">
   <p:cSld name="Title, 4 Content">
     <p:spTree>
       <p:nvGrpSpPr>
@@ -184,7 +285,7 @@
       </p:grpSpPr>
       <p:sp>
         <p:nvSpPr>
-          <p:cNvPr id="29" name="PlaceHolder 1"/>
+          <p:cNvPr id="26" name="PlaceHolder 1"/>
           <p:cNvSpPr>
             <a:spLocks noGrp="1"/>
           </p:cNvSpPr>
@@ -202,20 +303,19 @@
           </a:prstGeom>
         </p:spPr>
         <p:txBody>
-          <a:bodyPr lIns="0" rIns="0" tIns="0" bIns="0" anchor="ctr"/>
-          <a:p>
-            <a:endParaRPr b="0" lang="en-US" sz="1800" spc="-1" strike="noStrike">
-              <a:solidFill>
-                <a:srgbClr val="ffffff"/>
-              </a:solidFill>
-              <a:latin typeface="Century Gothic"/>
-            </a:endParaRPr>
-          </a:p>
-        </p:txBody>
-      </p:sp>
-      <p:sp>
-        <p:nvSpPr>
-          <p:cNvPr id="30" name="PlaceHolder 2"/>
+          <a:bodyPr lIns="0" tIns="0" rIns="0" bIns="0" anchor="ctr"/>
+          <a:lstStyle/>
+          <a:p>
+            <a:pPr algn="ctr"/>
+            <a:endParaRPr lang="en-US" sz="4400" b="0" strike="noStrike" spc="-1">
+              <a:latin typeface="Arial"/>
+            </a:endParaRPr>
+          </a:p>
+        </p:txBody>
+      </p:sp>
+      <p:sp>
+        <p:nvSpPr>
+          <p:cNvPr id="27" name="PlaceHolder 2"/>
           <p:cNvSpPr>
             <a:spLocks noGrp="1"/>
           </p:cNvSpPr>
@@ -233,22 +333,20 @@
           </a:prstGeom>
         </p:spPr>
         <p:txBody>
-          <a:bodyPr lIns="0" rIns="0" tIns="0" bIns="0">
+          <a:bodyPr lIns="0" tIns="0" rIns="0" bIns="0">
             <a:normAutofit/>
           </a:bodyPr>
-          <a:p>
-            <a:endParaRPr b="0" lang="en-US" sz="1800" spc="-1" strike="noStrike">
-              <a:solidFill>
-                <a:srgbClr val="ffffff"/>
-              </a:solidFill>
-              <a:latin typeface="Century Gothic"/>
-            </a:endParaRPr>
-          </a:p>
-        </p:txBody>
-      </p:sp>
-      <p:sp>
-        <p:nvSpPr>
-          <p:cNvPr id="31" name="PlaceHolder 3"/>
+          <a:lstStyle/>
+          <a:p>
+            <a:endParaRPr lang="en-US" sz="3200" b="0" strike="noStrike" spc="-1">
+              <a:latin typeface="Arial"/>
+            </a:endParaRPr>
+          </a:p>
+        </p:txBody>
+      </p:sp>
+      <p:sp>
+        <p:nvSpPr>
+          <p:cNvPr id="28" name="PlaceHolder 3"/>
           <p:cNvSpPr>
             <a:spLocks noGrp="1"/>
           </p:cNvSpPr>
@@ -266,22 +364,20 @@
           </a:prstGeom>
         </p:spPr>
         <p:txBody>
-          <a:bodyPr lIns="0" rIns="0" tIns="0" bIns="0">
+          <a:bodyPr lIns="0" tIns="0" rIns="0" bIns="0">
             <a:normAutofit/>
           </a:bodyPr>
-          <a:p>
-            <a:endParaRPr b="0" lang="en-US" sz="1800" spc="-1" strike="noStrike">
-              <a:solidFill>
-                <a:srgbClr val="ffffff"/>
-              </a:solidFill>
-              <a:latin typeface="Century Gothic"/>
-            </a:endParaRPr>
-          </a:p>
-        </p:txBody>
-      </p:sp>
-      <p:sp>
-        <p:nvSpPr>
-          <p:cNvPr id="32" name="PlaceHolder 4"/>
+          <a:lstStyle/>
+          <a:p>
+            <a:endParaRPr lang="en-US" sz="3200" b="0" strike="noStrike" spc="-1">
+              <a:latin typeface="Arial"/>
+            </a:endParaRPr>
+          </a:p>
+        </p:txBody>
+      </p:sp>
+      <p:sp>
+        <p:nvSpPr>
+          <p:cNvPr id="29" name="PlaceHolder 4"/>
           <p:cNvSpPr>
             <a:spLocks noGrp="1"/>
           </p:cNvSpPr>
@@ -299,22 +395,20 @@
           </a:prstGeom>
         </p:spPr>
         <p:txBody>
-          <a:bodyPr lIns="0" rIns="0" tIns="0" bIns="0">
+          <a:bodyPr lIns="0" tIns="0" rIns="0" bIns="0">
             <a:normAutofit/>
           </a:bodyPr>
-          <a:p>
-            <a:endParaRPr b="0" lang="en-US" sz="1800" spc="-1" strike="noStrike">
-              <a:solidFill>
-                <a:srgbClr val="ffffff"/>
-              </a:solidFill>
-              <a:latin typeface="Century Gothic"/>
-            </a:endParaRPr>
-          </a:p>
-        </p:txBody>
-      </p:sp>
-      <p:sp>
-        <p:nvSpPr>
-          <p:cNvPr id="33" name="PlaceHolder 5"/>
+          <a:lstStyle/>
+          <a:p>
+            <a:endParaRPr lang="en-US" sz="3200" b="0" strike="noStrike" spc="-1">
+              <a:latin typeface="Arial"/>
+            </a:endParaRPr>
+          </a:p>
+        </p:txBody>
+      </p:sp>
+      <p:sp>
+        <p:nvSpPr>
+          <p:cNvPr id="30" name="PlaceHolder 5"/>
           <p:cNvSpPr>
             <a:spLocks noGrp="1"/>
           </p:cNvSpPr>
@@ -332,26 +426,27 @@
           </a:prstGeom>
         </p:spPr>
         <p:txBody>
-          <a:bodyPr lIns="0" rIns="0" tIns="0" bIns="0">
+          <a:bodyPr lIns="0" tIns="0" rIns="0" bIns="0">
             <a:normAutofit/>
           </a:bodyPr>
-          <a:p>
-            <a:endParaRPr b="0" lang="en-US" sz="1800" spc="-1" strike="noStrike">
-              <a:solidFill>
-                <a:srgbClr val="ffffff"/>
-              </a:solidFill>
-              <a:latin typeface="Century Gothic"/>
+          <a:lstStyle/>
+          <a:p>
+            <a:endParaRPr lang="en-US" sz="3200" b="0" strike="noStrike" spc="-1">
+              <a:latin typeface="Arial"/>
             </a:endParaRPr>
           </a:p>
         </p:txBody>
       </p:sp>
     </p:spTree>
   </p:cSld>
+  <p:clrMapOvr>
+    <a:masterClrMapping/>
+  </p:clrMapOvr>
 </p:sldLayout>
 </file>
 
 <file path=ppt/slideLayouts/slideLayout12.xml><?xml version="1.0" encoding="utf-8"?>
-<p:sldLayout xmlns:a="http://schemas.openxmlformats.org/drawingml/2006/main" xmlns:p="http://schemas.openxmlformats.org/presentationml/2006/main" xmlns:r="http://schemas.openxmlformats.org/officeDocument/2006/relationships" xmlns:p14="http://schemas.microsoft.com/office/powerpoint/2010/main" xmlns:p15="http://schemas.microsoft.com/office/powerpoint/2012/main" xmlns:mc="http://schemas.openxmlformats.org/markup-compatibility/2006" type="blank" preserve="1">
+<p:sldLayout xmlns:a="http://schemas.openxmlformats.org/drawingml/2006/main" xmlns:r="http://schemas.openxmlformats.org/officeDocument/2006/relationships" xmlns:p="http://schemas.openxmlformats.org/presentationml/2006/main" type="blank" preserve="1">
   <p:cSld name="Title, 6 Content">
     <p:spTree>
       <p:nvGrpSpPr>
@@ -369,7 +464,7 @@
       </p:grpSpPr>
       <p:sp>
         <p:nvSpPr>
-          <p:cNvPr id="34" name="PlaceHolder 1"/>
+          <p:cNvPr id="31" name="PlaceHolder 1"/>
           <p:cNvSpPr>
             <a:spLocks noGrp="1"/>
           </p:cNvSpPr>
@@ -387,20 +482,19 @@
           </a:prstGeom>
         </p:spPr>
         <p:txBody>
-          <a:bodyPr lIns="0" rIns="0" tIns="0" bIns="0" anchor="ctr"/>
-          <a:p>
-            <a:endParaRPr b="0" lang="en-US" sz="1800" spc="-1" strike="noStrike">
-              <a:solidFill>
-                <a:srgbClr val="ffffff"/>
-              </a:solidFill>
-              <a:latin typeface="Century Gothic"/>
-            </a:endParaRPr>
-          </a:p>
-        </p:txBody>
-      </p:sp>
-      <p:sp>
-        <p:nvSpPr>
-          <p:cNvPr id="35" name="PlaceHolder 2"/>
+          <a:bodyPr lIns="0" tIns="0" rIns="0" bIns="0" anchor="ctr"/>
+          <a:lstStyle/>
+          <a:p>
+            <a:pPr algn="ctr"/>
+            <a:endParaRPr lang="en-US" sz="4400" b="0" strike="noStrike" spc="-1">
+              <a:latin typeface="Arial"/>
+            </a:endParaRPr>
+          </a:p>
+        </p:txBody>
+      </p:sp>
+      <p:sp>
+        <p:nvSpPr>
+          <p:cNvPr id="32" name="PlaceHolder 2"/>
           <p:cNvSpPr>
             <a:spLocks noGrp="1"/>
           </p:cNvSpPr>
@@ -418,22 +512,20 @@
           </a:prstGeom>
         </p:spPr>
         <p:txBody>
-          <a:bodyPr lIns="0" rIns="0" tIns="0" bIns="0">
+          <a:bodyPr lIns="0" tIns="0" rIns="0" bIns="0">
             <a:normAutofit/>
           </a:bodyPr>
-          <a:p>
-            <a:endParaRPr b="0" lang="en-US" sz="1800" spc="-1" strike="noStrike">
-              <a:solidFill>
-                <a:srgbClr val="ffffff"/>
-              </a:solidFill>
-              <a:latin typeface="Century Gothic"/>
-            </a:endParaRPr>
-          </a:p>
-        </p:txBody>
-      </p:sp>
-      <p:sp>
-        <p:nvSpPr>
-          <p:cNvPr id="36" name="PlaceHolder 3"/>
+          <a:lstStyle/>
+          <a:p>
+            <a:endParaRPr lang="en-US" sz="3200" b="0" strike="noStrike" spc="-1">
+              <a:latin typeface="Arial"/>
+            </a:endParaRPr>
+          </a:p>
+        </p:txBody>
+      </p:sp>
+      <p:sp>
+        <p:nvSpPr>
+          <p:cNvPr id="33" name="PlaceHolder 3"/>
           <p:cNvSpPr>
             <a:spLocks noGrp="1"/>
           </p:cNvSpPr>
@@ -451,22 +543,20 @@
           </a:prstGeom>
         </p:spPr>
         <p:txBody>
-          <a:bodyPr lIns="0" rIns="0" tIns="0" bIns="0">
+          <a:bodyPr lIns="0" tIns="0" rIns="0" bIns="0">
             <a:normAutofit/>
           </a:bodyPr>
-          <a:p>
-            <a:endParaRPr b="0" lang="en-US" sz="1800" spc="-1" strike="noStrike">
-              <a:solidFill>
-                <a:srgbClr val="ffffff"/>
-              </a:solidFill>
-              <a:latin typeface="Century Gothic"/>
-            </a:endParaRPr>
-          </a:p>
-        </p:txBody>
-      </p:sp>
-      <p:sp>
-        <p:nvSpPr>
-          <p:cNvPr id="37" name="PlaceHolder 4"/>
+          <a:lstStyle/>
+          <a:p>
+            <a:endParaRPr lang="en-US" sz="3200" b="0" strike="noStrike" spc="-1">
+              <a:latin typeface="Arial"/>
+            </a:endParaRPr>
+          </a:p>
+        </p:txBody>
+      </p:sp>
+      <p:sp>
+        <p:nvSpPr>
+          <p:cNvPr id="34" name="PlaceHolder 4"/>
           <p:cNvSpPr>
             <a:spLocks noGrp="1"/>
           </p:cNvSpPr>
@@ -484,22 +574,20 @@
           </a:prstGeom>
         </p:spPr>
         <p:txBody>
-          <a:bodyPr lIns="0" rIns="0" tIns="0" bIns="0">
+          <a:bodyPr lIns="0" tIns="0" rIns="0" bIns="0">
             <a:normAutofit/>
           </a:bodyPr>
-          <a:p>
-            <a:endParaRPr b="0" lang="en-US" sz="1800" spc="-1" strike="noStrike">
-              <a:solidFill>
-                <a:srgbClr val="ffffff"/>
-              </a:solidFill>
-              <a:latin typeface="Century Gothic"/>
-            </a:endParaRPr>
-          </a:p>
-        </p:txBody>
-      </p:sp>
-      <p:sp>
-        <p:nvSpPr>
-          <p:cNvPr id="38" name="PlaceHolder 5"/>
+          <a:lstStyle/>
+          <a:p>
+            <a:endParaRPr lang="en-US" sz="3200" b="0" strike="noStrike" spc="-1">
+              <a:latin typeface="Arial"/>
+            </a:endParaRPr>
+          </a:p>
+        </p:txBody>
+      </p:sp>
+      <p:sp>
+        <p:nvSpPr>
+          <p:cNvPr id="35" name="PlaceHolder 5"/>
           <p:cNvSpPr>
             <a:spLocks noGrp="1"/>
           </p:cNvSpPr>
@@ -517,22 +605,20 @@
           </a:prstGeom>
         </p:spPr>
         <p:txBody>
-          <a:bodyPr lIns="0" rIns="0" tIns="0" bIns="0">
+          <a:bodyPr lIns="0" tIns="0" rIns="0" bIns="0">
             <a:normAutofit/>
           </a:bodyPr>
-          <a:p>
-            <a:endParaRPr b="0" lang="en-US" sz="1800" spc="-1" strike="noStrike">
-              <a:solidFill>
-                <a:srgbClr val="ffffff"/>
-              </a:solidFill>
-              <a:latin typeface="Century Gothic"/>
-            </a:endParaRPr>
-          </a:p>
-        </p:txBody>
-      </p:sp>
-      <p:sp>
-        <p:nvSpPr>
-          <p:cNvPr id="39" name="PlaceHolder 6"/>
+          <a:lstStyle/>
+          <a:p>
+            <a:endParaRPr lang="en-US" sz="3200" b="0" strike="noStrike" spc="-1">
+              <a:latin typeface="Arial"/>
+            </a:endParaRPr>
+          </a:p>
+        </p:txBody>
+      </p:sp>
+      <p:sp>
+        <p:nvSpPr>
+          <p:cNvPr id="36" name="PlaceHolder 6"/>
           <p:cNvSpPr>
             <a:spLocks noGrp="1"/>
           </p:cNvSpPr>
@@ -550,22 +636,20 @@
           </a:prstGeom>
         </p:spPr>
         <p:txBody>
-          <a:bodyPr lIns="0" rIns="0" tIns="0" bIns="0">
+          <a:bodyPr lIns="0" tIns="0" rIns="0" bIns="0">
             <a:normAutofit/>
           </a:bodyPr>
-          <a:p>
-            <a:endParaRPr b="0" lang="en-US" sz="1800" spc="-1" strike="noStrike">
-              <a:solidFill>
-                <a:srgbClr val="ffffff"/>
-              </a:solidFill>
-              <a:latin typeface="Century Gothic"/>
-            </a:endParaRPr>
-          </a:p>
-        </p:txBody>
-      </p:sp>
-      <p:sp>
-        <p:nvSpPr>
-          <p:cNvPr id="40" name="PlaceHolder 7"/>
+          <a:lstStyle/>
+          <a:p>
+            <a:endParaRPr lang="en-US" sz="3200" b="0" strike="noStrike" spc="-1">
+              <a:latin typeface="Arial"/>
+            </a:endParaRPr>
+          </a:p>
+        </p:txBody>
+      </p:sp>
+      <p:sp>
+        <p:nvSpPr>
+          <p:cNvPr id="37" name="PlaceHolder 7"/>
           <p:cNvSpPr>
             <a:spLocks noGrp="1"/>
           </p:cNvSpPr>
@@ -583,26 +667,27 @@
           </a:prstGeom>
         </p:spPr>
         <p:txBody>
-          <a:bodyPr lIns="0" rIns="0" tIns="0" bIns="0">
+          <a:bodyPr lIns="0" tIns="0" rIns="0" bIns="0">
             <a:normAutofit/>
           </a:bodyPr>
-          <a:p>
-            <a:endParaRPr b="0" lang="en-US" sz="1800" spc="-1" strike="noStrike">
-              <a:solidFill>
-                <a:srgbClr val="ffffff"/>
-              </a:solidFill>
-              <a:latin typeface="Century Gothic"/>
+          <a:lstStyle/>
+          <a:p>
+            <a:endParaRPr lang="en-US" sz="3200" b="0" strike="noStrike" spc="-1">
+              <a:latin typeface="Arial"/>
             </a:endParaRPr>
           </a:p>
         </p:txBody>
       </p:sp>
     </p:spTree>
   </p:cSld>
+  <p:clrMapOvr>
+    <a:masterClrMapping/>
+  </p:clrMapOvr>
 </p:sldLayout>
 </file>
 
 <file path=ppt/slideLayouts/slideLayout2.xml><?xml version="1.0" encoding="utf-8"?>
-<p:sldLayout xmlns:a="http://schemas.openxmlformats.org/drawingml/2006/main" xmlns:p="http://schemas.openxmlformats.org/presentationml/2006/main" xmlns:r="http://schemas.openxmlformats.org/officeDocument/2006/relationships" xmlns:p14="http://schemas.microsoft.com/office/powerpoint/2010/main" xmlns:p15="http://schemas.microsoft.com/office/powerpoint/2012/main" xmlns:mc="http://schemas.openxmlformats.org/markup-compatibility/2006" type="tx" preserve="1">
+<p:sldLayout xmlns:a="http://schemas.openxmlformats.org/drawingml/2006/main" xmlns:r="http://schemas.openxmlformats.org/officeDocument/2006/relationships" xmlns:p="http://schemas.openxmlformats.org/presentationml/2006/main" type="tx" preserve="1">
   <p:cSld name="Title Slide">
     <p:spTree>
       <p:nvGrpSpPr>
@@ -620,7 +705,7 @@
       </p:grpSpPr>
       <p:sp>
         <p:nvSpPr>
-          <p:cNvPr id="5" name="PlaceHolder 1"/>
+          <p:cNvPr id="2" name="PlaceHolder 1"/>
           <p:cNvSpPr>
             <a:spLocks noGrp="1"/>
           </p:cNvSpPr>
@@ -638,20 +723,19 @@
           </a:prstGeom>
         </p:spPr>
         <p:txBody>
-          <a:bodyPr lIns="0" rIns="0" tIns="0" bIns="0" anchor="ctr"/>
-          <a:p>
-            <a:endParaRPr b="0" lang="en-US" sz="1800" spc="-1" strike="noStrike">
-              <a:solidFill>
-                <a:srgbClr val="ffffff"/>
-              </a:solidFill>
-              <a:latin typeface="Century Gothic"/>
-            </a:endParaRPr>
-          </a:p>
-        </p:txBody>
-      </p:sp>
-      <p:sp>
-        <p:nvSpPr>
-          <p:cNvPr id="6" name="PlaceHolder 2"/>
+          <a:bodyPr lIns="0" tIns="0" rIns="0" bIns="0" anchor="ctr"/>
+          <a:lstStyle/>
+          <a:p>
+            <a:pPr algn="ctr"/>
+            <a:endParaRPr lang="en-US" sz="4400" b="0" strike="noStrike" spc="-1">
+              <a:latin typeface="Arial"/>
+            </a:endParaRPr>
+          </a:p>
+        </p:txBody>
+      </p:sp>
+      <p:sp>
+        <p:nvSpPr>
+          <p:cNvPr id="3" name="PlaceHolder 2"/>
           <p:cNvSpPr>
             <a:spLocks noGrp="1"/>
           </p:cNvSpPr>
@@ -669,10 +753,11 @@
           </a:prstGeom>
         </p:spPr>
         <p:txBody>
-          <a:bodyPr lIns="0" rIns="0" tIns="0" bIns="0" anchor="ctr"/>
+          <a:bodyPr lIns="0" tIns="0" rIns="0" bIns="0" anchor="ctr"/>
+          <a:lstStyle/>
           <a:p>
             <a:pPr algn="ctr"/>
-            <a:endParaRPr b="0" lang="es-ES" sz="3200" spc="-1" strike="noStrike">
+            <a:endParaRPr lang="en-US" sz="3200" b="0" strike="noStrike" spc="-1">
               <a:latin typeface="Arial"/>
             </a:endParaRPr>
           </a:p>
@@ -680,11 +765,14 @@
       </p:sp>
     </p:spTree>
   </p:cSld>
+  <p:clrMapOvr>
+    <a:masterClrMapping/>
+  </p:clrMapOvr>
 </p:sldLayout>
 </file>
 
 <file path=ppt/slideLayouts/slideLayout3.xml><?xml version="1.0" encoding="utf-8"?>
-<p:sldLayout xmlns:a="http://schemas.openxmlformats.org/drawingml/2006/main" xmlns:p="http://schemas.openxmlformats.org/presentationml/2006/main" xmlns:r="http://schemas.openxmlformats.org/officeDocument/2006/relationships" xmlns:p14="http://schemas.microsoft.com/office/powerpoint/2010/main" xmlns:p15="http://schemas.microsoft.com/office/powerpoint/2012/main" xmlns:mc="http://schemas.openxmlformats.org/markup-compatibility/2006" type="obj" preserve="1">
+<p:sldLayout xmlns:a="http://schemas.openxmlformats.org/drawingml/2006/main" xmlns:r="http://schemas.openxmlformats.org/officeDocument/2006/relationships" xmlns:p="http://schemas.openxmlformats.org/presentationml/2006/main" type="obj" preserve="1">
   <p:cSld name="Title, Content">
     <p:spTree>
       <p:nvGrpSpPr>
@@ -702,7 +790,7 @@
       </p:grpSpPr>
       <p:sp>
         <p:nvSpPr>
-          <p:cNvPr id="7" name="PlaceHolder 1"/>
+          <p:cNvPr id="4" name="PlaceHolder 1"/>
           <p:cNvSpPr>
             <a:spLocks noGrp="1"/>
           </p:cNvSpPr>
@@ -720,20 +808,19 @@
           </a:prstGeom>
         </p:spPr>
         <p:txBody>
-          <a:bodyPr lIns="0" rIns="0" tIns="0" bIns="0" anchor="ctr"/>
-          <a:p>
-            <a:endParaRPr b="0" lang="en-US" sz="1800" spc="-1" strike="noStrike">
-              <a:solidFill>
-                <a:srgbClr val="ffffff"/>
-              </a:solidFill>
-              <a:latin typeface="Century Gothic"/>
-            </a:endParaRPr>
-          </a:p>
-        </p:txBody>
-      </p:sp>
-      <p:sp>
-        <p:nvSpPr>
-          <p:cNvPr id="8" name="PlaceHolder 2"/>
+          <a:bodyPr lIns="0" tIns="0" rIns="0" bIns="0" anchor="ctr"/>
+          <a:lstStyle/>
+          <a:p>
+            <a:pPr algn="ctr"/>
+            <a:endParaRPr lang="en-US" sz="4400" b="0" strike="noStrike" spc="-1">
+              <a:latin typeface="Arial"/>
+            </a:endParaRPr>
+          </a:p>
+        </p:txBody>
+      </p:sp>
+      <p:sp>
+        <p:nvSpPr>
+          <p:cNvPr id="5" name="PlaceHolder 2"/>
           <p:cNvSpPr>
             <a:spLocks noGrp="1"/>
           </p:cNvSpPr>
@@ -751,26 +838,27 @@
           </a:prstGeom>
         </p:spPr>
         <p:txBody>
-          <a:bodyPr lIns="0" rIns="0" tIns="0" bIns="0">
+          <a:bodyPr lIns="0" tIns="0" rIns="0" bIns="0">
             <a:normAutofit/>
           </a:bodyPr>
-          <a:p>
-            <a:endParaRPr b="0" lang="en-US" sz="1800" spc="-1" strike="noStrike">
-              <a:solidFill>
-                <a:srgbClr val="ffffff"/>
-              </a:solidFill>
-              <a:latin typeface="Century Gothic"/>
+          <a:lstStyle/>
+          <a:p>
+            <a:endParaRPr lang="en-US" sz="3200" b="0" strike="noStrike" spc="-1">
+              <a:latin typeface="Arial"/>
             </a:endParaRPr>
           </a:p>
         </p:txBody>
       </p:sp>
     </p:spTree>
   </p:cSld>
+  <p:clrMapOvr>
+    <a:masterClrMapping/>
+  </p:clrMapOvr>
 </p:sldLayout>
 </file>
 
 <file path=ppt/slideLayouts/slideLayout4.xml><?xml version="1.0" encoding="utf-8"?>
-<p:sldLayout xmlns:a="http://schemas.openxmlformats.org/drawingml/2006/main" xmlns:p="http://schemas.openxmlformats.org/presentationml/2006/main" xmlns:r="http://schemas.openxmlformats.org/officeDocument/2006/relationships" xmlns:p14="http://schemas.microsoft.com/office/powerpoint/2010/main" xmlns:p15="http://schemas.microsoft.com/office/powerpoint/2012/main" xmlns:mc="http://schemas.openxmlformats.org/markup-compatibility/2006" type="twoObj" preserve="1">
+<p:sldLayout xmlns:a="http://schemas.openxmlformats.org/drawingml/2006/main" xmlns:r="http://schemas.openxmlformats.org/officeDocument/2006/relationships" xmlns:p="http://schemas.openxmlformats.org/presentationml/2006/main" type="twoObj" preserve="1">
   <p:cSld name="Title, 2 Content">
     <p:spTree>
       <p:nvGrpSpPr>
@@ -788,7 +876,7 @@
       </p:grpSpPr>
       <p:sp>
         <p:nvSpPr>
-          <p:cNvPr id="9" name="PlaceHolder 1"/>
+          <p:cNvPr id="6" name="PlaceHolder 1"/>
           <p:cNvSpPr>
             <a:spLocks noGrp="1"/>
           </p:cNvSpPr>
@@ -806,20 +894,19 @@
           </a:prstGeom>
         </p:spPr>
         <p:txBody>
-          <a:bodyPr lIns="0" rIns="0" tIns="0" bIns="0" anchor="ctr"/>
-          <a:p>
-            <a:endParaRPr b="0" lang="en-US" sz="1800" spc="-1" strike="noStrike">
-              <a:solidFill>
-                <a:srgbClr val="ffffff"/>
-              </a:solidFill>
-              <a:latin typeface="Century Gothic"/>
-            </a:endParaRPr>
-          </a:p>
-        </p:txBody>
-      </p:sp>
-      <p:sp>
-        <p:nvSpPr>
-          <p:cNvPr id="10" name="PlaceHolder 2"/>
+          <a:bodyPr lIns="0" tIns="0" rIns="0" bIns="0" anchor="ctr"/>
+          <a:lstStyle/>
+          <a:p>
+            <a:pPr algn="ctr"/>
+            <a:endParaRPr lang="en-US" sz="4400" b="0" strike="noStrike" spc="-1">
+              <a:latin typeface="Arial"/>
+            </a:endParaRPr>
+          </a:p>
+        </p:txBody>
+      </p:sp>
+      <p:sp>
+        <p:nvSpPr>
+          <p:cNvPr id="7" name="PlaceHolder 2"/>
           <p:cNvSpPr>
             <a:spLocks noGrp="1"/>
           </p:cNvSpPr>
@@ -837,22 +924,20 @@
           </a:prstGeom>
         </p:spPr>
         <p:txBody>
-          <a:bodyPr lIns="0" rIns="0" tIns="0" bIns="0">
+          <a:bodyPr lIns="0" tIns="0" rIns="0" bIns="0">
             <a:normAutofit/>
           </a:bodyPr>
-          <a:p>
-            <a:endParaRPr b="0" lang="en-US" sz="1800" spc="-1" strike="noStrike">
-              <a:solidFill>
-                <a:srgbClr val="ffffff"/>
-              </a:solidFill>
-              <a:latin typeface="Century Gothic"/>
-            </a:endParaRPr>
-          </a:p>
-        </p:txBody>
-      </p:sp>
-      <p:sp>
-        <p:nvSpPr>
-          <p:cNvPr id="11" name="PlaceHolder 3"/>
+          <a:lstStyle/>
+          <a:p>
+            <a:endParaRPr lang="en-US" sz="3200" b="0" strike="noStrike" spc="-1">
+              <a:latin typeface="Arial"/>
+            </a:endParaRPr>
+          </a:p>
+        </p:txBody>
+      </p:sp>
+      <p:sp>
+        <p:nvSpPr>
+          <p:cNvPr id="8" name="PlaceHolder 3"/>
           <p:cNvSpPr>
             <a:spLocks noGrp="1"/>
           </p:cNvSpPr>
@@ -870,26 +955,27 @@
           </a:prstGeom>
         </p:spPr>
         <p:txBody>
-          <a:bodyPr lIns="0" rIns="0" tIns="0" bIns="0">
+          <a:bodyPr lIns="0" tIns="0" rIns="0" bIns="0">
             <a:normAutofit/>
           </a:bodyPr>
-          <a:p>
-            <a:endParaRPr b="0" lang="en-US" sz="1800" spc="-1" strike="noStrike">
-              <a:solidFill>
-                <a:srgbClr val="ffffff"/>
-              </a:solidFill>
-              <a:latin typeface="Century Gothic"/>
+          <a:lstStyle/>
+          <a:p>
+            <a:endParaRPr lang="en-US" sz="3200" b="0" strike="noStrike" spc="-1">
+              <a:latin typeface="Arial"/>
             </a:endParaRPr>
           </a:p>
         </p:txBody>
       </p:sp>
     </p:spTree>
   </p:cSld>
+  <p:clrMapOvr>
+    <a:masterClrMapping/>
+  </p:clrMapOvr>
 </p:sldLayout>
 </file>
 
 <file path=ppt/slideLayouts/slideLayout5.xml><?xml version="1.0" encoding="utf-8"?>
-<p:sldLayout xmlns:a="http://schemas.openxmlformats.org/drawingml/2006/main" xmlns:p="http://schemas.openxmlformats.org/presentationml/2006/main" xmlns:r="http://schemas.openxmlformats.org/officeDocument/2006/relationships" xmlns:p14="http://schemas.microsoft.com/office/powerpoint/2010/main" xmlns:p15="http://schemas.microsoft.com/office/powerpoint/2012/main" xmlns:mc="http://schemas.openxmlformats.org/markup-compatibility/2006" type="titleOnly" preserve="1">
+<p:sldLayout xmlns:a="http://schemas.openxmlformats.org/drawingml/2006/main" xmlns:r="http://schemas.openxmlformats.org/officeDocument/2006/relationships" xmlns:p="http://schemas.openxmlformats.org/presentationml/2006/main" type="titleOnly" preserve="1">
   <p:cSld name="Title Only">
     <p:spTree>
       <p:nvGrpSpPr>
@@ -907,7 +993,7 @@
       </p:grpSpPr>
       <p:sp>
         <p:nvSpPr>
-          <p:cNvPr id="12" name="PlaceHolder 1"/>
+          <p:cNvPr id="9" name="PlaceHolder 1"/>
           <p:cNvSpPr>
             <a:spLocks noGrp="1"/>
           </p:cNvSpPr>
@@ -925,24 +1011,26 @@
           </a:prstGeom>
         </p:spPr>
         <p:txBody>
-          <a:bodyPr lIns="0" rIns="0" tIns="0" bIns="0" anchor="ctr"/>
-          <a:p>
-            <a:endParaRPr b="0" lang="en-US" sz="1800" spc="-1" strike="noStrike">
-              <a:solidFill>
-                <a:srgbClr val="ffffff"/>
-              </a:solidFill>
-              <a:latin typeface="Century Gothic"/>
+          <a:bodyPr lIns="0" tIns="0" rIns="0" bIns="0" anchor="ctr"/>
+          <a:lstStyle/>
+          <a:p>
+            <a:pPr algn="ctr"/>
+            <a:endParaRPr lang="en-US" sz="4400" b="0" strike="noStrike" spc="-1">
+              <a:latin typeface="Arial"/>
             </a:endParaRPr>
           </a:p>
         </p:txBody>
       </p:sp>
     </p:spTree>
   </p:cSld>
+  <p:clrMapOvr>
+    <a:masterClrMapping/>
+  </p:clrMapOvr>
 </p:sldLayout>
 </file>
 
 <file path=ppt/slideLayouts/slideLayout6.xml><?xml version="1.0" encoding="utf-8"?>
-<p:sldLayout xmlns:a="http://schemas.openxmlformats.org/drawingml/2006/main" xmlns:p="http://schemas.openxmlformats.org/presentationml/2006/main" xmlns:r="http://schemas.openxmlformats.org/officeDocument/2006/relationships" xmlns:p14="http://schemas.microsoft.com/office/powerpoint/2010/main" xmlns:p15="http://schemas.microsoft.com/office/powerpoint/2012/main" xmlns:mc="http://schemas.openxmlformats.org/markup-compatibility/2006" type="objOnly" preserve="1">
+<p:sldLayout xmlns:a="http://schemas.openxmlformats.org/drawingml/2006/main" xmlns:r="http://schemas.openxmlformats.org/officeDocument/2006/relationships" xmlns:p="http://schemas.openxmlformats.org/presentationml/2006/main" type="objOnly" preserve="1">
   <p:cSld name="Centered Text">
     <p:spTree>
       <p:nvGrpSpPr>
@@ -960,7 +1048,7 @@
       </p:grpSpPr>
       <p:sp>
         <p:nvSpPr>
-          <p:cNvPr id="13" name="PlaceHolder 1"/>
+          <p:cNvPr id="10" name="PlaceHolder 1"/>
           <p:cNvSpPr>
             <a:spLocks noGrp="1"/>
           </p:cNvSpPr>
@@ -978,10 +1066,11 @@
           </a:prstGeom>
         </p:spPr>
         <p:txBody>
-          <a:bodyPr lIns="0" rIns="0" tIns="0" bIns="0" anchor="ctr"/>
+          <a:bodyPr lIns="0" tIns="0" rIns="0" bIns="0" anchor="ctr"/>
+          <a:lstStyle/>
           <a:p>
             <a:pPr algn="ctr"/>
-            <a:endParaRPr b="0" lang="es-ES" sz="3200" spc="-1" strike="noStrike">
+            <a:endParaRPr lang="en-US" sz="3200" b="0" strike="noStrike" spc="-1">
               <a:latin typeface="Arial"/>
             </a:endParaRPr>
           </a:p>
@@ -989,11 +1078,14 @@
       </p:sp>
     </p:spTree>
   </p:cSld>
+  <p:clrMapOvr>
+    <a:masterClrMapping/>
+  </p:clrMapOvr>
 </p:sldLayout>
 </file>
 
 <file path=ppt/slideLayouts/slideLayout7.xml><?xml version="1.0" encoding="utf-8"?>
-<p:sldLayout xmlns:a="http://schemas.openxmlformats.org/drawingml/2006/main" xmlns:p="http://schemas.openxmlformats.org/presentationml/2006/main" xmlns:r="http://schemas.openxmlformats.org/officeDocument/2006/relationships" xmlns:p14="http://schemas.microsoft.com/office/powerpoint/2010/main" xmlns:p15="http://schemas.microsoft.com/office/powerpoint/2012/main" xmlns:mc="http://schemas.openxmlformats.org/markup-compatibility/2006" type="twoObjAndObj" preserve="1">
+<p:sldLayout xmlns:a="http://schemas.openxmlformats.org/drawingml/2006/main" xmlns:r="http://schemas.openxmlformats.org/officeDocument/2006/relationships" xmlns:p="http://schemas.openxmlformats.org/presentationml/2006/main" type="twoObjAndObj" preserve="1">
   <p:cSld name="Title, 2 Content and Content">
     <p:spTree>
       <p:nvGrpSpPr>
@@ -1011,7 +1103,7 @@
       </p:grpSpPr>
       <p:sp>
         <p:nvSpPr>
-          <p:cNvPr id="14" name="PlaceHolder 1"/>
+          <p:cNvPr id="11" name="PlaceHolder 1"/>
           <p:cNvSpPr>
             <a:spLocks noGrp="1"/>
           </p:cNvSpPr>
@@ -1029,20 +1121,19 @@
           </a:prstGeom>
         </p:spPr>
         <p:txBody>
-          <a:bodyPr lIns="0" rIns="0" tIns="0" bIns="0" anchor="ctr"/>
-          <a:p>
-            <a:endParaRPr b="0" lang="en-US" sz="1800" spc="-1" strike="noStrike">
-              <a:solidFill>
-                <a:srgbClr val="ffffff"/>
-              </a:solidFill>
-              <a:latin typeface="Century Gothic"/>
-            </a:endParaRPr>
-          </a:p>
-        </p:txBody>
-      </p:sp>
-      <p:sp>
-        <p:nvSpPr>
-          <p:cNvPr id="15" name="PlaceHolder 2"/>
+          <a:bodyPr lIns="0" tIns="0" rIns="0" bIns="0" anchor="ctr"/>
+          <a:lstStyle/>
+          <a:p>
+            <a:pPr algn="ctr"/>
+            <a:endParaRPr lang="en-US" sz="4400" b="0" strike="noStrike" spc="-1">
+              <a:latin typeface="Arial"/>
+            </a:endParaRPr>
+          </a:p>
+        </p:txBody>
+      </p:sp>
+      <p:sp>
+        <p:nvSpPr>
+          <p:cNvPr id="12" name="PlaceHolder 2"/>
           <p:cNvSpPr>
             <a:spLocks noGrp="1"/>
           </p:cNvSpPr>
@@ -1060,22 +1151,20 @@
           </a:prstGeom>
         </p:spPr>
         <p:txBody>
-          <a:bodyPr lIns="0" rIns="0" tIns="0" bIns="0">
+          <a:bodyPr lIns="0" tIns="0" rIns="0" bIns="0">
             <a:normAutofit/>
           </a:bodyPr>
-          <a:p>
-            <a:endParaRPr b="0" lang="en-US" sz="1800" spc="-1" strike="noStrike">
-              <a:solidFill>
-                <a:srgbClr val="ffffff"/>
-              </a:solidFill>
-              <a:latin typeface="Century Gothic"/>
-            </a:endParaRPr>
-          </a:p>
-        </p:txBody>
-      </p:sp>
-      <p:sp>
-        <p:nvSpPr>
-          <p:cNvPr id="16" name="PlaceHolder 3"/>
+          <a:lstStyle/>
+          <a:p>
+            <a:endParaRPr lang="en-US" sz="3200" b="0" strike="noStrike" spc="-1">
+              <a:latin typeface="Arial"/>
+            </a:endParaRPr>
+          </a:p>
+        </p:txBody>
+      </p:sp>
+      <p:sp>
+        <p:nvSpPr>
+          <p:cNvPr id="13" name="PlaceHolder 3"/>
           <p:cNvSpPr>
             <a:spLocks noGrp="1"/>
           </p:cNvSpPr>
@@ -1093,22 +1182,20 @@
           </a:prstGeom>
         </p:spPr>
         <p:txBody>
-          <a:bodyPr lIns="0" rIns="0" tIns="0" bIns="0">
+          <a:bodyPr lIns="0" tIns="0" rIns="0" bIns="0">
             <a:normAutofit/>
           </a:bodyPr>
-          <a:p>
-            <a:endParaRPr b="0" lang="en-US" sz="1800" spc="-1" strike="noStrike">
-              <a:solidFill>
-                <a:srgbClr val="ffffff"/>
-              </a:solidFill>
-              <a:latin typeface="Century Gothic"/>
-            </a:endParaRPr>
-          </a:p>
-        </p:txBody>
-      </p:sp>
-      <p:sp>
-        <p:nvSpPr>
-          <p:cNvPr id="17" name="PlaceHolder 4"/>
+          <a:lstStyle/>
+          <a:p>
+            <a:endParaRPr lang="en-US" sz="3200" b="0" strike="noStrike" spc="-1">
+              <a:latin typeface="Arial"/>
+            </a:endParaRPr>
+          </a:p>
+        </p:txBody>
+      </p:sp>
+      <p:sp>
+        <p:nvSpPr>
+          <p:cNvPr id="14" name="PlaceHolder 4"/>
           <p:cNvSpPr>
             <a:spLocks noGrp="1"/>
           </p:cNvSpPr>
@@ -1126,26 +1213,27 @@
           </a:prstGeom>
         </p:spPr>
         <p:txBody>
-          <a:bodyPr lIns="0" rIns="0" tIns="0" bIns="0">
+          <a:bodyPr lIns="0" tIns="0" rIns="0" bIns="0">
             <a:normAutofit/>
           </a:bodyPr>
-          <a:p>
-            <a:endParaRPr b="0" lang="en-US" sz="1800" spc="-1" strike="noStrike">
-              <a:solidFill>
-                <a:srgbClr val="ffffff"/>
-              </a:solidFill>
-              <a:latin typeface="Century Gothic"/>
+          <a:lstStyle/>
+          <a:p>
+            <a:endParaRPr lang="en-US" sz="3200" b="0" strike="noStrike" spc="-1">
+              <a:latin typeface="Arial"/>
             </a:endParaRPr>
           </a:p>
         </p:txBody>
       </p:sp>
     </p:spTree>
   </p:cSld>
+  <p:clrMapOvr>
+    <a:masterClrMapping/>
+  </p:clrMapOvr>
 </p:sldLayout>
 </file>
 
 <file path=ppt/slideLayouts/slideLayout8.xml><?xml version="1.0" encoding="utf-8"?>
-<p:sldLayout xmlns:a="http://schemas.openxmlformats.org/drawingml/2006/main" xmlns:p="http://schemas.openxmlformats.org/presentationml/2006/main" xmlns:r="http://schemas.openxmlformats.org/officeDocument/2006/relationships" xmlns:p14="http://schemas.microsoft.com/office/powerpoint/2010/main" xmlns:p15="http://schemas.microsoft.com/office/powerpoint/2012/main" xmlns:mc="http://schemas.openxmlformats.org/markup-compatibility/2006" type="objAndTwoObj" preserve="1">
+<p:sldLayout xmlns:a="http://schemas.openxmlformats.org/drawingml/2006/main" xmlns:r="http://schemas.openxmlformats.org/officeDocument/2006/relationships" xmlns:p="http://schemas.openxmlformats.org/presentationml/2006/main" type="objAndTwoObj" preserve="1">
   <p:cSld name="Title Content and 2 Content">
     <p:spTree>
       <p:nvGrpSpPr>
@@ -1163,7 +1251,7 @@
       </p:grpSpPr>
       <p:sp>
         <p:nvSpPr>
-          <p:cNvPr id="18" name="PlaceHolder 1"/>
+          <p:cNvPr id="15" name="PlaceHolder 1"/>
           <p:cNvSpPr>
             <a:spLocks noGrp="1"/>
           </p:cNvSpPr>
@@ -1181,20 +1269,19 @@
           </a:prstGeom>
         </p:spPr>
         <p:txBody>
-          <a:bodyPr lIns="0" rIns="0" tIns="0" bIns="0" anchor="ctr"/>
-          <a:p>
-            <a:endParaRPr b="0" lang="en-US" sz="1800" spc="-1" strike="noStrike">
-              <a:solidFill>
-                <a:srgbClr val="ffffff"/>
-              </a:solidFill>
-              <a:latin typeface="Century Gothic"/>
-            </a:endParaRPr>
-          </a:p>
-        </p:txBody>
-      </p:sp>
-      <p:sp>
-        <p:nvSpPr>
-          <p:cNvPr id="19" name="PlaceHolder 2"/>
+          <a:bodyPr lIns="0" tIns="0" rIns="0" bIns="0" anchor="ctr"/>
+          <a:lstStyle/>
+          <a:p>
+            <a:pPr algn="ctr"/>
+            <a:endParaRPr lang="en-US" sz="4400" b="0" strike="noStrike" spc="-1">
+              <a:latin typeface="Arial"/>
+            </a:endParaRPr>
+          </a:p>
+        </p:txBody>
+      </p:sp>
+      <p:sp>
+        <p:nvSpPr>
+          <p:cNvPr id="16" name="PlaceHolder 2"/>
           <p:cNvSpPr>
             <a:spLocks noGrp="1"/>
           </p:cNvSpPr>
@@ -1212,22 +1299,20 @@
           </a:prstGeom>
         </p:spPr>
         <p:txBody>
-          <a:bodyPr lIns="0" rIns="0" tIns="0" bIns="0">
+          <a:bodyPr lIns="0" tIns="0" rIns="0" bIns="0">
             <a:normAutofit/>
           </a:bodyPr>
-          <a:p>
-            <a:endParaRPr b="0" lang="en-US" sz="1800" spc="-1" strike="noStrike">
-              <a:solidFill>
-                <a:srgbClr val="ffffff"/>
-              </a:solidFill>
-              <a:latin typeface="Century Gothic"/>
-            </a:endParaRPr>
-          </a:p>
-        </p:txBody>
-      </p:sp>
-      <p:sp>
-        <p:nvSpPr>
-          <p:cNvPr id="20" name="PlaceHolder 3"/>
+          <a:lstStyle/>
+          <a:p>
+            <a:endParaRPr lang="en-US" sz="3200" b="0" strike="noStrike" spc="-1">
+              <a:latin typeface="Arial"/>
+            </a:endParaRPr>
+          </a:p>
+        </p:txBody>
+      </p:sp>
+      <p:sp>
+        <p:nvSpPr>
+          <p:cNvPr id="17" name="PlaceHolder 3"/>
           <p:cNvSpPr>
             <a:spLocks noGrp="1"/>
           </p:cNvSpPr>
@@ -1245,22 +1330,20 @@
           </a:prstGeom>
         </p:spPr>
         <p:txBody>
-          <a:bodyPr lIns="0" rIns="0" tIns="0" bIns="0">
+          <a:bodyPr lIns="0" tIns="0" rIns="0" bIns="0">
             <a:normAutofit/>
           </a:bodyPr>
-          <a:p>
-            <a:endParaRPr b="0" lang="en-US" sz="1800" spc="-1" strike="noStrike">
-              <a:solidFill>
-                <a:srgbClr val="ffffff"/>
-              </a:solidFill>
-              <a:latin typeface="Century Gothic"/>
-            </a:endParaRPr>
-          </a:p>
-        </p:txBody>
-      </p:sp>
-      <p:sp>
-        <p:nvSpPr>
-          <p:cNvPr id="21" name="PlaceHolder 4"/>
+          <a:lstStyle/>
+          <a:p>
+            <a:endParaRPr lang="en-US" sz="3200" b="0" strike="noStrike" spc="-1">
+              <a:latin typeface="Arial"/>
+            </a:endParaRPr>
+          </a:p>
+        </p:txBody>
+      </p:sp>
+      <p:sp>
+        <p:nvSpPr>
+          <p:cNvPr id="18" name="PlaceHolder 4"/>
           <p:cNvSpPr>
             <a:spLocks noGrp="1"/>
           </p:cNvSpPr>
@@ -1278,26 +1361,27 @@
           </a:prstGeom>
         </p:spPr>
         <p:txBody>
-          <a:bodyPr lIns="0" rIns="0" tIns="0" bIns="0">
+          <a:bodyPr lIns="0" tIns="0" rIns="0" bIns="0">
             <a:normAutofit/>
           </a:bodyPr>
-          <a:p>
-            <a:endParaRPr b="0" lang="en-US" sz="1800" spc="-1" strike="noStrike">
-              <a:solidFill>
-                <a:srgbClr val="ffffff"/>
-              </a:solidFill>
-              <a:latin typeface="Century Gothic"/>
+          <a:lstStyle/>
+          <a:p>
+            <a:endParaRPr lang="en-US" sz="3200" b="0" strike="noStrike" spc="-1">
+              <a:latin typeface="Arial"/>
             </a:endParaRPr>
           </a:p>
         </p:txBody>
       </p:sp>
     </p:spTree>
   </p:cSld>
+  <p:clrMapOvr>
+    <a:masterClrMapping/>
+  </p:clrMapOvr>
 </p:sldLayout>
 </file>
 
 <file path=ppt/slideLayouts/slideLayout9.xml><?xml version="1.0" encoding="utf-8"?>
-<p:sldLayout xmlns:a="http://schemas.openxmlformats.org/drawingml/2006/main" xmlns:p="http://schemas.openxmlformats.org/presentationml/2006/main" xmlns:r="http://schemas.openxmlformats.org/officeDocument/2006/relationships" xmlns:p14="http://schemas.microsoft.com/office/powerpoint/2010/main" xmlns:p15="http://schemas.microsoft.com/office/powerpoint/2012/main" xmlns:mc="http://schemas.openxmlformats.org/markup-compatibility/2006" type="twoObjOverTx" preserve="1">
+<p:sldLayout xmlns:a="http://schemas.openxmlformats.org/drawingml/2006/main" xmlns:r="http://schemas.openxmlformats.org/officeDocument/2006/relationships" xmlns:p="http://schemas.openxmlformats.org/presentationml/2006/main" type="twoObjOverTx" preserve="1">
   <p:cSld name="Title, 2 Content over Content">
     <p:spTree>
       <p:nvGrpSpPr>
@@ -1315,7 +1399,7 @@
       </p:grpSpPr>
       <p:sp>
         <p:nvSpPr>
-          <p:cNvPr id="22" name="PlaceHolder 1"/>
+          <p:cNvPr id="19" name="PlaceHolder 1"/>
           <p:cNvSpPr>
             <a:spLocks noGrp="1"/>
           </p:cNvSpPr>
@@ -1333,20 +1417,19 @@
           </a:prstGeom>
         </p:spPr>
         <p:txBody>
-          <a:bodyPr lIns="0" rIns="0" tIns="0" bIns="0" anchor="ctr"/>
-          <a:p>
-            <a:endParaRPr b="0" lang="en-US" sz="1800" spc="-1" strike="noStrike">
-              <a:solidFill>
-                <a:srgbClr val="ffffff"/>
-              </a:solidFill>
-              <a:latin typeface="Century Gothic"/>
-            </a:endParaRPr>
-          </a:p>
-        </p:txBody>
-      </p:sp>
-      <p:sp>
-        <p:nvSpPr>
-          <p:cNvPr id="23" name="PlaceHolder 2"/>
+          <a:bodyPr lIns="0" tIns="0" rIns="0" bIns="0" anchor="ctr"/>
+          <a:lstStyle/>
+          <a:p>
+            <a:pPr algn="ctr"/>
+            <a:endParaRPr lang="en-US" sz="4400" b="0" strike="noStrike" spc="-1">
+              <a:latin typeface="Arial"/>
+            </a:endParaRPr>
+          </a:p>
+        </p:txBody>
+      </p:sp>
+      <p:sp>
+        <p:nvSpPr>
+          <p:cNvPr id="20" name="PlaceHolder 2"/>
           <p:cNvSpPr>
             <a:spLocks noGrp="1"/>
           </p:cNvSpPr>
@@ -1364,22 +1447,20 @@
           </a:prstGeom>
         </p:spPr>
         <p:txBody>
-          <a:bodyPr lIns="0" rIns="0" tIns="0" bIns="0">
+          <a:bodyPr lIns="0" tIns="0" rIns="0" bIns="0">
             <a:normAutofit/>
           </a:bodyPr>
-          <a:p>
-            <a:endParaRPr b="0" lang="en-US" sz="1800" spc="-1" strike="noStrike">
-              <a:solidFill>
-                <a:srgbClr val="ffffff"/>
-              </a:solidFill>
-              <a:latin typeface="Century Gothic"/>
-            </a:endParaRPr>
-          </a:p>
-        </p:txBody>
-      </p:sp>
-      <p:sp>
-        <p:nvSpPr>
-          <p:cNvPr id="24" name="PlaceHolder 3"/>
+          <a:lstStyle/>
+          <a:p>
+            <a:endParaRPr lang="en-US" sz="3200" b="0" strike="noStrike" spc="-1">
+              <a:latin typeface="Arial"/>
+            </a:endParaRPr>
+          </a:p>
+        </p:txBody>
+      </p:sp>
+      <p:sp>
+        <p:nvSpPr>
+          <p:cNvPr id="21" name="PlaceHolder 3"/>
           <p:cNvSpPr>
             <a:spLocks noGrp="1"/>
           </p:cNvSpPr>
@@ -1397,22 +1478,20 @@
           </a:prstGeom>
         </p:spPr>
         <p:txBody>
-          <a:bodyPr lIns="0" rIns="0" tIns="0" bIns="0">
+          <a:bodyPr lIns="0" tIns="0" rIns="0" bIns="0">
             <a:normAutofit/>
           </a:bodyPr>
-          <a:p>
-            <a:endParaRPr b="0" lang="en-US" sz="1800" spc="-1" strike="noStrike">
-              <a:solidFill>
-                <a:srgbClr val="ffffff"/>
-              </a:solidFill>
-              <a:latin typeface="Century Gothic"/>
-            </a:endParaRPr>
-          </a:p>
-        </p:txBody>
-      </p:sp>
-      <p:sp>
-        <p:nvSpPr>
-          <p:cNvPr id="25" name="PlaceHolder 4"/>
+          <a:lstStyle/>
+          <a:p>
+            <a:endParaRPr lang="en-US" sz="3200" b="0" strike="noStrike" spc="-1">
+              <a:latin typeface="Arial"/>
+            </a:endParaRPr>
+          </a:p>
+        </p:txBody>
+      </p:sp>
+      <p:sp>
+        <p:nvSpPr>
+          <p:cNvPr id="22" name="PlaceHolder 4"/>
           <p:cNvSpPr>
             <a:spLocks noGrp="1"/>
           </p:cNvSpPr>
@@ -1430,32 +1509,34 @@
           </a:prstGeom>
         </p:spPr>
         <p:txBody>
-          <a:bodyPr lIns="0" rIns="0" tIns="0" bIns="0">
+          <a:bodyPr lIns="0" tIns="0" rIns="0" bIns="0">
             <a:normAutofit/>
           </a:bodyPr>
-          <a:p>
-            <a:endParaRPr b="0" lang="en-US" sz="1800" spc="-1" strike="noStrike">
-              <a:solidFill>
-                <a:srgbClr val="ffffff"/>
-              </a:solidFill>
-              <a:latin typeface="Century Gothic"/>
+          <a:lstStyle/>
+          <a:p>
+            <a:endParaRPr lang="en-US" sz="3200" b="0" strike="noStrike" spc="-1">
+              <a:latin typeface="Arial"/>
             </a:endParaRPr>
           </a:p>
         </p:txBody>
       </p:sp>
     </p:spTree>
   </p:cSld>
+  <p:clrMapOvr>
+    <a:masterClrMapping/>
+  </p:clrMapOvr>
 </p:sldLayout>
 </file>
 
 <file path=ppt/slideMasters/slideMaster1.xml><?xml version="1.0" encoding="utf-8"?>
-<p:sldMaster xmlns:a="http://schemas.openxmlformats.org/drawingml/2006/main" xmlns:p="http://schemas.openxmlformats.org/presentationml/2006/main" xmlns:r="http://schemas.openxmlformats.org/officeDocument/2006/relationships" xmlns:p14="http://schemas.microsoft.com/office/powerpoint/2010/main" xmlns:p15="http://schemas.microsoft.com/office/powerpoint/2012/main" xmlns:mc="http://schemas.openxmlformats.org/markup-compatibility/2006">
+<p:sldMaster xmlns:a="http://schemas.openxmlformats.org/drawingml/2006/main" xmlns:r="http://schemas.openxmlformats.org/officeDocument/2006/relationships" xmlns:p="http://schemas.openxmlformats.org/presentationml/2006/main">
   <p:cSld>
     <p:bg>
       <p:bgPr>
         <a:solidFill>
           <a:srgbClr val="212121"/>
         </a:solidFill>
+        <a:effectLst/>
       </p:bgPr>
     </p:bg>
     <p:spTree>
@@ -1474,105 +1555,7 @@
       </p:grpSpPr>
       <p:sp>
         <p:nvSpPr>
-          <p:cNvPr id="0" name="PlaceHolder 1"/>
-          <p:cNvSpPr>
-            <a:spLocks noGrp="1"/>
-          </p:cNvSpPr>
-          <p:nvPr>
-            <p:ph type="dt"/>
-          </p:nvPr>
-        </p:nvSpPr>
-        <p:spPr>
-          <a:xfrm>
-            <a:off x="6911280" y="6041520"/>
-            <a:ext cx="992880" cy="364680"/>
-          </a:xfrm>
-          <a:prstGeom prst="rect">
-            <a:avLst/>
-          </a:prstGeom>
-        </p:spPr>
-        <p:txBody>
-          <a:bodyPr anchor="b"/>
-          <a:p>
-            <a:endParaRPr b="0" lang="es-ES" sz="2400" spc="-1" strike="noStrike">
-              <a:latin typeface="Times New Roman"/>
-            </a:endParaRPr>
-          </a:p>
-        </p:txBody>
-      </p:sp>
-      <p:sp>
-        <p:nvSpPr>
-          <p:cNvPr id="1" name="PlaceHolder 2"/>
-          <p:cNvSpPr>
-            <a:spLocks noGrp="1"/>
-          </p:cNvSpPr>
-          <p:nvPr>
-            <p:ph type="ftr"/>
-          </p:nvPr>
-        </p:nvSpPr>
-        <p:spPr>
-          <a:xfrm>
-            <a:off x="442800" y="6041520"/>
-            <a:ext cx="6289200" cy="364680"/>
-          </a:xfrm>
-          <a:prstGeom prst="rect">
-            <a:avLst/>
-          </a:prstGeom>
-        </p:spPr>
-        <p:txBody>
-          <a:bodyPr anchor="b"/>
-          <a:p>
-            <a:endParaRPr b="0" lang="es-ES" sz="2400" spc="-1" strike="noStrike">
-              <a:latin typeface="Times New Roman"/>
-            </a:endParaRPr>
-          </a:p>
-        </p:txBody>
-      </p:sp>
-      <p:sp>
-        <p:nvSpPr>
-          <p:cNvPr id="2" name="PlaceHolder 3"/>
-          <p:cNvSpPr>
-            <a:spLocks noGrp="1"/>
-          </p:cNvSpPr>
-          <p:nvPr>
-            <p:ph type="sldNum"/>
-          </p:nvPr>
-        </p:nvSpPr>
-        <p:spPr>
-          <a:xfrm>
-            <a:off x="7904520" y="5915880"/>
-            <a:ext cx="796320" cy="490320"/>
-          </a:xfrm>
-          <a:prstGeom prst="rect">
-            <a:avLst/>
-          </a:prstGeom>
-        </p:spPr>
-        <p:txBody>
-          <a:bodyPr bIns="10800" anchor="b"/>
-          <a:p>
-            <a:pPr algn="r">
-              <a:lnSpc>
-                <a:spcPct val="100000"/>
-              </a:lnSpc>
-            </a:pPr>
-            <a:fld id="{E89A67B9-261C-4FE2-90C4-CC1451B8A6EF}" type="slidenum">
-              <a:rPr b="0" lang="es-ES" sz="2000" spc="-1" strike="noStrike">
-                <a:solidFill>
-                  <a:srgbClr val="00c6bb"/>
-                </a:solidFill>
-                <a:latin typeface="Century Gothic"/>
-              </a:rPr>
-              <a:t>&lt;number&gt;</a:t>
-            </a:fld>
-            <a:endParaRPr b="0" lang="es-ES" sz="2000" spc="-1" strike="noStrike">
-              <a:latin typeface="Times New Roman"/>
-            </a:endParaRPr>
-          </a:p>
-        </p:txBody>
-      </p:sp>
-      <p:sp>
-        <p:nvSpPr>
-          <p:cNvPr id="3" name="PlaceHolder 4"/>
+          <p:cNvPr id="2" name="PlaceHolder 1"/>
           <p:cNvSpPr>
             <a:spLocks noGrp="1"/>
           </p:cNvSpPr>
@@ -1590,29 +1573,22 @@
           </a:prstGeom>
         </p:spPr>
         <p:txBody>
-          <a:bodyPr lIns="0" rIns="0" tIns="0" bIns="0" anchor="ctr"/>
-          <a:p>
-            <a:r>
-              <a:rPr b="0" lang="en-US" sz="1800" spc="-1" strike="noStrike">
-                <a:solidFill>
-                  <a:srgbClr val="ffffff"/>
-                </a:solidFill>
-                <a:latin typeface="Century Gothic"/>
+          <a:bodyPr lIns="0" tIns="0" rIns="0" bIns="0" anchor="ctr"/>
+          <a:lstStyle/>
+          <a:p>
+            <a:pPr algn="ctr"/>
+            <a:r>
+              <a:rPr lang="en-US" sz="4400" b="0" strike="noStrike" spc="-1">
+                <a:latin typeface="Arial"/>
               </a:rPr>
               <a:t>Click to edit the title text format</a:t>
             </a:r>
-            <a:endParaRPr b="0" lang="en-US" sz="1800" spc="-1" strike="noStrike">
-              <a:solidFill>
-                <a:srgbClr val="ffffff"/>
-              </a:solidFill>
-              <a:latin typeface="Century Gothic"/>
-            </a:endParaRPr>
-          </a:p>
-        </p:txBody>
-      </p:sp>
-      <p:sp>
-        <p:nvSpPr>
-          <p:cNvPr id="4" name="PlaceHolder 5"/>
+          </a:p>
+        </p:txBody>
+      </p:sp>
+      <p:sp>
+        <p:nvSpPr>
+          <p:cNvPr id="3" name="PlaceHolder 2"/>
           <p:cNvSpPr>
             <a:spLocks noGrp="1"/>
           </p:cNvSpPr>
@@ -1630,229 +1606,447 @@
           </a:prstGeom>
         </p:spPr>
         <p:txBody>
-          <a:bodyPr lIns="0" rIns="0" tIns="0" bIns="0">
+          <a:bodyPr lIns="0" tIns="0" rIns="0" bIns="0">
             <a:normAutofit/>
           </a:bodyPr>
+          <a:lstStyle/>
           <a:p>
             <a:pPr marL="432000" indent="-324000">
               <a:spcBef>
                 <a:spcPts val="1417"/>
               </a:spcBef>
               <a:buClr>
-                <a:srgbClr val="ffffff"/>
+                <a:srgbClr val="FFFFFF"/>
               </a:buClr>
               <a:buSzPct val="45000"/>
               <a:buFont typeface="Wingdings" charset="2"/>
               <a:buChar char=""/>
             </a:pPr>
             <a:r>
-              <a:rPr b="0" lang="en-US" sz="1800" spc="-1" strike="noStrike">
-                <a:solidFill>
-                  <a:srgbClr val="ffffff"/>
-                </a:solidFill>
-                <a:latin typeface="Century Gothic"/>
+              <a:rPr lang="en-US" sz="3200" b="0" strike="noStrike" spc="-1">
+                <a:latin typeface="Arial"/>
               </a:rPr>
               <a:t>Click to edit the outline text format</a:t>
             </a:r>
-            <a:endParaRPr b="0" lang="en-US" sz="1800" spc="-1" strike="noStrike">
-              <a:solidFill>
-                <a:srgbClr val="ffffff"/>
-              </a:solidFill>
-              <a:latin typeface="Century Gothic"/>
-            </a:endParaRPr>
-          </a:p>
-          <a:p>
-            <a:pPr lvl="1" marL="864000" indent="-324000">
+          </a:p>
+          <a:p>
+            <a:pPr marL="864000" lvl="1" indent="-324000">
               <a:spcBef>
                 <a:spcPts val="1134"/>
               </a:spcBef>
               <a:buClr>
-                <a:srgbClr val="ffffff"/>
+                <a:srgbClr val="FFFFFF"/>
               </a:buClr>
               <a:buSzPct val="75000"/>
               <a:buFont typeface="Symbol" charset="2"/>
               <a:buChar char=""/>
             </a:pPr>
             <a:r>
-              <a:rPr b="0" lang="en-US" sz="1400" spc="-1" strike="noStrike">
-                <a:solidFill>
-                  <a:srgbClr val="ffffff"/>
-                </a:solidFill>
-                <a:latin typeface="Century Gothic"/>
+              <a:rPr lang="en-US" sz="2800" b="0" strike="noStrike" spc="-1">
+                <a:latin typeface="Arial"/>
               </a:rPr>
               <a:t>Second Outline Level</a:t>
             </a:r>
-            <a:endParaRPr b="0" lang="en-US" sz="1400" spc="-1" strike="noStrike">
-              <a:solidFill>
-                <a:srgbClr val="ffffff"/>
-              </a:solidFill>
-              <a:latin typeface="Century Gothic"/>
-            </a:endParaRPr>
-          </a:p>
-          <a:p>
-            <a:pPr lvl="2" marL="1296000" indent="-288000">
+          </a:p>
+          <a:p>
+            <a:pPr marL="1296000" lvl="2" indent="-288000">
               <a:spcBef>
                 <a:spcPts val="850"/>
               </a:spcBef>
               <a:buClr>
-                <a:srgbClr val="ffffff"/>
+                <a:srgbClr val="FFFFFF"/>
               </a:buClr>
               <a:buSzPct val="45000"/>
               <a:buFont typeface="Wingdings" charset="2"/>
               <a:buChar char=""/>
             </a:pPr>
             <a:r>
-              <a:rPr b="0" lang="en-US" sz="1200" spc="-1" strike="noStrike">
-                <a:solidFill>
-                  <a:srgbClr val="ffffff"/>
-                </a:solidFill>
-                <a:latin typeface="Century Gothic"/>
+              <a:rPr lang="en-US" sz="2400" b="0" strike="noStrike" spc="-1">
+                <a:latin typeface="Arial"/>
               </a:rPr>
               <a:t>Third Outline Level</a:t>
             </a:r>
-            <a:endParaRPr b="0" lang="en-US" sz="1200" spc="-1" strike="noStrike">
-              <a:solidFill>
-                <a:srgbClr val="ffffff"/>
-              </a:solidFill>
-              <a:latin typeface="Century Gothic"/>
-            </a:endParaRPr>
-          </a:p>
-          <a:p>
-            <a:pPr lvl="3" marL="1728000" indent="-216000">
+          </a:p>
+          <a:p>
+            <a:pPr marL="1728000" lvl="3" indent="-216000">
               <a:spcBef>
                 <a:spcPts val="567"/>
               </a:spcBef>
               <a:buClr>
-                <a:srgbClr val="ffffff"/>
+                <a:srgbClr val="FFFFFF"/>
               </a:buClr>
               <a:buSzPct val="75000"/>
               <a:buFont typeface="Symbol" charset="2"/>
               <a:buChar char=""/>
             </a:pPr>
             <a:r>
-              <a:rPr b="0" lang="en-US" sz="1200" spc="-1" strike="noStrike">
-                <a:solidFill>
-                  <a:srgbClr val="ffffff"/>
-                </a:solidFill>
-                <a:latin typeface="Century Gothic"/>
+              <a:rPr lang="en-US" sz="2000" b="0" strike="noStrike" spc="-1">
+                <a:latin typeface="Arial"/>
               </a:rPr>
               <a:t>Fourth Outline Level</a:t>
             </a:r>
-            <a:endParaRPr b="0" lang="en-US" sz="1200" spc="-1" strike="noStrike">
-              <a:solidFill>
-                <a:srgbClr val="ffffff"/>
-              </a:solidFill>
-              <a:latin typeface="Century Gothic"/>
-            </a:endParaRPr>
-          </a:p>
-          <a:p>
-            <a:pPr lvl="4" marL="2160000" indent="-216000">
+          </a:p>
+          <a:p>
+            <a:pPr marL="2160000" lvl="4" indent="-216000">
               <a:spcBef>
                 <a:spcPts val="283"/>
               </a:spcBef>
               <a:buClr>
-                <a:srgbClr val="ffffff"/>
+                <a:srgbClr val="FFFFFF"/>
               </a:buClr>
               <a:buSzPct val="45000"/>
               <a:buFont typeface="Wingdings" charset="2"/>
               <a:buChar char=""/>
             </a:pPr>
             <a:r>
-              <a:rPr b="0" lang="en-US" sz="2000" spc="-1" strike="noStrike">
-                <a:solidFill>
-                  <a:srgbClr val="ffffff"/>
-                </a:solidFill>
-                <a:latin typeface="Century Gothic"/>
+              <a:rPr lang="en-US" sz="2000" b="0" strike="noStrike" spc="-1">
+                <a:latin typeface="Arial"/>
               </a:rPr>
               <a:t>Fifth Outline Level</a:t>
             </a:r>
-            <a:endParaRPr b="0" lang="en-US" sz="2000" spc="-1" strike="noStrike">
-              <a:solidFill>
-                <a:srgbClr val="ffffff"/>
-              </a:solidFill>
-              <a:latin typeface="Century Gothic"/>
-            </a:endParaRPr>
-          </a:p>
-          <a:p>
-            <a:pPr lvl="5" marL="2592000" indent="-216000">
+          </a:p>
+          <a:p>
+            <a:pPr marL="2592000" lvl="5" indent="-216000">
               <a:spcBef>
                 <a:spcPts val="283"/>
               </a:spcBef>
               <a:buClr>
-                <a:srgbClr val="ffffff"/>
+                <a:srgbClr val="FFFFFF"/>
               </a:buClr>
               <a:buSzPct val="45000"/>
               <a:buFont typeface="Wingdings" charset="2"/>
               <a:buChar char=""/>
             </a:pPr>
             <a:r>
-              <a:rPr b="0" lang="en-US" sz="2000" spc="-1" strike="noStrike">
-                <a:solidFill>
-                  <a:srgbClr val="ffffff"/>
-                </a:solidFill>
-                <a:latin typeface="Century Gothic"/>
+              <a:rPr lang="en-US" sz="2000" b="0" strike="noStrike" spc="-1">
+                <a:latin typeface="Arial"/>
               </a:rPr>
               <a:t>Sixth Outline Level</a:t>
             </a:r>
-            <a:endParaRPr b="0" lang="en-US" sz="2000" spc="-1" strike="noStrike">
-              <a:solidFill>
-                <a:srgbClr val="ffffff"/>
-              </a:solidFill>
-              <a:latin typeface="Century Gothic"/>
-            </a:endParaRPr>
-          </a:p>
-          <a:p>
-            <a:pPr lvl="6" marL="3024000" indent="-216000">
+          </a:p>
+          <a:p>
+            <a:pPr marL="3024000" lvl="6" indent="-216000">
               <a:spcBef>
                 <a:spcPts val="283"/>
               </a:spcBef>
               <a:buClr>
-                <a:srgbClr val="ffffff"/>
+                <a:srgbClr val="FFFFFF"/>
               </a:buClr>
               <a:buSzPct val="45000"/>
               <a:buFont typeface="Wingdings" charset="2"/>
               <a:buChar char=""/>
             </a:pPr>
             <a:r>
-              <a:rPr b="0" lang="en-US" sz="2000" spc="-1" strike="noStrike">
-                <a:solidFill>
-                  <a:srgbClr val="ffffff"/>
-                </a:solidFill>
-                <a:latin typeface="Century Gothic"/>
+              <a:rPr lang="en-US" sz="2000" b="0" strike="noStrike" spc="-1">
+                <a:latin typeface="Arial"/>
               </a:rPr>
               <a:t>Seventh Outline Level</a:t>
             </a:r>
-            <a:endParaRPr b="0" lang="en-US" sz="2000" spc="-1" strike="noStrike">
-              <a:solidFill>
-                <a:srgbClr val="ffffff"/>
-              </a:solidFill>
-              <a:latin typeface="Century Gothic"/>
-            </a:endParaRPr>
           </a:p>
         </p:txBody>
       </p:sp>
     </p:spTree>
   </p:cSld>
-  <p:clrMap bg1="lt1" bg2="lt2" tx1="dk1" tx2="dk2" accent1="accent1" accent2="accent2" accent3="accent3" accent4="accent4" accent5="accent5" accent6="accent6" hlink="hlink" folHlink="folHlink"/>
+  <p:clrMap bg1="lt1" tx1="dk1" bg2="lt2" tx2="dk2" accent1="accent1" accent2="accent2" accent3="accent3" accent4="accent4" accent5="accent5" accent6="accent6" hlink="hlink" folHlink="folHlink"/>
   <p:sldLayoutIdLst>
-    <p:sldLayoutId id="2147483649" r:id="rId2"/>
-    <p:sldLayoutId id="2147483650" r:id="rId3"/>
-    <p:sldLayoutId id="2147483651" r:id="rId4"/>
-    <p:sldLayoutId id="2147483652" r:id="rId5"/>
-    <p:sldLayoutId id="2147483653" r:id="rId6"/>
-    <p:sldLayoutId id="2147483654" r:id="rId7"/>
-    <p:sldLayoutId id="2147483655" r:id="rId8"/>
-    <p:sldLayoutId id="2147483656" r:id="rId9"/>
-    <p:sldLayoutId id="2147483657" r:id="rId10"/>
-    <p:sldLayoutId id="2147483658" r:id="rId11"/>
-    <p:sldLayoutId id="2147483659" r:id="rId12"/>
-    <p:sldLayoutId id="2147483660" r:id="rId13"/>
+    <p:sldLayoutId id="2147483649" r:id="rId1"/>
+    <p:sldLayoutId id="2147483650" r:id="rId2"/>
+    <p:sldLayoutId id="2147483651" r:id="rId3"/>
+    <p:sldLayoutId id="2147483652" r:id="rId4"/>
+    <p:sldLayoutId id="2147483653" r:id="rId5"/>
+    <p:sldLayoutId id="2147483654" r:id="rId6"/>
+    <p:sldLayoutId id="2147483655" r:id="rId7"/>
+    <p:sldLayoutId id="2147483656" r:id="rId8"/>
+    <p:sldLayoutId id="2147483657" r:id="rId9"/>
+    <p:sldLayoutId id="2147483658" r:id="rId10"/>
+    <p:sldLayoutId id="2147483659" r:id="rId11"/>
+    <p:sldLayoutId id="2147483660" r:id="rId12"/>
   </p:sldLayoutIdLst>
+  <p:txStyles>
+    <p:titleStyle>
+      <a:lvl1pPr algn="l" defTabSz="914400" rtl="0" eaLnBrk="1" latinLnBrk="0" hangingPunct="1">
+        <a:lnSpc>
+          <a:spcPct val="90000"/>
+        </a:lnSpc>
+        <a:spcBef>
+          <a:spcPct val="0"/>
+        </a:spcBef>
+        <a:buNone/>
+        <a:defRPr sz="4400" kern="1200">
+          <a:solidFill>
+            <a:schemeClr val="tx1"/>
+          </a:solidFill>
+          <a:latin typeface="+mj-lt"/>
+          <a:ea typeface="+mj-ea"/>
+          <a:cs typeface="+mj-cs"/>
+        </a:defRPr>
+      </a:lvl1pPr>
+    </p:titleStyle>
+    <p:bodyStyle>
+      <a:lvl1pPr marL="228600" indent="-228600" algn="l" defTabSz="914400" rtl="0" eaLnBrk="1" latinLnBrk="0" hangingPunct="1">
+        <a:lnSpc>
+          <a:spcPct val="90000"/>
+        </a:lnSpc>
+        <a:spcBef>
+          <a:spcPts val="1000"/>
+        </a:spcBef>
+        <a:buFont typeface="Arial" panose="020B0604020202020204" pitchFamily="34" charset="0"/>
+        <a:buChar char="•"/>
+        <a:defRPr sz="2800" kern="1200">
+          <a:solidFill>
+            <a:schemeClr val="tx1"/>
+          </a:solidFill>
+          <a:latin typeface="+mn-lt"/>
+          <a:ea typeface="+mn-ea"/>
+          <a:cs typeface="+mn-cs"/>
+        </a:defRPr>
+      </a:lvl1pPr>
+      <a:lvl2pPr marL="685800" indent="-228600" algn="l" defTabSz="914400" rtl="0" eaLnBrk="1" latinLnBrk="0" hangingPunct="1">
+        <a:lnSpc>
+          <a:spcPct val="90000"/>
+        </a:lnSpc>
+        <a:spcBef>
+          <a:spcPts val="500"/>
+        </a:spcBef>
+        <a:buFont typeface="Arial" panose="020B0604020202020204" pitchFamily="34" charset="0"/>
+        <a:buChar char="•"/>
+        <a:defRPr sz="2400" kern="1200">
+          <a:solidFill>
+            <a:schemeClr val="tx1"/>
+          </a:solidFill>
+          <a:latin typeface="+mn-lt"/>
+          <a:ea typeface="+mn-ea"/>
+          <a:cs typeface="+mn-cs"/>
+        </a:defRPr>
+      </a:lvl2pPr>
+      <a:lvl3pPr marL="1143000" indent="-228600" algn="l" defTabSz="914400" rtl="0" eaLnBrk="1" latinLnBrk="0" hangingPunct="1">
+        <a:lnSpc>
+          <a:spcPct val="90000"/>
+        </a:lnSpc>
+        <a:spcBef>
+          <a:spcPts val="500"/>
+        </a:spcBef>
+        <a:buFont typeface="Arial" panose="020B0604020202020204" pitchFamily="34" charset="0"/>
+        <a:buChar char="•"/>
+        <a:defRPr sz="2000" kern="1200">
+          <a:solidFill>
+            <a:schemeClr val="tx1"/>
+          </a:solidFill>
+          <a:latin typeface="+mn-lt"/>
+          <a:ea typeface="+mn-ea"/>
+          <a:cs typeface="+mn-cs"/>
+        </a:defRPr>
+      </a:lvl3pPr>
+      <a:lvl4pPr marL="1600200" indent="-228600" algn="l" defTabSz="914400" rtl="0" eaLnBrk="1" latinLnBrk="0" hangingPunct="1">
+        <a:lnSpc>
+          <a:spcPct val="90000"/>
+        </a:lnSpc>
+        <a:spcBef>
+          <a:spcPts val="500"/>
+        </a:spcBef>
+        <a:buFont typeface="Arial" panose="020B0604020202020204" pitchFamily="34" charset="0"/>
+        <a:buChar char="•"/>
+        <a:defRPr sz="1800" kern="1200">
+          <a:solidFill>
+            <a:schemeClr val="tx1"/>
+          </a:solidFill>
+          <a:latin typeface="+mn-lt"/>
+          <a:ea typeface="+mn-ea"/>
+          <a:cs typeface="+mn-cs"/>
+        </a:defRPr>
+      </a:lvl4pPr>
+      <a:lvl5pPr marL="2057400" indent="-228600" algn="l" defTabSz="914400" rtl="0" eaLnBrk="1" latinLnBrk="0" hangingPunct="1">
+        <a:lnSpc>
+          <a:spcPct val="90000"/>
+        </a:lnSpc>
+        <a:spcBef>
+          <a:spcPts val="500"/>
+        </a:spcBef>
+        <a:buFont typeface="Arial" panose="020B0604020202020204" pitchFamily="34" charset="0"/>
+        <a:buChar char="•"/>
+        <a:defRPr sz="1800" kern="1200">
+          <a:solidFill>
+            <a:schemeClr val="tx1"/>
+          </a:solidFill>
+          <a:latin typeface="+mn-lt"/>
+          <a:ea typeface="+mn-ea"/>
+          <a:cs typeface="+mn-cs"/>
+        </a:defRPr>
+      </a:lvl5pPr>
+      <a:lvl6pPr marL="2514600" indent="-228600" algn="l" defTabSz="914400" rtl="0" eaLnBrk="1" latinLnBrk="0" hangingPunct="1">
+        <a:lnSpc>
+          <a:spcPct val="90000"/>
+        </a:lnSpc>
+        <a:spcBef>
+          <a:spcPts val="500"/>
+        </a:spcBef>
+        <a:buFont typeface="Arial" panose="020B0604020202020204" pitchFamily="34" charset="0"/>
+        <a:buChar char="•"/>
+        <a:defRPr sz="1800" kern="1200">
+          <a:solidFill>
+            <a:schemeClr val="tx1"/>
+          </a:solidFill>
+          <a:latin typeface="+mn-lt"/>
+          <a:ea typeface="+mn-ea"/>
+          <a:cs typeface="+mn-cs"/>
+        </a:defRPr>
+      </a:lvl6pPr>
+      <a:lvl7pPr marL="2971800" indent="-228600" algn="l" defTabSz="914400" rtl="0" eaLnBrk="1" latinLnBrk="0" hangingPunct="1">
+        <a:lnSpc>
+          <a:spcPct val="90000"/>
+        </a:lnSpc>
+        <a:spcBef>
+          <a:spcPts val="500"/>
+        </a:spcBef>
+        <a:buFont typeface="Arial" panose="020B0604020202020204" pitchFamily="34" charset="0"/>
+        <a:buChar char="•"/>
+        <a:defRPr sz="1800" kern="1200">
+          <a:solidFill>
+            <a:schemeClr val="tx1"/>
+          </a:solidFill>
+          <a:latin typeface="+mn-lt"/>
+          <a:ea typeface="+mn-ea"/>
+          <a:cs typeface="+mn-cs"/>
+        </a:defRPr>
+      </a:lvl7pPr>
+      <a:lvl8pPr marL="3429000" indent="-228600" algn="l" defTabSz="914400" rtl="0" eaLnBrk="1" latinLnBrk="0" hangingPunct="1">
+        <a:lnSpc>
+          <a:spcPct val="90000"/>
+        </a:lnSpc>
+        <a:spcBef>
+          <a:spcPts val="500"/>
+        </a:spcBef>
+        <a:buFont typeface="Arial" panose="020B0604020202020204" pitchFamily="34" charset="0"/>
+        <a:buChar char="•"/>
+        <a:defRPr sz="1800" kern="1200">
+          <a:solidFill>
+            <a:schemeClr val="tx1"/>
+          </a:solidFill>
+          <a:latin typeface="+mn-lt"/>
+          <a:ea typeface="+mn-ea"/>
+          <a:cs typeface="+mn-cs"/>
+        </a:defRPr>
+      </a:lvl8pPr>
+      <a:lvl9pPr marL="3886200" indent="-228600" algn="l" defTabSz="914400" rtl="0" eaLnBrk="1" latinLnBrk="0" hangingPunct="1">
+        <a:lnSpc>
+          <a:spcPct val="90000"/>
+        </a:lnSpc>
+        <a:spcBef>
+          <a:spcPts val="500"/>
+        </a:spcBef>
+        <a:buFont typeface="Arial" panose="020B0604020202020204" pitchFamily="34" charset="0"/>
+        <a:buChar char="•"/>
+        <a:defRPr sz="1800" kern="1200">
+          <a:solidFill>
+            <a:schemeClr val="tx1"/>
+          </a:solidFill>
+          <a:latin typeface="+mn-lt"/>
+          <a:ea typeface="+mn-ea"/>
+          <a:cs typeface="+mn-cs"/>
+        </a:defRPr>
+      </a:lvl9pPr>
+    </p:bodyStyle>
+    <p:otherStyle>
+      <a:defPPr>
+        <a:defRPr lang="es-ES"/>
+      </a:defPPr>
+      <a:lvl1pPr marL="0" algn="l" defTabSz="914400" rtl="0" eaLnBrk="1" latinLnBrk="0" hangingPunct="1">
+        <a:defRPr sz="1800" kern="1200">
+          <a:solidFill>
+            <a:schemeClr val="tx1"/>
+          </a:solidFill>
+          <a:latin typeface="+mn-lt"/>
+          <a:ea typeface="+mn-ea"/>
+          <a:cs typeface="+mn-cs"/>
+        </a:defRPr>
+      </a:lvl1pPr>
+      <a:lvl2pPr marL="457200" algn="l" defTabSz="914400" rtl="0" eaLnBrk="1" latinLnBrk="0" hangingPunct="1">
+        <a:defRPr sz="1800" kern="1200">
+          <a:solidFill>
+            <a:schemeClr val="tx1"/>
+          </a:solidFill>
+          <a:latin typeface="+mn-lt"/>
+          <a:ea typeface="+mn-ea"/>
+          <a:cs typeface="+mn-cs"/>
+        </a:defRPr>
+      </a:lvl2pPr>
+      <a:lvl3pPr marL="914400" algn="l" defTabSz="914400" rtl="0" eaLnBrk="1" latinLnBrk="0" hangingPunct="1">
+        <a:defRPr sz="1800" kern="1200">
+          <a:solidFill>
+            <a:schemeClr val="tx1"/>
+          </a:solidFill>
+          <a:latin typeface="+mn-lt"/>
+          <a:ea typeface="+mn-ea"/>
+          <a:cs typeface="+mn-cs"/>
+        </a:defRPr>
+      </a:lvl3pPr>
+      <a:lvl4pPr marL="1371600" algn="l" defTabSz="914400" rtl="0" eaLnBrk="1" latinLnBrk="0" hangingPunct="1">
+        <a:defRPr sz="1800" kern="1200">
+          <a:solidFill>
+            <a:schemeClr val="tx1"/>
+          </a:solidFill>
+          <a:latin typeface="+mn-lt"/>
+          <a:ea typeface="+mn-ea"/>
+          <a:cs typeface="+mn-cs"/>
+        </a:defRPr>
+      </a:lvl4pPr>
+      <a:lvl5pPr marL="1828800" algn="l" defTabSz="914400" rtl="0" eaLnBrk="1" latinLnBrk="0" hangingPunct="1">
+        <a:defRPr sz="1800" kern="1200">
+          <a:solidFill>
+            <a:schemeClr val="tx1"/>
+          </a:solidFill>
+          <a:latin typeface="+mn-lt"/>
+          <a:ea typeface="+mn-ea"/>
+          <a:cs typeface="+mn-cs"/>
+        </a:defRPr>
+      </a:lvl5pPr>
+      <a:lvl6pPr marL="2286000" algn="l" defTabSz="914400" rtl="0" eaLnBrk="1" latinLnBrk="0" hangingPunct="1">
+        <a:defRPr sz="1800" kern="1200">
+          <a:solidFill>
+            <a:schemeClr val="tx1"/>
+          </a:solidFill>
+          <a:latin typeface="+mn-lt"/>
+          <a:ea typeface="+mn-ea"/>
+          <a:cs typeface="+mn-cs"/>
+        </a:defRPr>
+      </a:lvl6pPr>
+      <a:lvl7pPr marL="2743200" algn="l" defTabSz="914400" rtl="0" eaLnBrk="1" latinLnBrk="0" hangingPunct="1">
+        <a:defRPr sz="1800" kern="1200">
+          <a:solidFill>
+            <a:schemeClr val="tx1"/>
+          </a:solidFill>
+          <a:latin typeface="+mn-lt"/>
+          <a:ea typeface="+mn-ea"/>
+          <a:cs typeface="+mn-cs"/>
+        </a:defRPr>
+      </a:lvl7pPr>
+      <a:lvl8pPr marL="3200400" algn="l" defTabSz="914400" rtl="0" eaLnBrk="1" latinLnBrk="0" hangingPunct="1">
+        <a:defRPr sz="1800" kern="1200">
+          <a:solidFill>
+            <a:schemeClr val="tx1"/>
+          </a:solidFill>
+          <a:latin typeface="+mn-lt"/>
+          <a:ea typeface="+mn-ea"/>
+          <a:cs typeface="+mn-cs"/>
+        </a:defRPr>
+      </a:lvl8pPr>
+      <a:lvl9pPr marL="3657600" algn="l" defTabSz="914400" rtl="0" eaLnBrk="1" latinLnBrk="0" hangingPunct="1">
+        <a:defRPr sz="1800" kern="1200">
+          <a:solidFill>
+            <a:schemeClr val="tx1"/>
+          </a:solidFill>
+          <a:latin typeface="+mn-lt"/>
+          <a:ea typeface="+mn-ea"/>
+          <a:cs typeface="+mn-cs"/>
+        </a:defRPr>
+      </a:lvl9pPr>
+    </p:otherStyle>
+  </p:txStyles>
 </p:sldMaster>
 </file>
 
 <file path=ppt/slides/slide1.xml><?xml version="1.0" encoding="utf-8"?>
-<p:sld xmlns:a="http://schemas.openxmlformats.org/drawingml/2006/main" xmlns:p="http://schemas.openxmlformats.org/presentationml/2006/main" xmlns:r="http://schemas.openxmlformats.org/officeDocument/2006/relationships" xmlns:p14="http://schemas.microsoft.com/office/powerpoint/2010/main" xmlns:p15="http://schemas.microsoft.com/office/powerpoint/2012/main" xmlns:mc="http://schemas.openxmlformats.org/markup-compatibility/2006">
+<p:sld xmlns:a="http://schemas.openxmlformats.org/drawingml/2006/main" xmlns:r="http://schemas.openxmlformats.org/officeDocument/2006/relationships" xmlns:p="http://schemas.openxmlformats.org/presentationml/2006/main">
   <p:cSld>
     <p:spTree>
       <p:nvGrpSpPr>
@@ -1870,14 +2064,14 @@
       </p:grpSpPr>
       <p:sp>
         <p:nvSpPr>
-          <p:cNvPr id="41" name="CustomShape 1"/>
+          <p:cNvPr id="38" name="CustomShape 1"/>
           <p:cNvSpPr/>
           <p:nvPr/>
         </p:nvSpPr>
         <p:spPr>
           <a:xfrm>
             <a:off x="228600" y="6248520"/>
-            <a:ext cx="1904760" cy="454680"/>
+            <a:ext cx="1904400" cy="454320"/>
           </a:xfrm>
           <a:prstGeom prst="rect">
             <a:avLst/>
@@ -1888,13 +2082,20 @@
           </a:ln>
         </p:spPr>
         <p:style>
-          <a:lnRef idx="0"/>
-          <a:fillRef idx="0"/>
-          <a:effectRef idx="0"/>
+          <a:lnRef idx="0">
+            <a:scrgbClr r="0" g="0" b="0"/>
+          </a:lnRef>
+          <a:fillRef idx="0">
+            <a:scrgbClr r="0" g="0" b="0"/>
+          </a:fillRef>
+          <a:effectRef idx="0">
+            <a:scrgbClr r="0" g="0" b="0"/>
+          </a:effectRef>
           <a:fontRef idx="minor"/>
         </p:style>
         <p:txBody>
-          <a:bodyPr lIns="90000" rIns="90000" tIns="45000" bIns="45000"/>
+          <a:bodyPr lIns="90000" tIns="45000" rIns="90000" bIns="45000"/>
+          <a:lstStyle/>
           <a:p>
             <a:pPr>
               <a:lnSpc>
@@ -1905,15 +2106,16 @@
               </a:spcBef>
             </a:pPr>
             <a:r>
-              <a:rPr b="0" lang="es-ES" sz="1200" spc="-1" strike="noStrike">
-                <a:solidFill>
-                  <a:srgbClr val="dddddd"/>
+              <a:rPr lang="en-US" sz="1200" b="0" strike="noStrike" spc="-1">
+                <a:solidFill>
+                  <a:srgbClr val="DDDDDD"/>
                 </a:solidFill>
                 <a:latin typeface="Swis721 Ex BT"/>
+                <a:ea typeface="DejaVu Sans"/>
               </a:rPr>
               <a:t>Máster SIG – 2019/2020</a:t>
             </a:r>
-            <a:endParaRPr b="0" lang="es-ES" sz="1200" spc="-1" strike="noStrike">
+            <a:endParaRPr lang="en-US" sz="1200" b="0" strike="noStrike" spc="-1">
               <a:latin typeface="Arial"/>
             </a:endParaRPr>
           </a:p>
@@ -1921,7 +2123,7 @@
       </p:sp>
       <p:sp>
         <p:nvSpPr>
-          <p:cNvPr id="42" name="Line 2"/>
+          <p:cNvPr id="39" name="Line 2"/>
           <p:cNvSpPr/>
           <p:nvPr/>
         </p:nvSpPr>
@@ -1935,28 +2137,34 @@
           </a:prstGeom>
           <a:ln w="9360">
             <a:solidFill>
-              <a:srgbClr val="dddddd"/>
+              <a:srgbClr val="DDDDDD"/>
             </a:solidFill>
             <a:round/>
           </a:ln>
         </p:spPr>
         <p:style>
-          <a:lnRef idx="0"/>
-          <a:fillRef idx="0"/>
-          <a:effectRef idx="0"/>
+          <a:lnRef idx="0">
+            <a:scrgbClr r="0" g="0" b="0"/>
+          </a:lnRef>
+          <a:fillRef idx="0">
+            <a:scrgbClr r="0" g="0" b="0"/>
+          </a:fillRef>
+          <a:effectRef idx="0">
+            <a:scrgbClr r="0" g="0" b="0"/>
+          </a:effectRef>
           <a:fontRef idx="minor"/>
         </p:style>
       </p:sp>
       <p:sp>
         <p:nvSpPr>
-          <p:cNvPr id="43" name="CustomShape 3"/>
+          <p:cNvPr id="40" name="CustomShape 3"/>
           <p:cNvSpPr/>
           <p:nvPr/>
         </p:nvSpPr>
         <p:spPr>
           <a:xfrm>
             <a:off x="611280" y="961920"/>
-            <a:ext cx="8064000" cy="2439360"/>
+            <a:ext cx="8063640" cy="2439000"/>
           </a:xfrm>
           <a:prstGeom prst="rect">
             <a:avLst/>
@@ -1967,13 +2175,20 @@
           </a:ln>
         </p:spPr>
         <p:style>
-          <a:lnRef idx="0"/>
-          <a:fillRef idx="0"/>
-          <a:effectRef idx="0"/>
+          <a:lnRef idx="0">
+            <a:scrgbClr r="0" g="0" b="0"/>
+          </a:lnRef>
+          <a:fillRef idx="0">
+            <a:scrgbClr r="0" g="0" b="0"/>
+          </a:fillRef>
+          <a:effectRef idx="0">
+            <a:scrgbClr r="0" g="0" b="0"/>
+          </a:effectRef>
           <a:fontRef idx="minor"/>
         </p:style>
         <p:txBody>
-          <a:bodyPr lIns="90000" rIns="90000" tIns="45000" bIns="45000"/>
+          <a:bodyPr lIns="90000" tIns="45000" rIns="90000" bIns="45000"/>
+          <a:lstStyle/>
           <a:p>
             <a:pPr algn="ctr">
               <a:lnSpc>
@@ -1984,15 +2199,16 @@
               </a:spcBef>
             </a:pPr>
             <a:r>
-              <a:rPr b="0" lang="es-ES" sz="2400" spc="-1" strike="noStrike">
-                <a:solidFill>
-                  <a:srgbClr val="dddddd"/>
+              <a:rPr lang="en-US" sz="2400" b="0" strike="noStrike" spc="-1">
+                <a:solidFill>
+                  <a:srgbClr val="DDDDDD"/>
                 </a:solidFill>
                 <a:latin typeface="Swis721 Ex BT"/>
+                <a:ea typeface="DejaVu Sans"/>
               </a:rPr>
               <a:t>MÁSTER EN SISTEMAS DE INFORMACIÓN GEOGRÁFICA</a:t>
             </a:r>
-            <a:endParaRPr b="0" lang="es-ES" sz="2400" spc="-1" strike="noStrike">
+            <a:endParaRPr lang="en-US" sz="2400" b="0" strike="noStrike" spc="-1">
               <a:latin typeface="Arial"/>
             </a:endParaRPr>
           </a:p>
@@ -2005,7 +2221,7 @@
                 <a:spcPts val="451"/>
               </a:spcBef>
             </a:pPr>
-            <a:endParaRPr b="0" lang="es-ES" sz="2400" spc="-1" strike="noStrike">
+            <a:endParaRPr lang="en-US" sz="2400" b="0" strike="noStrike" spc="-1">
               <a:latin typeface="Arial"/>
             </a:endParaRPr>
           </a:p>
@@ -2018,7 +2234,7 @@
                 <a:spcPts val="451"/>
               </a:spcBef>
             </a:pPr>
-            <a:endParaRPr b="0" lang="es-ES" sz="2400" spc="-1" strike="noStrike">
+            <a:endParaRPr lang="en-US" sz="2400" b="0" strike="noStrike" spc="-1">
               <a:latin typeface="Arial"/>
             </a:endParaRPr>
           </a:p>
@@ -2032,15 +2248,16 @@
               </a:spcBef>
             </a:pPr>
             <a:r>
-              <a:rPr b="0" lang="es-ES" sz="2400" spc="-1" strike="noStrike">
-                <a:solidFill>
-                  <a:srgbClr val="ffff99"/>
+              <a:rPr lang="en-US" sz="2400" b="0" strike="noStrike" spc="-1">
+                <a:solidFill>
+                  <a:srgbClr val="FFFF99"/>
                 </a:solidFill>
                 <a:latin typeface="Swis721 Ex BT"/>
+                <a:ea typeface="DejaVu Sans"/>
               </a:rPr>
               <a:t>M2 – MAPAS Y OPENDATA: PROGRAMACIÓN WEB-SIG, ORGANIZACIÓN Y ANÁLISIS DE GEODATOS</a:t>
             </a:r>
-            <a:endParaRPr b="0" lang="es-ES" sz="2400" spc="-1" strike="noStrike">
+            <a:endParaRPr lang="en-US" sz="2400" b="0" strike="noStrike" spc="-1">
               <a:latin typeface="Arial"/>
             </a:endParaRPr>
           </a:p>
@@ -2053,7 +2270,7 @@
                 <a:spcPts val="799"/>
               </a:spcBef>
             </a:pPr>
-            <a:endParaRPr b="0" lang="es-ES" sz="2400" spc="-1" strike="noStrike">
+            <a:endParaRPr lang="en-US" sz="2400" b="0" strike="noStrike" spc="-1">
               <a:latin typeface="Arial"/>
             </a:endParaRPr>
           </a:p>
@@ -2061,14 +2278,14 @@
       </p:sp>
       <p:sp>
         <p:nvSpPr>
-          <p:cNvPr id="44" name="CustomShape 4"/>
+          <p:cNvPr id="41" name="CustomShape 4"/>
           <p:cNvSpPr/>
           <p:nvPr/>
         </p:nvSpPr>
         <p:spPr>
           <a:xfrm>
             <a:off x="708120" y="3933720"/>
-            <a:ext cx="7733880" cy="461160"/>
+            <a:ext cx="7733520" cy="460800"/>
           </a:xfrm>
           <a:prstGeom prst="rect">
             <a:avLst/>
@@ -2079,26 +2296,32 @@
           </a:ln>
         </p:spPr>
         <p:style>
-          <a:lnRef idx="0"/>
-          <a:fillRef idx="0"/>
-          <a:effectRef idx="0"/>
+          <a:lnRef idx="0">
+            <a:scrgbClr r="0" g="0" b="0"/>
+          </a:lnRef>
+          <a:fillRef idx="0">
+            <a:scrgbClr r="0" g="0" b="0"/>
+          </a:fillRef>
+          <a:effectRef idx="0">
+            <a:scrgbClr r="0" g="0" b="0"/>
+          </a:effectRef>
           <a:fontRef idx="minor"/>
         </p:style>
       </p:sp>
       <p:pic>
         <p:nvPicPr>
-          <p:cNvPr id="45" name="Picture 2" descr=""/>
+          <p:cNvPr id="42" name="Picture 2"/>
           <p:cNvPicPr/>
           <p:nvPr/>
         </p:nvPicPr>
         <p:blipFill>
-          <a:blip r:embed="rId1"/>
+          <a:blip r:embed="rId2"/>
           <a:stretch/>
         </p:blipFill>
         <p:spPr>
           <a:xfrm>
             <a:off x="6156000" y="5511960"/>
-            <a:ext cx="2809440" cy="856800"/>
+            <a:ext cx="2809080" cy="856440"/>
           </a:xfrm>
           <a:prstGeom prst="rect">
             <a:avLst/>
@@ -2110,14 +2333,14 @@
       </p:pic>
       <p:sp>
         <p:nvSpPr>
-          <p:cNvPr id="46" name="CustomShape 5"/>
+          <p:cNvPr id="43" name="CustomShape 5"/>
           <p:cNvSpPr/>
           <p:nvPr/>
         </p:nvSpPr>
         <p:spPr>
           <a:xfrm>
             <a:off x="772920" y="3735360"/>
-            <a:ext cx="7935480" cy="577800"/>
+            <a:ext cx="7935120" cy="577440"/>
           </a:xfrm>
           <a:prstGeom prst="rect">
             <a:avLst/>
@@ -2128,13 +2351,20 @@
           </a:ln>
         </p:spPr>
         <p:style>
-          <a:lnRef idx="0"/>
-          <a:fillRef idx="0"/>
-          <a:effectRef idx="0"/>
+          <a:lnRef idx="0">
+            <a:scrgbClr r="0" g="0" b="0"/>
+          </a:lnRef>
+          <a:fillRef idx="0">
+            <a:scrgbClr r="0" g="0" b="0"/>
+          </a:fillRef>
+          <a:effectRef idx="0">
+            <a:scrgbClr r="0" g="0" b="0"/>
+          </a:effectRef>
           <a:fontRef idx="minor"/>
         </p:style>
         <p:txBody>
-          <a:bodyPr wrap="none" lIns="90000" rIns="90000" tIns="45000" bIns="45000"/>
+          <a:bodyPr wrap="none" lIns="90000" tIns="45000" rIns="90000" bIns="45000"/>
+          <a:lstStyle/>
           <a:p>
             <a:pPr>
               <a:lnSpc>
@@ -2142,33 +2372,36 @@
               </a:lnSpc>
             </a:pPr>
             <a:r>
-              <a:rPr b="0" lang="es-ES" sz="2800" spc="-1" strike="noStrike">
-                <a:solidFill>
-                  <a:srgbClr val="ffffff"/>
-                </a:solidFill>
-                <a:latin typeface="Consolas"/>
+              <a:rPr lang="en-US" sz="2800" b="0" strike="noStrike" spc="-1">
+                <a:solidFill>
+                  <a:srgbClr val="FFFFFF"/>
+                </a:solidFill>
+                <a:latin typeface="Consolas"/>
+                <a:ea typeface="DejaVu Sans"/>
               </a:rPr>
               <a:t>Mallas </a:t>
             </a:r>
             <a:r>
-              <a:rPr b="0" lang="es-ES" sz="3200" spc="-1" strike="noStrike">
-                <a:solidFill>
-                  <a:srgbClr val="ffffff"/>
-                </a:solidFill>
-                <a:latin typeface="Consolas"/>
+              <a:rPr lang="en-US" sz="3200" b="0" strike="noStrike" spc="-1">
+                <a:solidFill>
+                  <a:srgbClr val="FFFFFF"/>
+                </a:solidFill>
+                <a:latin typeface="Consolas"/>
+                <a:ea typeface="DejaVu Sans"/>
               </a:rPr>
               <a:t>discretas</a:t>
             </a:r>
             <a:r>
-              <a:rPr b="0" lang="es-ES" sz="2800" spc="-1" strike="noStrike">
-                <a:solidFill>
-                  <a:srgbClr val="ffffff"/>
-                </a:solidFill>
-                <a:latin typeface="Consolas"/>
+              <a:rPr lang="en-US" sz="2800" b="0" strike="noStrike" spc="-1">
+                <a:solidFill>
+                  <a:srgbClr val="FFFFFF"/>
+                </a:solidFill>
+                <a:latin typeface="Consolas"/>
+                <a:ea typeface="DejaVu Sans"/>
               </a:rPr>
               <a:t> y algoritmos en JS</a:t>
             </a:r>
-            <a:endParaRPr b="0" lang="es-ES" sz="2800" spc="-1" strike="noStrike">
+            <a:endParaRPr lang="en-US" sz="2800" b="0" strike="noStrike" spc="-1">
               <a:latin typeface="Arial"/>
             </a:endParaRPr>
           </a:p>
@@ -2176,6 +2409,9 @@
       </p:sp>
     </p:spTree>
   </p:cSld>
+  <p:clrMapOvr>
+    <a:masterClrMapping/>
+  </p:clrMapOvr>
   <p:timing>
     <p:tnLst>
       <p:par>
@@ -2184,14 +2420,14 @@
             <p:seq>
               <p:cTn id="2" dur="indefinite" nodeType="mainSeq"/>
               <p:prevCondLst>
-                <p:cond delay="0" evt="onPrev">
+                <p:cond evt="onPrev" delay="0">
                   <p:tgtEl>
                     <p:sldTgt/>
                   </p:tgtEl>
                 </p:cond>
               </p:prevCondLst>
               <p:nextCondLst>
-                <p:cond delay="0" evt="onNext">
+                <p:cond evt="onNext" delay="0">
                   <p:tgtEl>
                     <p:sldTgt/>
                   </p:tgtEl>
@@ -2207,7 +2443,7 @@
 </file>
 
 <file path=ppt/slides/slide10.xml><?xml version="1.0" encoding="utf-8"?>
-<p:sld xmlns:a="http://schemas.openxmlformats.org/drawingml/2006/main" xmlns:p="http://schemas.openxmlformats.org/presentationml/2006/main" xmlns:r="http://schemas.openxmlformats.org/officeDocument/2006/relationships" xmlns:p14="http://schemas.microsoft.com/office/powerpoint/2010/main" xmlns:p15="http://schemas.microsoft.com/office/powerpoint/2012/main" xmlns:mc="http://schemas.openxmlformats.org/markup-compatibility/2006">
+<p:sld xmlns:a="http://schemas.openxmlformats.org/drawingml/2006/main" xmlns:r="http://schemas.openxmlformats.org/officeDocument/2006/relationships" xmlns:p="http://schemas.openxmlformats.org/presentationml/2006/main">
   <p:cSld>
     <p:spTree>
       <p:nvGrpSpPr>
@@ -2225,14 +2461,14 @@
       </p:grpSpPr>
       <p:sp>
         <p:nvSpPr>
-          <p:cNvPr id="71" name="CustomShape 1"/>
+          <p:cNvPr id="74" name="CustomShape 1"/>
           <p:cNvSpPr/>
           <p:nvPr/>
         </p:nvSpPr>
         <p:spPr>
           <a:xfrm>
             <a:off x="496080" y="404640"/>
-            <a:ext cx="8288280" cy="516960"/>
+            <a:ext cx="8287920" cy="516600"/>
           </a:xfrm>
           <a:prstGeom prst="rect">
             <a:avLst/>
@@ -2243,13 +2479,20 @@
           </a:ln>
         </p:spPr>
         <p:style>
-          <a:lnRef idx="0"/>
-          <a:fillRef idx="0"/>
-          <a:effectRef idx="0"/>
+          <a:lnRef idx="0">
+            <a:scrgbClr r="0" g="0" b="0"/>
+          </a:lnRef>
+          <a:fillRef idx="0">
+            <a:scrgbClr r="0" g="0" b="0"/>
+          </a:fillRef>
+          <a:effectRef idx="0">
+            <a:scrgbClr r="0" g="0" b="0"/>
+          </a:effectRef>
           <a:fontRef idx="minor"/>
         </p:style>
         <p:txBody>
-          <a:bodyPr lIns="90000" rIns="90000" tIns="45000" bIns="45000"/>
+          <a:bodyPr lIns="90000" tIns="45000" rIns="90000" bIns="45000"/>
+          <a:lstStyle/>
           <a:p>
             <a:pPr>
               <a:lnSpc>
@@ -2260,24 +2503,56 @@
               </a:spcBef>
             </a:pPr>
             <a:r>
-              <a:rPr b="0" lang="es-ES" sz="2800" spc="-1" strike="noStrike">
-                <a:solidFill>
-                  <a:srgbClr val="ffff99"/>
-                </a:solidFill>
-                <a:latin typeface="Consolas"/>
-              </a:rPr>
-              <a:t>“</a:t>
-            </a:r>
-            <a:r>
-              <a:rPr b="0" lang="es-ES" sz="2800" spc="-1" strike="noStrike">
-                <a:solidFill>
-                  <a:srgbClr val="ffff99"/>
-                </a:solidFill>
-                <a:latin typeface="Consolas"/>
-              </a:rPr>
-              <a:t>Problema”</a:t>
-            </a:r>
-            <a:endParaRPr b="0" lang="es-ES" sz="2800" spc="-1" strike="noStrike">
+              <a:rPr lang="en-US" sz="2800" b="0" strike="noStrike" spc="-1" dirty="0" err="1">
+                <a:solidFill>
+                  <a:srgbClr val="FFFF99"/>
+                </a:solidFill>
+                <a:latin typeface="Consolas"/>
+                <a:ea typeface="DejaVu Sans"/>
+              </a:rPr>
+              <a:t>Mallas</a:t>
+            </a:r>
+            <a:r>
+              <a:rPr lang="en-US" sz="2800" b="0" strike="noStrike" spc="-1" dirty="0">
+                <a:solidFill>
+                  <a:srgbClr val="FFFF99"/>
+                </a:solidFill>
+                <a:latin typeface="Consolas"/>
+                <a:ea typeface="DejaVu Sans"/>
+              </a:rPr>
+              <a:t> </a:t>
+            </a:r>
+            <a:r>
+              <a:rPr lang="en-US" sz="2800" b="0" strike="noStrike" spc="-1" dirty="0" err="1">
+                <a:solidFill>
+                  <a:srgbClr val="FFFF99"/>
+                </a:solidFill>
+                <a:latin typeface="Consolas"/>
+                <a:ea typeface="DejaVu Sans"/>
+              </a:rPr>
+              <a:t>globales</a:t>
+            </a:r>
+            <a:r>
+              <a:rPr lang="en-US" sz="2800" b="0" strike="noStrike" spc="-1" dirty="0">
+                <a:solidFill>
+                  <a:srgbClr val="FFFF99"/>
+                </a:solidFill>
+                <a:latin typeface="Consolas"/>
+                <a:ea typeface="DejaVu Sans"/>
+              </a:rPr>
+              <a:t> </a:t>
+            </a:r>
+            <a:r>
+              <a:rPr lang="en-US" sz="2800" b="0" strike="noStrike" spc="-1" dirty="0" err="1">
+                <a:solidFill>
+                  <a:srgbClr val="FFFF99"/>
+                </a:solidFill>
+                <a:latin typeface="Consolas"/>
+                <a:ea typeface="DejaVu Sans"/>
+              </a:rPr>
+              <a:t>discretas</a:t>
+            </a:r>
+            <a:endParaRPr lang="en-US" sz="2800" b="0" strike="noStrike" spc="-1" dirty="0">
               <a:latin typeface="Arial"/>
             </a:endParaRPr>
           </a:p>
@@ -2285,14 +2560,14 @@
       </p:sp>
       <p:sp>
         <p:nvSpPr>
-          <p:cNvPr id="72" name="CustomShape 2"/>
+          <p:cNvPr id="75" name="CustomShape 2"/>
           <p:cNvSpPr/>
           <p:nvPr/>
         </p:nvSpPr>
         <p:spPr>
           <a:xfrm>
-            <a:off x="519480" y="1554480"/>
-            <a:ext cx="7344360" cy="3075840"/>
+            <a:off x="457200" y="1097280"/>
+            <a:ext cx="8287920" cy="516600"/>
           </a:xfrm>
           <a:prstGeom prst="rect">
             <a:avLst/>
@@ -2303,13 +2578,108 @@
           </a:ln>
         </p:spPr>
         <p:style>
-          <a:lnRef idx="0"/>
-          <a:fillRef idx="0"/>
-          <a:effectRef idx="0"/>
+          <a:lnRef idx="0">
+            <a:scrgbClr r="0" g="0" b="0"/>
+          </a:lnRef>
+          <a:fillRef idx="0">
+            <a:scrgbClr r="0" g="0" b="0"/>
+          </a:fillRef>
+          <a:effectRef idx="0">
+            <a:scrgbClr r="0" g="0" b="0"/>
+          </a:effectRef>
           <a:fontRef idx="minor"/>
         </p:style>
         <p:txBody>
-          <a:bodyPr lIns="90000" rIns="90000" tIns="45000" bIns="45000"/>
+          <a:bodyPr lIns="90000" tIns="45000" rIns="90000" bIns="45000"/>
+          <a:lstStyle/>
+          <a:p>
+            <a:pPr>
+              <a:lnSpc>
+                <a:spcPct val="100000"/>
+              </a:lnSpc>
+              <a:spcBef>
+                <a:spcPts val="1400"/>
+              </a:spcBef>
+            </a:pPr>
+            <a:r>
+              <a:rPr lang="en-US" sz="2800" b="0" strike="noStrike" spc="-1">
+                <a:solidFill>
+                  <a:srgbClr val="FFFF99"/>
+                </a:solidFill>
+                <a:latin typeface="Consolas"/>
+                <a:ea typeface="DejaVu Sans"/>
+              </a:rPr>
+              <a:t>Hierarchical Geospatial Indexing</a:t>
+            </a:r>
+            <a:endParaRPr lang="en-US" sz="2800" b="0" strike="noStrike" spc="-1">
+              <a:latin typeface="Arial"/>
+            </a:endParaRPr>
+          </a:p>
+        </p:txBody>
+      </p:sp>
+      <p:pic>
+        <p:nvPicPr>
+          <p:cNvPr id="77" name="Imagen 76"/>
+          <p:cNvPicPr/>
+          <p:nvPr/>
+        </p:nvPicPr>
+        <p:blipFill>
+          <a:blip r:embed="rId2"/>
+          <a:stretch/>
+        </p:blipFill>
+        <p:spPr>
+          <a:xfrm>
+            <a:off x="2896729" y="4529143"/>
+            <a:ext cx="3028320" cy="1513800"/>
+          </a:xfrm>
+          <a:prstGeom prst="rect">
+            <a:avLst/>
+          </a:prstGeom>
+          <a:ln>
+            <a:noFill/>
+          </a:ln>
+        </p:spPr>
+      </p:pic>
+      <p:sp>
+        <p:nvSpPr>
+          <p:cNvPr id="6" name="CustomShape 2">
+            <a:extLst>
+              <a:ext uri="{FF2B5EF4-FFF2-40B4-BE49-F238E27FC236}">
+                <a16:creationId xmlns:a16="http://schemas.microsoft.com/office/drawing/2014/main" id="{60A559E5-E11A-43EE-9D06-6553CCAD887C}"/>
+              </a:ext>
+            </a:extLst>
+          </p:cNvPr>
+          <p:cNvSpPr/>
+          <p:nvPr/>
+        </p:nvSpPr>
+        <p:spPr>
+          <a:xfrm>
+            <a:off x="457200" y="1789920"/>
+            <a:ext cx="8438444" cy="1369080"/>
+          </a:xfrm>
+          <a:prstGeom prst="rect">
+            <a:avLst/>
+          </a:prstGeom>
+          <a:noFill/>
+          <a:ln>
+            <a:noFill/>
+          </a:ln>
+        </p:spPr>
+        <p:style>
+          <a:lnRef idx="0">
+            <a:scrgbClr r="0" g="0" b="0"/>
+          </a:lnRef>
+          <a:fillRef idx="0">
+            <a:scrgbClr r="0" g="0" b="0"/>
+          </a:fillRef>
+          <a:effectRef idx="0">
+            <a:scrgbClr r="0" g="0" b="0"/>
+          </a:effectRef>
+          <a:fontRef idx="minor"/>
+        </p:style>
+        <p:txBody>
+          <a:bodyPr lIns="90000" tIns="45000" rIns="90000" bIns="45000"/>
+          <a:lstStyle/>
           <a:p>
             <a:pPr>
               <a:lnSpc>
@@ -2317,44 +2687,50 @@
               </a:lnSpc>
             </a:pPr>
             <a:r>
-              <a:rPr b="0" lang="es-ES" sz="2800" spc="-1" strike="noStrike">
-                <a:solidFill>
-                  <a:srgbClr val="ffffff"/>
-                </a:solidFill>
-                <a:latin typeface="Consolas"/>
-              </a:rPr>
-              <a:t>Cuando analizamos y utilizamos </a:t>
-            </a:r>
-            <a:r>
-              <a:rPr b="0" lang="es-ES" sz="2800" spc="-1" strike="noStrike">
-                <a:solidFill>
-                  <a:srgbClr val="ffffff"/>
-                </a:solidFill>
-                <a:latin typeface="Consolas"/>
-              </a:rPr>
-              <a:t>algoritmos con fenómenos puntuales </a:t>
-            </a:r>
-            <a:r>
-              <a:rPr b="0" lang="es-ES" sz="2800" spc="-1" strike="noStrike">
-                <a:solidFill>
-                  <a:srgbClr val="ffffff"/>
-                </a:solidFill>
-                <a:latin typeface="Consolas"/>
-              </a:rPr>
-              <a:t>(puntos) y queremos realizar </a:t>
-            </a:r>
-            <a:r>
-              <a:rPr b="0" lang="es-ES" sz="2800" spc="-1" strike="noStrike">
-                <a:solidFill>
-                  <a:srgbClr val="ffffff"/>
-                </a:solidFill>
-                <a:latin typeface="Consolas"/>
-              </a:rPr>
-              <a:t>predicciones.</a:t>
-            </a:r>
-            <a:endParaRPr b="0" lang="es-ES" sz="2800" spc="-1" strike="noStrike">
-              <a:latin typeface="Arial"/>
-            </a:endParaRPr>
+              <a:rPr lang="es-ES" sz="2800" b="0" strike="noStrike" spc="-1" dirty="0">
+                <a:solidFill>
+                  <a:schemeClr val="bg1"/>
+                </a:solidFill>
+                <a:latin typeface="Consolas" panose="020B0609020204030204" pitchFamily="49" charset="0"/>
+              </a:rPr>
+              <a:t>Son mallas (</a:t>
+            </a:r>
+            <a:r>
+              <a:rPr lang="es-ES" sz="2800" b="0" strike="noStrike" spc="-1" dirty="0" err="1">
+                <a:solidFill>
+                  <a:schemeClr val="bg1"/>
+                </a:solidFill>
+                <a:latin typeface="Consolas" panose="020B0609020204030204" pitchFamily="49" charset="0"/>
+              </a:rPr>
+              <a:t>grids</a:t>
+            </a:r>
+            <a:r>
+              <a:rPr lang="es-ES" sz="2800" b="0" strike="noStrike" spc="-1" dirty="0">
+                <a:solidFill>
+                  <a:schemeClr val="bg1"/>
+                </a:solidFill>
+                <a:latin typeface="Consolas" panose="020B0609020204030204" pitchFamily="49" charset="0"/>
+              </a:rPr>
+              <a:t>) de ámbito mundial, que dividen el mundo en –</a:t>
+            </a:r>
+            <a:r>
+              <a:rPr lang="es-ES" sz="2800" b="0" strike="noStrike" spc="-1" dirty="0" err="1">
+                <a:solidFill>
+                  <a:schemeClr val="bg1"/>
+                </a:solidFill>
+                <a:latin typeface="Consolas" panose="020B0609020204030204" pitchFamily="49" charset="0"/>
+              </a:rPr>
+              <a:t>rectangulos</a:t>
+            </a:r>
+            <a:r>
+              <a:rPr lang="es-ES" sz="2800" b="0" strike="noStrike" spc="-1" dirty="0">
+                <a:solidFill>
+                  <a:schemeClr val="bg1"/>
+                </a:solidFill>
+                <a:latin typeface="Consolas" panose="020B0609020204030204" pitchFamily="49" charset="0"/>
+              </a:rPr>
+              <a:t>, triángulos o hexágonos a diferentes resoluciones (niveles de zoom) .</a:t>
+            </a:r>
           </a:p>
           <a:p>
             <a:pPr>
@@ -2362,80 +2738,89 @@
                 <a:spcPct val="100000"/>
               </a:lnSpc>
             </a:pPr>
-            <a:r>
-              <a:rPr b="0" lang="es-ES" sz="2800" spc="-1" strike="noStrike">
-                <a:solidFill>
-                  <a:srgbClr val="ffffff"/>
-                </a:solidFill>
-                <a:latin typeface="Consolas"/>
-              </a:rPr>
-              <a:t>Las coordenadas pueden no ser </a:t>
-            </a:r>
-            <a:r>
-              <a:rPr b="0" lang="es-ES" sz="2800" spc="-1" strike="noStrike">
-                <a:solidFill>
-                  <a:srgbClr val="ffffff"/>
-                </a:solidFill>
-                <a:latin typeface="Consolas"/>
-              </a:rPr>
-              <a:t>tomadas en consideración tanto com </a:t>
-            </a:r>
-            <a:r>
-              <a:rPr b="0" lang="es-ES" sz="2800" spc="-1" strike="noStrike">
-                <a:solidFill>
-                  <a:srgbClr val="ffffff"/>
-                </a:solidFill>
-                <a:latin typeface="Consolas"/>
-              </a:rPr>
-              <a:t>input o output</a:t>
-            </a:r>
-            <a:endParaRPr b="0" lang="es-ES" sz="2800" spc="-1" strike="noStrike">
-              <a:latin typeface="Arial"/>
-            </a:endParaRPr>
-          </a:p>
-        </p:txBody>
-      </p:sp>
-      <p:pic>
-        <p:nvPicPr>
-          <p:cNvPr id="73" name="" descr=""/>
-          <p:cNvPicPr/>
+            <a:endParaRPr lang="es-ES" sz="2800" spc="-1" dirty="0">
+              <a:solidFill>
+                <a:schemeClr val="bg1"/>
+              </a:solidFill>
+              <a:latin typeface="Consolas" panose="020B0609020204030204" pitchFamily="49" charset="0"/>
+            </a:endParaRPr>
+          </a:p>
+          <a:p>
+            <a:pPr>
+              <a:lnSpc>
+                <a:spcPct val="100000"/>
+              </a:lnSpc>
+            </a:pPr>
+            <a:r>
+              <a:rPr lang="es-ES" sz="2800" b="0" strike="noStrike" spc="-1" dirty="0">
+                <a:solidFill>
+                  <a:schemeClr val="bg1"/>
+                </a:solidFill>
+                <a:latin typeface="Consolas" panose="020B0609020204030204" pitchFamily="49" charset="0"/>
+              </a:rPr>
+              <a:t>Cada celda tiene un identificador único</a:t>
+            </a:r>
+          </a:p>
+        </p:txBody>
+      </p:sp>
+      <p:sp>
+        <p:nvSpPr>
+          <p:cNvPr id="2" name="Rectángulo 1">
+            <a:extLst>
+              <a:ext uri="{FF2B5EF4-FFF2-40B4-BE49-F238E27FC236}">
+                <a16:creationId xmlns:a16="http://schemas.microsoft.com/office/drawing/2014/main" id="{58B52FC3-F65D-49F8-8C83-48F3E5D8E883}"/>
+              </a:ext>
+            </a:extLst>
+          </p:cNvPr>
+          <p:cNvSpPr/>
           <p:nvPr/>
-        </p:nvPicPr>
-        <p:blipFill>
-          <a:blip r:embed="rId1"/>
-          <a:stretch/>
-        </p:blipFill>
-        <p:spPr>
-          <a:xfrm>
-            <a:off x="6675120" y="4630320"/>
-            <a:ext cx="1731240" cy="1714680"/>
-          </a:xfrm>
-          <a:prstGeom prst="rect">
-            <a:avLst/>
-          </a:prstGeom>
-          <a:ln>
-            <a:noFill/>
-          </a:ln>
-        </p:spPr>
-      </p:pic>
+        </p:nvSpPr>
+        <p:spPr>
+          <a:xfrm>
+            <a:off x="1363133" y="6087415"/>
+            <a:ext cx="6417733" cy="369332"/>
+          </a:xfrm>
+          <a:prstGeom prst="rect">
+            <a:avLst/>
+          </a:prstGeom>
+        </p:spPr>
+        <p:txBody>
+          <a:bodyPr wrap="square">
+            <a:spAutoFit/>
+          </a:bodyPr>
+          <a:lstStyle/>
+          <a:p>
+            <a:r>
+              <a:rPr lang="es-ES" dirty="0">
+                <a:hlinkClick r:id="rId3"/>
+              </a:rPr>
+              <a:t>https://en.wikipedia.org/wiki/Discrete_global_grid</a:t>
+            </a:r>
+            <a:endParaRPr lang="es-ES" dirty="0"/>
+          </a:p>
+        </p:txBody>
+      </p:sp>
     </p:spTree>
   </p:cSld>
+  <p:clrMapOvr>
+    <a:masterClrMapping/>
+  </p:clrMapOvr>
   <p:timing>
     <p:tnLst>
       <p:par>
-        <p:cTn id="19" dur="indefinite" restart="never" nodeType="tmRoot">
+        <p:cTn id="1" dur="indefinite" restart="never" nodeType="tmRoot">
           <p:childTnLst>
             <p:seq>
-              <p:cTn id="20" dur="indefinite" nodeType="mainSeq"/>
+              <p:cTn id="2" dur="indefinite" nodeType="mainSeq"/>
               <p:prevCondLst>
-                <p:cond delay="0" evt="onPrev">
+                <p:cond evt="onPrev" delay="0">
                   <p:tgtEl>
                     <p:sldTgt/>
                   </p:tgtEl>
                 </p:cond>
               </p:prevCondLst>
               <p:nextCondLst>
-                <p:cond delay="0" evt="onNext">
+                <p:cond evt="onNext" delay="0">
                   <p:tgtEl>
                     <p:sldTgt/>
                   </p:tgtEl>
@@ -2451,387 +2836,7 @@
 </file>
 
 <file path=ppt/slides/slide11.xml><?xml version="1.0" encoding="utf-8"?>
-<p:sld xmlns:a="http://schemas.openxmlformats.org/drawingml/2006/main" xmlns:p="http://schemas.openxmlformats.org/presentationml/2006/main" xmlns:r="http://schemas.openxmlformats.org/officeDocument/2006/relationships" xmlns:p14="http://schemas.microsoft.com/office/powerpoint/2010/main" xmlns:p15="http://schemas.microsoft.com/office/powerpoint/2012/main" xmlns:mc="http://schemas.openxmlformats.org/markup-compatibility/2006">
-  <p:cSld>
-    <p:spTree>
-      <p:nvGrpSpPr>
-        <p:cNvPr id="1" name=""/>
-        <p:cNvGrpSpPr/>
-        <p:nvPr/>
-      </p:nvGrpSpPr>
-      <p:grpSpPr>
-        <a:xfrm>
-          <a:off x="0" y="0"/>
-          <a:ext cx="0" cy="0"/>
-          <a:chOff x="0" y="0"/>
-          <a:chExt cx="0" cy="0"/>
-        </a:xfrm>
-      </p:grpSpPr>
-      <p:sp>
-        <p:nvSpPr>
-          <p:cNvPr id="74" name="CustomShape 1"/>
-          <p:cNvSpPr/>
-          <p:nvPr/>
-        </p:nvSpPr>
-        <p:spPr>
-          <a:xfrm>
-            <a:off x="496080" y="404640"/>
-            <a:ext cx="8288280" cy="516960"/>
-          </a:xfrm>
-          <a:prstGeom prst="rect">
-            <a:avLst/>
-          </a:prstGeom>
-          <a:noFill/>
-          <a:ln>
-            <a:noFill/>
-          </a:ln>
-        </p:spPr>
-        <p:style>
-          <a:lnRef idx="0"/>
-          <a:fillRef idx="0"/>
-          <a:effectRef idx="0"/>
-          <a:fontRef idx="minor"/>
-        </p:style>
-        <p:txBody>
-          <a:bodyPr lIns="90000" rIns="90000" tIns="45000" bIns="45000"/>
-          <a:p>
-            <a:pPr>
-              <a:lnSpc>
-                <a:spcPct val="100000"/>
-              </a:lnSpc>
-              <a:spcBef>
-                <a:spcPts val="1400"/>
-              </a:spcBef>
-            </a:pPr>
-            <a:r>
-              <a:rPr b="0" lang="es-ES" sz="2800" spc="-1" strike="noStrike">
-                <a:solidFill>
-                  <a:srgbClr val="ffff99"/>
-                </a:solidFill>
-                <a:latin typeface="Consolas"/>
-              </a:rPr>
-              <a:t>Accidentes tráfico</a:t>
-            </a:r>
-            <a:endParaRPr b="0" lang="es-ES" sz="2800" spc="-1" strike="noStrike">
-              <a:latin typeface="Arial"/>
-            </a:endParaRPr>
-          </a:p>
-        </p:txBody>
-      </p:sp>
-      <p:sp>
-        <p:nvSpPr>
-          <p:cNvPr id="75" name="CustomShape 2"/>
-          <p:cNvSpPr/>
-          <p:nvPr/>
-        </p:nvSpPr>
-        <p:spPr>
-          <a:xfrm>
-            <a:off x="365760" y="1280160"/>
-            <a:ext cx="7344360" cy="1369440"/>
-          </a:xfrm>
-          <a:prstGeom prst="rect">
-            <a:avLst/>
-          </a:prstGeom>
-          <a:noFill/>
-          <a:ln>
-            <a:noFill/>
-          </a:ln>
-        </p:spPr>
-        <p:style>
-          <a:lnRef idx="0"/>
-          <a:fillRef idx="0"/>
-          <a:effectRef idx="0"/>
-          <a:fontRef idx="minor"/>
-        </p:style>
-        <p:txBody>
-          <a:bodyPr lIns="90000" rIns="90000" tIns="45000" bIns="45000"/>
-          <a:p>
-            <a:pPr>
-              <a:lnSpc>
-                <a:spcPct val="100000"/>
-              </a:lnSpc>
-            </a:pPr>
-            <a:r>
-              <a:rPr b="0" lang="es-ES" sz="2800" spc="-1" strike="noStrike">
-                <a:solidFill>
-                  <a:srgbClr val="ffffff"/>
-                </a:solidFill>
-                <a:latin typeface="Consolas"/>
-              </a:rPr>
-              <a:t>¿En que sitios de BCN es más probable que haya un accidente un Sábado a las 5h de la mañana?</a:t>
-            </a:r>
-            <a:endParaRPr b="0" lang="es-ES" sz="2800" spc="-1" strike="noStrike">
-              <a:latin typeface="Arial"/>
-            </a:endParaRPr>
-          </a:p>
-        </p:txBody>
-      </p:sp>
-      <p:pic>
-        <p:nvPicPr>
-          <p:cNvPr id="76" name="" descr=""/>
-          <p:cNvPicPr/>
-          <p:nvPr/>
-        </p:nvPicPr>
-        <p:blipFill>
-          <a:blip r:embed="rId1"/>
-          <a:stretch/>
-        </p:blipFill>
-        <p:spPr>
-          <a:xfrm>
-            <a:off x="1554480" y="2788560"/>
-            <a:ext cx="5714280" cy="3703680"/>
-          </a:xfrm>
-          <a:prstGeom prst="rect">
-            <a:avLst/>
-          </a:prstGeom>
-          <a:ln>
-            <a:noFill/>
-          </a:ln>
-        </p:spPr>
-      </p:pic>
-    </p:spTree>
-  </p:cSld>
-  <p:timing>
-    <p:tnLst>
-      <p:par>
-        <p:cTn id="21" dur="indefinite" restart="never" nodeType="tmRoot">
-          <p:childTnLst>
-            <p:seq>
-              <p:cTn id="22" dur="indefinite" nodeType="mainSeq"/>
-              <p:prevCondLst>
-                <p:cond delay="0" evt="onPrev">
-                  <p:tgtEl>
-                    <p:sldTgt/>
-                  </p:tgtEl>
-                </p:cond>
-              </p:prevCondLst>
-              <p:nextCondLst>
-                <p:cond delay="0" evt="onNext">
-                  <p:tgtEl>
-                    <p:sldTgt/>
-                  </p:tgtEl>
-                </p:cond>
-              </p:nextCondLst>
-            </p:seq>
-          </p:childTnLst>
-        </p:cTn>
-      </p:par>
-    </p:tnLst>
-  </p:timing>
-</p:sld>
-</file>
-
-<file path=ppt/slides/slide12.xml><?xml version="1.0" encoding="utf-8"?>
-<p:sld xmlns:a="http://schemas.openxmlformats.org/drawingml/2006/main" xmlns:p="http://schemas.openxmlformats.org/presentationml/2006/main" xmlns:r="http://schemas.openxmlformats.org/officeDocument/2006/relationships" xmlns:p14="http://schemas.microsoft.com/office/powerpoint/2010/main" xmlns:p15="http://schemas.microsoft.com/office/powerpoint/2012/main" xmlns:mc="http://schemas.openxmlformats.org/markup-compatibility/2006">
-  <p:cSld>
-    <p:spTree>
-      <p:nvGrpSpPr>
-        <p:cNvPr id="1" name=""/>
-        <p:cNvGrpSpPr/>
-        <p:nvPr/>
-      </p:nvGrpSpPr>
-      <p:grpSpPr>
-        <a:xfrm>
-          <a:off x="0" y="0"/>
-          <a:ext cx="0" cy="0"/>
-          <a:chOff x="0" y="0"/>
-          <a:chExt cx="0" cy="0"/>
-        </a:xfrm>
-      </p:grpSpPr>
-      <p:sp>
-        <p:nvSpPr>
-          <p:cNvPr id="77" name="CustomShape 1"/>
-          <p:cNvSpPr/>
-          <p:nvPr/>
-        </p:nvSpPr>
-        <p:spPr>
-          <a:xfrm>
-            <a:off x="496080" y="404640"/>
-            <a:ext cx="8288280" cy="516960"/>
-          </a:xfrm>
-          <a:prstGeom prst="rect">
-            <a:avLst/>
-          </a:prstGeom>
-          <a:noFill/>
-          <a:ln>
-            <a:noFill/>
-          </a:ln>
-        </p:spPr>
-        <p:style>
-          <a:lnRef idx="0"/>
-          <a:fillRef idx="0"/>
-          <a:effectRef idx="0"/>
-          <a:fontRef idx="minor"/>
-        </p:style>
-        <p:txBody>
-          <a:bodyPr lIns="90000" rIns="90000" tIns="45000" bIns="45000"/>
-          <a:p>
-            <a:pPr>
-              <a:lnSpc>
-                <a:spcPct val="100000"/>
-              </a:lnSpc>
-              <a:spcBef>
-                <a:spcPts val="1400"/>
-              </a:spcBef>
-            </a:pPr>
-            <a:r>
-              <a:rPr b="0" lang="es-ES" sz="2800" spc="-1" strike="noStrike">
-                <a:solidFill>
-                  <a:srgbClr val="ffff99"/>
-                </a:solidFill>
-                <a:latin typeface="Consolas"/>
-              </a:rPr>
-              <a:t>Mallas discretas</a:t>
-            </a:r>
-            <a:endParaRPr b="0" lang="es-ES" sz="2800" spc="-1" strike="noStrike">
-              <a:latin typeface="Arial"/>
-            </a:endParaRPr>
-          </a:p>
-        </p:txBody>
-      </p:sp>
-      <p:sp>
-        <p:nvSpPr>
-          <p:cNvPr id="78" name="CustomShape 2"/>
-          <p:cNvSpPr/>
-          <p:nvPr/>
-        </p:nvSpPr>
-        <p:spPr>
-          <a:xfrm>
-            <a:off x="457200" y="1097280"/>
-            <a:ext cx="8288280" cy="516960"/>
-          </a:xfrm>
-          <a:prstGeom prst="rect">
-            <a:avLst/>
-          </a:prstGeom>
-          <a:noFill/>
-          <a:ln>
-            <a:noFill/>
-          </a:ln>
-        </p:spPr>
-        <p:style>
-          <a:lnRef idx="0"/>
-          <a:fillRef idx="0"/>
-          <a:effectRef idx="0"/>
-          <a:fontRef idx="minor"/>
-        </p:style>
-        <p:txBody>
-          <a:bodyPr lIns="90000" rIns="90000" tIns="45000" bIns="45000"/>
-          <a:p>
-            <a:pPr>
-              <a:lnSpc>
-                <a:spcPct val="100000"/>
-              </a:lnSpc>
-              <a:spcBef>
-                <a:spcPts val="1400"/>
-              </a:spcBef>
-            </a:pPr>
-            <a:r>
-              <a:rPr b="0" lang="es-ES" sz="2800" spc="-1" strike="noStrike">
-                <a:solidFill>
-                  <a:srgbClr val="ffff99"/>
-                </a:solidFill>
-                <a:latin typeface="Consolas"/>
-              </a:rPr>
-              <a:t>Hierarchical Geospatial Indexing</a:t>
-            </a:r>
-            <a:endParaRPr b="0" lang="es-ES" sz="2800" spc="-1" strike="noStrike">
-              <a:latin typeface="Arial"/>
-            </a:endParaRPr>
-          </a:p>
-        </p:txBody>
-      </p:sp>
-      <p:sp>
-        <p:nvSpPr>
-          <p:cNvPr id="79" name="TextShape 3"/>
-          <p:cNvSpPr txBox="1"/>
-          <p:nvPr/>
-        </p:nvSpPr>
-        <p:spPr>
-          <a:xfrm>
-            <a:off x="2283840" y="3335400"/>
-            <a:ext cx="4691880" cy="232560"/>
-          </a:xfrm>
-          <a:prstGeom prst="rect">
-            <a:avLst/>
-          </a:prstGeom>
-          <a:noFill/>
-          <a:ln>
-            <a:noFill/>
-          </a:ln>
-        </p:spPr>
-        <p:txBody>
-          <a:bodyPr lIns="90000" rIns="90000" tIns="45000" bIns="45000"/>
-          <a:p>
-            <a:r>
-              <a:rPr b="0" lang="es-ES" sz="1000" spc="-1" strike="noStrike">
-                <a:latin typeface="Arial"/>
-                <a:hlinkClick r:id="rId1"/>
-              </a:rPr>
-              <a:t>https://towardsdatascience.com/geospatial-indexing-with-ubers-h3-766399b690c</a:t>
-            </a:r>
-            <a:endParaRPr b="0" lang="es-ES" sz="1000" spc="-1" strike="noStrike">
-              <a:latin typeface="Arial"/>
-            </a:endParaRPr>
-          </a:p>
-        </p:txBody>
-      </p:sp>
-      <p:pic>
-        <p:nvPicPr>
-          <p:cNvPr id="80" name="" descr=""/>
-          <p:cNvPicPr/>
-          <p:nvPr/>
-        </p:nvPicPr>
-        <p:blipFill>
-          <a:blip r:embed="rId2"/>
-          <a:stretch/>
-        </p:blipFill>
-        <p:spPr>
-          <a:xfrm>
-            <a:off x="5120640" y="4612320"/>
-            <a:ext cx="3028680" cy="1514160"/>
-          </a:xfrm>
-          <a:prstGeom prst="rect">
-            <a:avLst/>
-          </a:prstGeom>
-          <a:ln>
-            <a:noFill/>
-          </a:ln>
-        </p:spPr>
-      </p:pic>
-    </p:spTree>
-  </p:cSld>
-  <p:timing>
-    <p:tnLst>
-      <p:par>
-        <p:cTn id="23" dur="indefinite" restart="never" nodeType="tmRoot">
-          <p:childTnLst>
-            <p:seq>
-              <p:cTn id="24" dur="indefinite" nodeType="mainSeq"/>
-              <p:prevCondLst>
-                <p:cond delay="0" evt="onPrev">
-                  <p:tgtEl>
-                    <p:sldTgt/>
-                  </p:tgtEl>
-                </p:cond>
-              </p:prevCondLst>
-              <p:nextCondLst>
-                <p:cond delay="0" evt="onNext">
-                  <p:tgtEl>
-                    <p:sldTgt/>
-                  </p:tgtEl>
-                </p:cond>
-              </p:nextCondLst>
-            </p:seq>
-          </p:childTnLst>
-        </p:cTn>
-      </p:par>
-    </p:tnLst>
-  </p:timing>
-</p:sld>
-</file>
-
-<file path=ppt/slides/slide13.xml><?xml version="1.0" encoding="utf-8"?>
-<p:sld xmlns:a="http://schemas.openxmlformats.org/drawingml/2006/main" xmlns:p="http://schemas.openxmlformats.org/presentationml/2006/main" xmlns:r="http://schemas.openxmlformats.org/officeDocument/2006/relationships" xmlns:p14="http://schemas.microsoft.com/office/powerpoint/2010/main" xmlns:p15="http://schemas.microsoft.com/office/powerpoint/2012/main" xmlns:mc="http://schemas.openxmlformats.org/markup-compatibility/2006">
+<p:sld xmlns:a="http://schemas.openxmlformats.org/drawingml/2006/main" xmlns:r="http://schemas.openxmlformats.org/officeDocument/2006/relationships" xmlns:p="http://schemas.openxmlformats.org/presentationml/2006/main">
   <p:cSld>
     <p:spTree>
       <p:nvGrpSpPr>
@@ -2849,18 +2854,18 @@
       </p:grpSpPr>
       <p:pic>
         <p:nvPicPr>
-          <p:cNvPr id="81" name="" descr=""/>
+          <p:cNvPr id="78" name="Imagen 77"/>
           <p:cNvPicPr/>
           <p:nvPr/>
         </p:nvPicPr>
         <p:blipFill>
-          <a:blip r:embed="rId1"/>
+          <a:blip r:embed="rId2"/>
           <a:stretch/>
         </p:blipFill>
         <p:spPr>
           <a:xfrm>
-            <a:off x="1019160" y="2011680"/>
-            <a:ext cx="7210440" cy="3061440"/>
+            <a:off x="1388532" y="3552488"/>
+            <a:ext cx="6767339" cy="2900872"/>
           </a:xfrm>
           <a:prstGeom prst="rect">
             <a:avLst/>
@@ -2870,24 +2875,1143 @@
           </a:ln>
         </p:spPr>
       </p:pic>
+      <p:sp>
+        <p:nvSpPr>
+          <p:cNvPr id="3" name="CustomShape 1">
+            <a:extLst>
+              <a:ext uri="{FF2B5EF4-FFF2-40B4-BE49-F238E27FC236}">
+                <a16:creationId xmlns:a16="http://schemas.microsoft.com/office/drawing/2014/main" id="{E42E49BB-8ABD-4CA8-87CB-57F63FEBF5CB}"/>
+              </a:ext>
+            </a:extLst>
+          </p:cNvPr>
+          <p:cNvSpPr/>
+          <p:nvPr/>
+        </p:nvSpPr>
+        <p:spPr>
+          <a:xfrm>
+            <a:off x="496080" y="404640"/>
+            <a:ext cx="8287920" cy="516600"/>
+          </a:xfrm>
+          <a:prstGeom prst="rect">
+            <a:avLst/>
+          </a:prstGeom>
+          <a:noFill/>
+          <a:ln>
+            <a:noFill/>
+          </a:ln>
+        </p:spPr>
+        <p:style>
+          <a:lnRef idx="0">
+            <a:scrgbClr r="0" g="0" b="0"/>
+          </a:lnRef>
+          <a:fillRef idx="0">
+            <a:scrgbClr r="0" g="0" b="0"/>
+          </a:fillRef>
+          <a:effectRef idx="0">
+            <a:scrgbClr r="0" g="0" b="0"/>
+          </a:effectRef>
+          <a:fontRef idx="minor"/>
+        </p:style>
+        <p:txBody>
+          <a:bodyPr lIns="90000" tIns="45000" rIns="90000" bIns="45000"/>
+          <a:lstStyle/>
+          <a:p>
+            <a:pPr>
+              <a:lnSpc>
+                <a:spcPct val="100000"/>
+              </a:lnSpc>
+              <a:spcBef>
+                <a:spcPts val="1400"/>
+              </a:spcBef>
+            </a:pPr>
+            <a:r>
+              <a:rPr lang="en-US" sz="2800" b="0" strike="noStrike" spc="-1" dirty="0" err="1">
+                <a:solidFill>
+                  <a:srgbClr val="FFFF99"/>
+                </a:solidFill>
+                <a:latin typeface="Consolas"/>
+                <a:ea typeface="DejaVu Sans"/>
+              </a:rPr>
+              <a:t>Mallas</a:t>
+            </a:r>
+            <a:r>
+              <a:rPr lang="en-US" sz="2800" b="0" strike="noStrike" spc="-1" dirty="0">
+                <a:solidFill>
+                  <a:srgbClr val="FFFF99"/>
+                </a:solidFill>
+                <a:latin typeface="Consolas"/>
+                <a:ea typeface="DejaVu Sans"/>
+              </a:rPr>
+              <a:t> </a:t>
+            </a:r>
+            <a:r>
+              <a:rPr lang="en-US" sz="2800" b="0" strike="noStrike" spc="-1" dirty="0" err="1">
+                <a:solidFill>
+                  <a:srgbClr val="FFFF99"/>
+                </a:solidFill>
+                <a:latin typeface="Consolas"/>
+                <a:ea typeface="DejaVu Sans"/>
+              </a:rPr>
+              <a:t>discretas</a:t>
+            </a:r>
+            <a:endParaRPr lang="en-US" sz="2800" b="0" strike="noStrike" spc="-1" dirty="0">
+              <a:latin typeface="Arial"/>
+            </a:endParaRPr>
+          </a:p>
+        </p:txBody>
+      </p:sp>
+      <p:pic>
+        <p:nvPicPr>
+          <p:cNvPr id="2" name="Imagen 1">
+            <a:extLst>
+              <a:ext uri="{FF2B5EF4-FFF2-40B4-BE49-F238E27FC236}">
+                <a16:creationId xmlns:a16="http://schemas.microsoft.com/office/drawing/2014/main" id="{0106C545-4C20-4C46-9CE5-8697D5D59075}"/>
+              </a:ext>
+            </a:extLst>
+          </p:cNvPr>
+          <p:cNvPicPr>
+            <a:picLocks noChangeAspect="1"/>
+          </p:cNvPicPr>
+          <p:nvPr/>
+        </p:nvPicPr>
+        <p:blipFill>
+          <a:blip r:embed="rId3"/>
+          <a:stretch>
+            <a:fillRect/>
+          </a:stretch>
+        </p:blipFill>
+        <p:spPr>
+          <a:xfrm>
+            <a:off x="1388532" y="1322917"/>
+            <a:ext cx="1870072" cy="2003649"/>
+          </a:xfrm>
+          <a:prstGeom prst="rect">
+            <a:avLst/>
+          </a:prstGeom>
+        </p:spPr>
+      </p:pic>
+      <p:pic>
+        <p:nvPicPr>
+          <p:cNvPr id="4" name="Imagen 3">
+            <a:extLst>
+              <a:ext uri="{FF2B5EF4-FFF2-40B4-BE49-F238E27FC236}">
+                <a16:creationId xmlns:a16="http://schemas.microsoft.com/office/drawing/2014/main" id="{ABB5CE37-161C-455C-942C-24AE07DC90CF}"/>
+              </a:ext>
+            </a:extLst>
+          </p:cNvPr>
+          <p:cNvPicPr>
+            <a:picLocks noChangeAspect="1"/>
+          </p:cNvPicPr>
+          <p:nvPr/>
+        </p:nvPicPr>
+        <p:blipFill>
+          <a:blip r:embed="rId4"/>
+          <a:stretch>
+            <a:fillRect/>
+          </a:stretch>
+        </p:blipFill>
+        <p:spPr>
+          <a:xfrm>
+            <a:off x="3905955" y="1322917"/>
+            <a:ext cx="1870072" cy="2003649"/>
+          </a:xfrm>
+          <a:prstGeom prst="rect">
+            <a:avLst/>
+          </a:prstGeom>
+        </p:spPr>
+      </p:pic>
+      <p:pic>
+        <p:nvPicPr>
+          <p:cNvPr id="5" name="Imagen 4">
+            <a:extLst>
+              <a:ext uri="{FF2B5EF4-FFF2-40B4-BE49-F238E27FC236}">
+                <a16:creationId xmlns:a16="http://schemas.microsoft.com/office/drawing/2014/main" id="{79B8ED4D-594F-4F24-B05B-8BE8D08EAF0F}"/>
+              </a:ext>
+            </a:extLst>
+          </p:cNvPr>
+          <p:cNvPicPr>
+            <a:picLocks noChangeAspect="1"/>
+          </p:cNvPicPr>
+          <p:nvPr/>
+        </p:nvPicPr>
+        <p:blipFill>
+          <a:blip r:embed="rId5"/>
+          <a:stretch>
+            <a:fillRect/>
+          </a:stretch>
+        </p:blipFill>
+        <p:spPr>
+          <a:xfrm>
+            <a:off x="6449839" y="1322917"/>
+            <a:ext cx="1870072" cy="2003649"/>
+          </a:xfrm>
+          <a:prstGeom prst="rect">
+            <a:avLst/>
+          </a:prstGeom>
+        </p:spPr>
+      </p:pic>
     </p:spTree>
   </p:cSld>
+  <p:clrMapOvr>
+    <a:masterClrMapping/>
+  </p:clrMapOvr>
   <p:timing>
     <p:tnLst>
       <p:par>
-        <p:cTn id="25" dur="indefinite" restart="never" nodeType="tmRoot">
+        <p:cTn id="1" dur="indefinite" restart="never" nodeType="tmRoot">
           <p:childTnLst>
             <p:seq>
-              <p:cTn id="26" dur="indefinite" nodeType="mainSeq"/>
+              <p:cTn id="2" dur="indefinite" nodeType="mainSeq"/>
               <p:prevCondLst>
-                <p:cond delay="0" evt="onPrev">
+                <p:cond evt="onPrev" delay="0">
                   <p:tgtEl>
                     <p:sldTgt/>
                   </p:tgtEl>
                 </p:cond>
               </p:prevCondLst>
               <p:nextCondLst>
-                <p:cond delay="0" evt="onNext">
+                <p:cond evt="onNext" delay="0">
+                  <p:tgtEl>
+                    <p:sldTgt/>
+                  </p:tgtEl>
+                </p:cond>
+              </p:nextCondLst>
+            </p:seq>
+          </p:childTnLst>
+        </p:cTn>
+      </p:par>
+    </p:tnLst>
+  </p:timing>
+</p:sld>
+</file>
+
+<file path=ppt/slides/slide12.xml><?xml version="1.0" encoding="utf-8"?>
+<p:sld xmlns:a="http://schemas.openxmlformats.org/drawingml/2006/main" xmlns:r="http://schemas.openxmlformats.org/officeDocument/2006/relationships" xmlns:p="http://schemas.openxmlformats.org/presentationml/2006/main">
+  <p:cSld>
+    <p:spTree>
+      <p:nvGrpSpPr>
+        <p:cNvPr id="1" name=""/>
+        <p:cNvGrpSpPr/>
+        <p:nvPr/>
+      </p:nvGrpSpPr>
+      <p:grpSpPr>
+        <a:xfrm>
+          <a:off x="0" y="0"/>
+          <a:ext cx="0" cy="0"/>
+          <a:chOff x="0" y="0"/>
+          <a:chExt cx="0" cy="0"/>
+        </a:xfrm>
+      </p:grpSpPr>
+      <p:sp>
+        <p:nvSpPr>
+          <p:cNvPr id="3" name="CustomShape 1">
+            <a:extLst>
+              <a:ext uri="{FF2B5EF4-FFF2-40B4-BE49-F238E27FC236}">
+                <a16:creationId xmlns:a16="http://schemas.microsoft.com/office/drawing/2014/main" id="{E42E49BB-8ABD-4CA8-87CB-57F63FEBF5CB}"/>
+              </a:ext>
+            </a:extLst>
+          </p:cNvPr>
+          <p:cNvSpPr/>
+          <p:nvPr/>
+        </p:nvSpPr>
+        <p:spPr>
+          <a:xfrm>
+            <a:off x="496080" y="404640"/>
+            <a:ext cx="8287920" cy="516600"/>
+          </a:xfrm>
+          <a:prstGeom prst="rect">
+            <a:avLst/>
+          </a:prstGeom>
+          <a:noFill/>
+          <a:ln>
+            <a:noFill/>
+          </a:ln>
+        </p:spPr>
+        <p:style>
+          <a:lnRef idx="0">
+            <a:scrgbClr r="0" g="0" b="0"/>
+          </a:lnRef>
+          <a:fillRef idx="0">
+            <a:scrgbClr r="0" g="0" b="0"/>
+          </a:fillRef>
+          <a:effectRef idx="0">
+            <a:scrgbClr r="0" g="0" b="0"/>
+          </a:effectRef>
+          <a:fontRef idx="minor"/>
+        </p:style>
+        <p:txBody>
+          <a:bodyPr lIns="90000" tIns="45000" rIns="90000" bIns="45000"/>
+          <a:lstStyle/>
+          <a:p>
+            <a:pPr>
+              <a:lnSpc>
+                <a:spcPct val="100000"/>
+              </a:lnSpc>
+              <a:spcBef>
+                <a:spcPts val="1400"/>
+              </a:spcBef>
+            </a:pPr>
+            <a:r>
+              <a:rPr lang="en-US" sz="2800" b="0" strike="noStrike" spc="-1" dirty="0" err="1">
+                <a:solidFill>
+                  <a:srgbClr val="FFFF99"/>
+                </a:solidFill>
+                <a:latin typeface="Consolas"/>
+                <a:ea typeface="DejaVu Sans"/>
+              </a:rPr>
+              <a:t>Mallas</a:t>
+            </a:r>
+            <a:r>
+              <a:rPr lang="en-US" sz="2800" b="0" strike="noStrike" spc="-1" dirty="0">
+                <a:solidFill>
+                  <a:srgbClr val="FFFF99"/>
+                </a:solidFill>
+                <a:latin typeface="Consolas"/>
+                <a:ea typeface="DejaVu Sans"/>
+              </a:rPr>
+              <a:t> </a:t>
+            </a:r>
+            <a:r>
+              <a:rPr lang="en-US" sz="2800" b="0" strike="noStrike" spc="-1" dirty="0" err="1">
+                <a:solidFill>
+                  <a:srgbClr val="FFFF99"/>
+                </a:solidFill>
+                <a:latin typeface="Consolas"/>
+                <a:ea typeface="DejaVu Sans"/>
+              </a:rPr>
+              <a:t>discretas</a:t>
+            </a:r>
+            <a:endParaRPr lang="en-US" sz="2800" b="0" strike="noStrike" spc="-1" dirty="0">
+              <a:latin typeface="Arial"/>
+            </a:endParaRPr>
+          </a:p>
+        </p:txBody>
+      </p:sp>
+      <p:sp>
+        <p:nvSpPr>
+          <p:cNvPr id="2" name="CuadroTexto 1">
+            <a:extLst>
+              <a:ext uri="{FF2B5EF4-FFF2-40B4-BE49-F238E27FC236}">
+                <a16:creationId xmlns:a16="http://schemas.microsoft.com/office/drawing/2014/main" id="{A8FD37D7-57B9-4058-895D-4728EF7C6E47}"/>
+              </a:ext>
+            </a:extLst>
+          </p:cNvPr>
+          <p:cNvSpPr txBox="1"/>
+          <p:nvPr/>
+        </p:nvSpPr>
+        <p:spPr>
+          <a:xfrm>
+            <a:off x="495479" y="1887443"/>
+            <a:ext cx="6955750" cy="400110"/>
+          </a:xfrm>
+          <a:prstGeom prst="rect">
+            <a:avLst/>
+          </a:prstGeom>
+          <a:noFill/>
+        </p:spPr>
+        <p:txBody>
+          <a:bodyPr wrap="none" rtlCol="0">
+            <a:spAutoFit/>
+          </a:bodyPr>
+          <a:lstStyle/>
+          <a:p>
+            <a:r>
+              <a:rPr lang="es-ES" sz="2000" dirty="0">
+                <a:solidFill>
+                  <a:schemeClr val="bg1"/>
+                </a:solidFill>
+                <a:latin typeface="Consolas" panose="020B0609020204030204" pitchFamily="49" charset="0"/>
+              </a:rPr>
+              <a:t>H3 –Uber : </a:t>
+            </a:r>
+            <a:r>
+              <a:rPr lang="es-ES" sz="2000" dirty="0">
+                <a:solidFill>
+                  <a:schemeClr val="bg1"/>
+                </a:solidFill>
+                <a:latin typeface="Consolas" panose="020B0609020204030204" pitchFamily="49" charset="0"/>
+                <a:hlinkClick r:id="rId2">
+                  <a:extLst>
+                    <a:ext uri="{A12FA001-AC4F-418D-AE19-62706E023703}">
+                      <ahyp:hlinkClr xmlns:ahyp="http://schemas.microsoft.com/office/drawing/2018/hyperlinkcolor" val="tx"/>
+                    </a:ext>
+                  </a:extLst>
+                </a:hlinkClick>
+              </a:rPr>
+              <a:t>https://eng.uber.com/h3/</a:t>
+            </a:r>
+            <a:r>
+              <a:rPr lang="es-ES" sz="2000" dirty="0">
+                <a:solidFill>
+                  <a:schemeClr val="bg1"/>
+                </a:solidFill>
+                <a:latin typeface="Consolas" panose="020B0609020204030204" pitchFamily="49" charset="0"/>
+              </a:rPr>
+              <a:t>   (</a:t>
+            </a:r>
+            <a:r>
+              <a:rPr lang="es-ES" sz="2000" dirty="0" err="1">
+                <a:solidFill>
+                  <a:schemeClr val="bg1"/>
+                </a:solidFill>
+                <a:latin typeface="Consolas" panose="020B0609020204030204" pitchFamily="49" charset="0"/>
+              </a:rPr>
+              <a:t>hexagona</a:t>
+            </a:r>
+            <a:r>
+              <a:rPr lang="es-ES" sz="2000" dirty="0">
+                <a:solidFill>
+                  <a:schemeClr val="bg1"/>
+                </a:solidFill>
+                <a:latin typeface="Consolas" panose="020B0609020204030204" pitchFamily="49" charset="0"/>
+              </a:rPr>
+              <a:t>)</a:t>
+            </a:r>
+          </a:p>
+        </p:txBody>
+      </p:sp>
+      <p:sp>
+        <p:nvSpPr>
+          <p:cNvPr id="5" name="CuadroTexto 4">
+            <a:extLst>
+              <a:ext uri="{FF2B5EF4-FFF2-40B4-BE49-F238E27FC236}">
+                <a16:creationId xmlns:a16="http://schemas.microsoft.com/office/drawing/2014/main" id="{046B6258-3266-4C1A-AEB8-E8F4C3CE7266}"/>
+              </a:ext>
+            </a:extLst>
+          </p:cNvPr>
+          <p:cNvSpPr txBox="1"/>
+          <p:nvPr/>
+        </p:nvSpPr>
+        <p:spPr>
+          <a:xfrm>
+            <a:off x="495479" y="2737556"/>
+            <a:ext cx="8648521" cy="400110"/>
+          </a:xfrm>
+          <a:prstGeom prst="rect">
+            <a:avLst/>
+          </a:prstGeom>
+          <a:noFill/>
+        </p:spPr>
+        <p:txBody>
+          <a:bodyPr wrap="none" rtlCol="0">
+            <a:spAutoFit/>
+          </a:bodyPr>
+          <a:lstStyle/>
+          <a:p>
+            <a:r>
+              <a:rPr lang="es-ES" sz="2000" dirty="0" err="1">
+                <a:solidFill>
+                  <a:schemeClr val="bg1"/>
+                </a:solidFill>
+                <a:latin typeface="Consolas" panose="020B0609020204030204" pitchFamily="49" charset="0"/>
+              </a:rPr>
+              <a:t>GeoHash</a:t>
+            </a:r>
+            <a:r>
+              <a:rPr lang="es-ES" sz="2000" dirty="0">
+                <a:solidFill>
+                  <a:schemeClr val="bg1"/>
+                </a:solidFill>
+                <a:latin typeface="Consolas" panose="020B0609020204030204" pitchFamily="49" charset="0"/>
+              </a:rPr>
+              <a:t>: </a:t>
+            </a:r>
+            <a:r>
+              <a:rPr lang="es-ES" sz="2000" dirty="0">
+                <a:solidFill>
+                  <a:schemeClr val="bg1"/>
+                </a:solidFill>
+                <a:latin typeface="Consolas" panose="020B0609020204030204" pitchFamily="49" charset="0"/>
+                <a:hlinkClick r:id="rId3">
+                  <a:extLst>
+                    <a:ext uri="{A12FA001-AC4F-418D-AE19-62706E023703}">
+                      <ahyp:hlinkClr xmlns:ahyp="http://schemas.microsoft.com/office/drawing/2018/hyperlinkcolor" val="tx"/>
+                    </a:ext>
+                  </a:extLst>
+                </a:hlinkClick>
+              </a:rPr>
+              <a:t>https://en.wikipedia.org/wiki/Geohash </a:t>
+            </a:r>
+            <a:r>
+              <a:rPr lang="es-ES" sz="2000" dirty="0">
+                <a:solidFill>
+                  <a:schemeClr val="bg1"/>
+                </a:solidFill>
+                <a:latin typeface="Consolas" panose="020B0609020204030204" pitchFamily="49" charset="0"/>
+              </a:rPr>
+              <a:t>(rectangular)</a:t>
+            </a:r>
+          </a:p>
+        </p:txBody>
+      </p:sp>
+      <p:sp>
+        <p:nvSpPr>
+          <p:cNvPr id="4" name="Rectángulo 3">
+            <a:extLst>
+              <a:ext uri="{FF2B5EF4-FFF2-40B4-BE49-F238E27FC236}">
+                <a16:creationId xmlns:a16="http://schemas.microsoft.com/office/drawing/2014/main" id="{7AB8F0C1-7D37-4602-BA1E-AB357EA3CEEC}"/>
+              </a:ext>
+            </a:extLst>
+          </p:cNvPr>
+          <p:cNvSpPr/>
+          <p:nvPr/>
+        </p:nvSpPr>
+        <p:spPr>
+          <a:xfrm>
+            <a:off x="495479" y="3472581"/>
+            <a:ext cx="8225329" cy="400110"/>
+          </a:xfrm>
+          <a:prstGeom prst="rect">
+            <a:avLst/>
+          </a:prstGeom>
+        </p:spPr>
+        <p:txBody>
+          <a:bodyPr wrap="none">
+            <a:spAutoFit/>
+          </a:bodyPr>
+          <a:lstStyle/>
+          <a:p>
+            <a:r>
+              <a:rPr lang="es-ES" sz="2000" dirty="0">
+                <a:solidFill>
+                  <a:schemeClr val="bg1"/>
+                </a:solidFill>
+                <a:latin typeface="Consolas" panose="020B0609020204030204" pitchFamily="49" charset="0"/>
+                <a:hlinkClick r:id="rId4">
+                  <a:extLst>
+                    <a:ext uri="{A12FA001-AC4F-418D-AE19-62706E023703}">
+                      <ahyp:hlinkClr xmlns:ahyp="http://schemas.microsoft.com/office/drawing/2018/hyperlinkcolor" val="tx"/>
+                    </a:ext>
+                  </a:extLst>
+                </a:hlinkClick>
+              </a:rPr>
+              <a:t>Google </a:t>
+            </a:r>
+            <a:r>
+              <a:rPr lang="es-ES" sz="2000" dirty="0" err="1">
+                <a:solidFill>
+                  <a:schemeClr val="bg1"/>
+                </a:solidFill>
+                <a:latin typeface="Consolas" panose="020B0609020204030204" pitchFamily="49" charset="0"/>
+                <a:hlinkClick r:id="rId4">
+                  <a:extLst>
+                    <a:ext uri="{A12FA001-AC4F-418D-AE19-62706E023703}">
+                      <ahyp:hlinkClr xmlns:ahyp="http://schemas.microsoft.com/office/drawing/2018/hyperlinkcolor" val="tx"/>
+                    </a:ext>
+                  </a:extLst>
+                </a:hlinkClick>
+              </a:rPr>
+              <a:t>Location</a:t>
+            </a:r>
+            <a:r>
+              <a:rPr lang="es-ES" sz="2000" dirty="0">
+                <a:solidFill>
+                  <a:schemeClr val="bg1"/>
+                </a:solidFill>
+                <a:latin typeface="Consolas" panose="020B0609020204030204" pitchFamily="49" charset="0"/>
+                <a:hlinkClick r:id="rId4">
+                  <a:extLst>
+                    <a:ext uri="{A12FA001-AC4F-418D-AE19-62706E023703}">
+                      <ahyp:hlinkClr xmlns:ahyp="http://schemas.microsoft.com/office/drawing/2018/hyperlinkcolor" val="tx"/>
+                    </a:ext>
+                  </a:extLst>
+                </a:hlinkClick>
+              </a:rPr>
+              <a:t> Codes: https://plus.codes/</a:t>
+            </a:r>
+            <a:r>
+              <a:rPr lang="es-ES" sz="2000" dirty="0">
+                <a:solidFill>
+                  <a:schemeClr val="bg1"/>
+                </a:solidFill>
+                <a:latin typeface="Consolas" panose="020B0609020204030204" pitchFamily="49" charset="0"/>
+              </a:rPr>
+              <a:t>  (rectangular)</a:t>
+            </a:r>
+          </a:p>
+        </p:txBody>
+      </p:sp>
+      <p:sp>
+        <p:nvSpPr>
+          <p:cNvPr id="6" name="Rectángulo 5">
+            <a:extLst>
+              <a:ext uri="{FF2B5EF4-FFF2-40B4-BE49-F238E27FC236}">
+                <a16:creationId xmlns:a16="http://schemas.microsoft.com/office/drawing/2014/main" id="{27CAED73-889B-4AF5-9940-35C5BA1E6097}"/>
+              </a:ext>
+            </a:extLst>
+          </p:cNvPr>
+          <p:cNvSpPr/>
+          <p:nvPr/>
+        </p:nvSpPr>
+        <p:spPr>
+          <a:xfrm>
+            <a:off x="495479" y="4437781"/>
+            <a:ext cx="7096815" cy="400110"/>
+          </a:xfrm>
+          <a:prstGeom prst="rect">
+            <a:avLst/>
+          </a:prstGeom>
+        </p:spPr>
+        <p:txBody>
+          <a:bodyPr wrap="none">
+            <a:spAutoFit/>
+          </a:bodyPr>
+          <a:lstStyle/>
+          <a:p>
+            <a:r>
+              <a:rPr lang="es-ES" sz="2000" dirty="0">
+                <a:solidFill>
+                  <a:schemeClr val="bg1"/>
+                </a:solidFill>
+                <a:latin typeface="Consolas" panose="020B0609020204030204" pitchFamily="49" charset="0"/>
+              </a:rPr>
+              <a:t>What3Words: </a:t>
+            </a:r>
+            <a:r>
+              <a:rPr lang="es-ES" sz="2000" dirty="0">
+                <a:solidFill>
+                  <a:schemeClr val="bg1"/>
+                </a:solidFill>
+                <a:latin typeface="Consolas" panose="020B0609020204030204" pitchFamily="49" charset="0"/>
+                <a:hlinkClick r:id="rId5">
+                  <a:extLst>
+                    <a:ext uri="{A12FA001-AC4F-418D-AE19-62706E023703}">
+                      <ahyp:hlinkClr xmlns:ahyp="http://schemas.microsoft.com/office/drawing/2018/hyperlinkcolor" val="tx"/>
+                    </a:ext>
+                  </a:extLst>
+                </a:hlinkClick>
+              </a:rPr>
+              <a:t>https://what3words.com/</a:t>
+            </a:r>
+            <a:r>
+              <a:rPr lang="es-ES" sz="2000" dirty="0">
+                <a:solidFill>
+                  <a:schemeClr val="bg1"/>
+                </a:solidFill>
+                <a:latin typeface="Consolas" panose="020B0609020204030204" pitchFamily="49" charset="0"/>
+              </a:rPr>
+              <a:t> (rectangular)</a:t>
+            </a:r>
+          </a:p>
+        </p:txBody>
+      </p:sp>
+      <p:sp>
+        <p:nvSpPr>
+          <p:cNvPr id="7" name="Rectángulo 6">
+            <a:extLst>
+              <a:ext uri="{FF2B5EF4-FFF2-40B4-BE49-F238E27FC236}">
+                <a16:creationId xmlns:a16="http://schemas.microsoft.com/office/drawing/2014/main" id="{CAE97E27-B61D-4253-8CD3-157002B81377}"/>
+              </a:ext>
+            </a:extLst>
+          </p:cNvPr>
+          <p:cNvSpPr/>
+          <p:nvPr/>
+        </p:nvSpPr>
+        <p:spPr>
+          <a:xfrm>
+            <a:off x="1091633" y="6145583"/>
+            <a:ext cx="7096814" cy="307777"/>
+          </a:xfrm>
+          <a:prstGeom prst="rect">
+            <a:avLst/>
+          </a:prstGeom>
+        </p:spPr>
+        <p:txBody>
+          <a:bodyPr wrap="square">
+            <a:spAutoFit/>
+          </a:bodyPr>
+          <a:lstStyle/>
+          <a:p>
+            <a:r>
+              <a:rPr lang="es-ES" sz="1400" dirty="0">
+                <a:solidFill>
+                  <a:schemeClr val="bg1"/>
+                </a:solidFill>
+              </a:rPr>
+              <a:t>https://observablehq.com/@sw1227/h3</a:t>
+            </a:r>
+            <a:r>
+              <a:rPr lang="es-ES" sz="1100" dirty="0">
+                <a:solidFill>
+                  <a:schemeClr val="bg1"/>
+                </a:solidFill>
+              </a:rPr>
+              <a:t>-</a:t>
+            </a:r>
+            <a:r>
+              <a:rPr lang="es-ES" sz="1400" dirty="0">
+                <a:solidFill>
+                  <a:schemeClr val="bg1"/>
+                </a:solidFill>
+              </a:rPr>
+              <a:t>index-visualizer</a:t>
+            </a:r>
+          </a:p>
+        </p:txBody>
+      </p:sp>
+    </p:spTree>
+    <p:extLst>
+      <p:ext uri="{BB962C8B-B14F-4D97-AF65-F5344CB8AC3E}">
+        <p14:creationId xmlns:p14="http://schemas.microsoft.com/office/powerpoint/2010/main" val="902116373"/>
+      </p:ext>
+    </p:extLst>
+  </p:cSld>
+  <p:clrMapOvr>
+    <a:masterClrMapping/>
+  </p:clrMapOvr>
+  <p:timing>
+    <p:tnLst>
+      <p:par>
+        <p:cTn id="1" dur="indefinite" restart="never" nodeType="tmRoot">
+          <p:childTnLst>
+            <p:seq>
+              <p:cTn id="2" dur="indefinite" nodeType="mainSeq"/>
+              <p:prevCondLst>
+                <p:cond evt="onPrev" delay="0">
+                  <p:tgtEl>
+                    <p:sldTgt/>
+                  </p:tgtEl>
+                </p:cond>
+              </p:prevCondLst>
+              <p:nextCondLst>
+                <p:cond evt="onNext" delay="0">
+                  <p:tgtEl>
+                    <p:sldTgt/>
+                  </p:tgtEl>
+                </p:cond>
+              </p:nextCondLst>
+            </p:seq>
+          </p:childTnLst>
+        </p:cTn>
+      </p:par>
+    </p:tnLst>
+  </p:timing>
+</p:sld>
+</file>
+
+<file path=ppt/slides/slide13.xml><?xml version="1.0" encoding="utf-8"?>
+<p:sld xmlns:a="http://schemas.openxmlformats.org/drawingml/2006/main" xmlns:r="http://schemas.openxmlformats.org/officeDocument/2006/relationships" xmlns:p="http://schemas.openxmlformats.org/presentationml/2006/main">
+  <p:cSld>
+    <p:spTree>
+      <p:nvGrpSpPr>
+        <p:cNvPr id="1" name=""/>
+        <p:cNvGrpSpPr/>
+        <p:nvPr/>
+      </p:nvGrpSpPr>
+      <p:grpSpPr>
+        <a:xfrm>
+          <a:off x="0" y="0"/>
+          <a:ext cx="0" cy="0"/>
+          <a:chOff x="0" y="0"/>
+          <a:chExt cx="0" cy="0"/>
+        </a:xfrm>
+      </p:grpSpPr>
+      <p:sp>
+        <p:nvSpPr>
+          <p:cNvPr id="3" name="CustomShape 1">
+            <a:extLst>
+              <a:ext uri="{FF2B5EF4-FFF2-40B4-BE49-F238E27FC236}">
+                <a16:creationId xmlns:a16="http://schemas.microsoft.com/office/drawing/2014/main" id="{E42E49BB-8ABD-4CA8-87CB-57F63FEBF5CB}"/>
+              </a:ext>
+            </a:extLst>
+          </p:cNvPr>
+          <p:cNvSpPr/>
+          <p:nvPr/>
+        </p:nvSpPr>
+        <p:spPr>
+          <a:xfrm>
+            <a:off x="496080" y="404640"/>
+            <a:ext cx="8287920" cy="516600"/>
+          </a:xfrm>
+          <a:prstGeom prst="rect">
+            <a:avLst/>
+          </a:prstGeom>
+          <a:noFill/>
+          <a:ln>
+            <a:noFill/>
+          </a:ln>
+        </p:spPr>
+        <p:style>
+          <a:lnRef idx="0">
+            <a:scrgbClr r="0" g="0" b="0"/>
+          </a:lnRef>
+          <a:fillRef idx="0">
+            <a:scrgbClr r="0" g="0" b="0"/>
+          </a:fillRef>
+          <a:effectRef idx="0">
+            <a:scrgbClr r="0" g="0" b="0"/>
+          </a:effectRef>
+          <a:fontRef idx="minor"/>
+        </p:style>
+        <p:txBody>
+          <a:bodyPr lIns="90000" tIns="45000" rIns="90000" bIns="45000"/>
+          <a:lstStyle/>
+          <a:p>
+            <a:pPr>
+              <a:lnSpc>
+                <a:spcPct val="100000"/>
+              </a:lnSpc>
+              <a:spcBef>
+                <a:spcPts val="1400"/>
+              </a:spcBef>
+            </a:pPr>
+            <a:r>
+              <a:rPr lang="en-US" sz="2800" b="0" strike="noStrike" spc="-1" dirty="0" err="1">
+                <a:solidFill>
+                  <a:srgbClr val="FFFF99"/>
+                </a:solidFill>
+                <a:latin typeface="Consolas"/>
+                <a:ea typeface="DejaVu Sans"/>
+              </a:rPr>
+              <a:t>Modelo</a:t>
+            </a:r>
+            <a:r>
+              <a:rPr lang="en-US" sz="2800" b="0" strike="noStrike" spc="-1" dirty="0">
+                <a:solidFill>
+                  <a:srgbClr val="FFFF99"/>
+                </a:solidFill>
+                <a:latin typeface="Consolas"/>
+                <a:ea typeface="DejaVu Sans"/>
+              </a:rPr>
+              <a:t> de </a:t>
+            </a:r>
+            <a:r>
+              <a:rPr lang="en-US" sz="2800" b="0" strike="noStrike" spc="-1" dirty="0" err="1">
+                <a:solidFill>
+                  <a:srgbClr val="FFFF99"/>
+                </a:solidFill>
+                <a:latin typeface="Consolas"/>
+                <a:ea typeface="DejaVu Sans"/>
+              </a:rPr>
+              <a:t>Negocio</a:t>
+            </a:r>
+            <a:endParaRPr lang="en-US" sz="2800" b="0" strike="noStrike" spc="-1" dirty="0">
+              <a:latin typeface="Arial"/>
+            </a:endParaRPr>
+          </a:p>
+        </p:txBody>
+      </p:sp>
+      <p:sp>
+        <p:nvSpPr>
+          <p:cNvPr id="8" name="CuadroTexto 7">
+            <a:extLst>
+              <a:ext uri="{FF2B5EF4-FFF2-40B4-BE49-F238E27FC236}">
+                <a16:creationId xmlns:a16="http://schemas.microsoft.com/office/drawing/2014/main" id="{729D61D7-3579-4FE4-9DE5-773613C09472}"/>
+              </a:ext>
+            </a:extLst>
+          </p:cNvPr>
+          <p:cNvSpPr txBox="1"/>
+          <p:nvPr/>
+        </p:nvSpPr>
+        <p:spPr>
+          <a:xfrm>
+            <a:off x="676455" y="1591733"/>
+            <a:ext cx="8922635" cy="369332"/>
+          </a:xfrm>
+          <a:prstGeom prst="rect">
+            <a:avLst/>
+          </a:prstGeom>
+          <a:noFill/>
+        </p:spPr>
+        <p:txBody>
+          <a:bodyPr wrap="none" rtlCol="0">
+            <a:spAutoFit/>
+          </a:bodyPr>
+          <a:lstStyle/>
+          <a:p>
+            <a:r>
+              <a:rPr lang="es-ES" dirty="0" err="1">
+                <a:solidFill>
+                  <a:schemeClr val="bg1"/>
+                </a:solidFill>
+                <a:latin typeface="Consolas" panose="020B0609020204030204" pitchFamily="49" charset="0"/>
+              </a:rPr>
+              <a:t>Avuxi</a:t>
+            </a:r>
+            <a:r>
+              <a:rPr lang="es-ES" dirty="0">
+                <a:solidFill>
+                  <a:schemeClr val="bg1"/>
+                </a:solidFill>
+                <a:latin typeface="Consolas" panose="020B0609020204030204" pitchFamily="49" charset="0"/>
+              </a:rPr>
+              <a:t>: clasifica todos los rincones del planeta según su popularidad </a:t>
+            </a:r>
+          </a:p>
+        </p:txBody>
+      </p:sp>
+      <p:sp>
+        <p:nvSpPr>
+          <p:cNvPr id="9" name="Rectángulo 8">
+            <a:extLst>
+              <a:ext uri="{FF2B5EF4-FFF2-40B4-BE49-F238E27FC236}">
+                <a16:creationId xmlns:a16="http://schemas.microsoft.com/office/drawing/2014/main" id="{43C1220C-8E34-4854-9F66-F36F12713D6B}"/>
+              </a:ext>
+            </a:extLst>
+          </p:cNvPr>
+          <p:cNvSpPr/>
+          <p:nvPr/>
+        </p:nvSpPr>
+        <p:spPr>
+          <a:xfrm>
+            <a:off x="676455" y="2142092"/>
+            <a:ext cx="2653290" cy="338554"/>
+          </a:xfrm>
+          <a:prstGeom prst="rect">
+            <a:avLst/>
+          </a:prstGeom>
+        </p:spPr>
+        <p:txBody>
+          <a:bodyPr wrap="none">
+            <a:spAutoFit/>
+          </a:bodyPr>
+          <a:lstStyle/>
+          <a:p>
+            <a:r>
+              <a:rPr lang="es-ES" sz="1600" dirty="0">
+                <a:solidFill>
+                  <a:schemeClr val="bg1"/>
+                </a:solidFill>
+                <a:latin typeface="Consolas" panose="020B0609020204030204" pitchFamily="49" charset="0"/>
+              </a:rPr>
+              <a:t>https://www.avuxi.com/</a:t>
+            </a:r>
+          </a:p>
+        </p:txBody>
+      </p:sp>
+      <p:sp>
+        <p:nvSpPr>
+          <p:cNvPr id="10" name="CuadroTexto 9">
+            <a:extLst>
+              <a:ext uri="{FF2B5EF4-FFF2-40B4-BE49-F238E27FC236}">
+                <a16:creationId xmlns:a16="http://schemas.microsoft.com/office/drawing/2014/main" id="{69E8D47B-5170-49D5-A7A8-7CE706FA6F24}"/>
+              </a:ext>
+            </a:extLst>
+          </p:cNvPr>
+          <p:cNvSpPr txBox="1"/>
+          <p:nvPr/>
+        </p:nvSpPr>
+        <p:spPr>
+          <a:xfrm>
+            <a:off x="676455" y="3259723"/>
+            <a:ext cx="4996881" cy="369332"/>
+          </a:xfrm>
+          <a:prstGeom prst="rect">
+            <a:avLst/>
+          </a:prstGeom>
+          <a:noFill/>
+        </p:spPr>
+        <p:txBody>
+          <a:bodyPr wrap="none" rtlCol="0">
+            <a:spAutoFit/>
+          </a:bodyPr>
+          <a:lstStyle/>
+          <a:p>
+            <a:r>
+              <a:rPr lang="es-ES" dirty="0" err="1">
+                <a:solidFill>
+                  <a:schemeClr val="bg1"/>
+                </a:solidFill>
+                <a:latin typeface="Consolas" panose="020B0609020204030204" pitchFamily="49" charset="0"/>
+              </a:rPr>
+              <a:t>Starlab</a:t>
+            </a:r>
+            <a:r>
+              <a:rPr lang="es-ES" dirty="0">
+                <a:solidFill>
+                  <a:schemeClr val="bg1"/>
+                </a:solidFill>
+                <a:latin typeface="Consolas" panose="020B0609020204030204" pitchFamily="49" charset="0"/>
+              </a:rPr>
+              <a:t>: (</a:t>
+            </a:r>
+            <a:r>
+              <a:rPr lang="es-ES" dirty="0" err="1">
+                <a:solidFill>
+                  <a:schemeClr val="bg1"/>
+                </a:solidFill>
+                <a:latin typeface="Consolas" panose="020B0609020204030204" pitchFamily="49" charset="0"/>
+              </a:rPr>
+              <a:t>Greendex</a:t>
+            </a:r>
+            <a:r>
+              <a:rPr lang="es-ES" dirty="0">
+                <a:solidFill>
+                  <a:schemeClr val="bg1"/>
+                </a:solidFill>
+                <a:latin typeface="Consolas" panose="020B0609020204030204" pitchFamily="49" charset="0"/>
+              </a:rPr>
+              <a:t>)Índice verde urbano</a:t>
+            </a:r>
+          </a:p>
+        </p:txBody>
+      </p:sp>
+      <p:sp>
+        <p:nvSpPr>
+          <p:cNvPr id="11" name="Rectángulo 10">
+            <a:extLst>
+              <a:ext uri="{FF2B5EF4-FFF2-40B4-BE49-F238E27FC236}">
+                <a16:creationId xmlns:a16="http://schemas.microsoft.com/office/drawing/2014/main" id="{E3CAD4FB-0AAC-4DAB-92C6-8BAD68C1E059}"/>
+              </a:ext>
+            </a:extLst>
+          </p:cNvPr>
+          <p:cNvSpPr/>
+          <p:nvPr/>
+        </p:nvSpPr>
+        <p:spPr>
+          <a:xfrm>
+            <a:off x="676455" y="3810082"/>
+            <a:ext cx="2428870" cy="338554"/>
+          </a:xfrm>
+          <a:prstGeom prst="rect">
+            <a:avLst/>
+          </a:prstGeom>
+        </p:spPr>
+        <p:txBody>
+          <a:bodyPr wrap="none">
+            <a:spAutoFit/>
+          </a:bodyPr>
+          <a:lstStyle/>
+          <a:p>
+            <a:r>
+              <a:rPr lang="es-ES" sz="1600" dirty="0">
+                <a:solidFill>
+                  <a:schemeClr val="bg1"/>
+                </a:solidFill>
+                <a:latin typeface="Consolas" panose="020B0609020204030204" pitchFamily="49" charset="0"/>
+                <a:hlinkClick r:id="rId2">
+                  <a:extLst>
+                    <a:ext uri="{A12FA001-AC4F-418D-AE19-62706E023703}">
+                      <ahyp:hlinkClr xmlns:ahyp="http://schemas.microsoft.com/office/drawing/2018/hyperlinkcolor" val="tx"/>
+                    </a:ext>
+                  </a:extLst>
+                </a:hlinkClick>
+              </a:rPr>
+              <a:t>https://greendex.es/</a:t>
+            </a:r>
+            <a:endParaRPr lang="es-ES" sz="1600" dirty="0">
+              <a:solidFill>
+                <a:schemeClr val="bg1"/>
+              </a:solidFill>
+              <a:latin typeface="Consolas" panose="020B0609020204030204" pitchFamily="49" charset="0"/>
+            </a:endParaRPr>
+          </a:p>
+        </p:txBody>
+      </p:sp>
+      <p:sp>
+        <p:nvSpPr>
+          <p:cNvPr id="12" name="Rectángulo 11">
+            <a:extLst>
+              <a:ext uri="{FF2B5EF4-FFF2-40B4-BE49-F238E27FC236}">
+                <a16:creationId xmlns:a16="http://schemas.microsoft.com/office/drawing/2014/main" id="{FBAE685E-C605-472E-BA6E-4430A9ED9E17}"/>
+              </a:ext>
+            </a:extLst>
+          </p:cNvPr>
+          <p:cNvSpPr/>
+          <p:nvPr/>
+        </p:nvSpPr>
+        <p:spPr>
+          <a:xfrm>
+            <a:off x="676455" y="5275904"/>
+            <a:ext cx="3775393" cy="338554"/>
+          </a:xfrm>
+          <a:prstGeom prst="rect">
+            <a:avLst/>
+          </a:prstGeom>
+        </p:spPr>
+        <p:txBody>
+          <a:bodyPr wrap="none">
+            <a:spAutoFit/>
+          </a:bodyPr>
+          <a:lstStyle/>
+          <a:p>
+            <a:r>
+              <a:rPr lang="es-ES" sz="1600" dirty="0">
+                <a:solidFill>
+                  <a:schemeClr val="bg1"/>
+                </a:solidFill>
+                <a:latin typeface="Consolas" panose="020B0609020204030204" pitchFamily="49" charset="0"/>
+              </a:rPr>
+              <a:t>https://www.smartpostcode.co.uk/</a:t>
+            </a:r>
+          </a:p>
+        </p:txBody>
+      </p:sp>
+      <p:sp>
+        <p:nvSpPr>
+          <p:cNvPr id="13" name="CuadroTexto 12">
+            <a:extLst>
+              <a:ext uri="{FF2B5EF4-FFF2-40B4-BE49-F238E27FC236}">
+                <a16:creationId xmlns:a16="http://schemas.microsoft.com/office/drawing/2014/main" id="{D874D325-B007-4BB1-9483-A92816F80C00}"/>
+              </a:ext>
+            </a:extLst>
+          </p:cNvPr>
+          <p:cNvSpPr txBox="1"/>
+          <p:nvPr/>
+        </p:nvSpPr>
+        <p:spPr>
+          <a:xfrm>
+            <a:off x="676455" y="4712270"/>
+            <a:ext cx="7529625" cy="369332"/>
+          </a:xfrm>
+          <a:prstGeom prst="rect">
+            <a:avLst/>
+          </a:prstGeom>
+          <a:noFill/>
+        </p:spPr>
+        <p:txBody>
+          <a:bodyPr wrap="none" rtlCol="0">
+            <a:spAutoFit/>
+          </a:bodyPr>
+          <a:lstStyle/>
+          <a:p>
+            <a:r>
+              <a:rPr lang="es-ES" dirty="0" err="1">
+                <a:solidFill>
+                  <a:schemeClr val="bg1"/>
+                </a:solidFill>
+                <a:latin typeface="Consolas" panose="020B0609020204030204" pitchFamily="49" charset="0"/>
+              </a:rPr>
+              <a:t>SmartPostCode</a:t>
+            </a:r>
+            <a:r>
+              <a:rPr lang="es-ES" dirty="0">
+                <a:solidFill>
+                  <a:schemeClr val="bg1"/>
+                </a:solidFill>
+                <a:latin typeface="Consolas" panose="020B0609020204030204" pitchFamily="49" charset="0"/>
+              </a:rPr>
+              <a:t>: Sitios dónde vivir en UK según preferencias</a:t>
+            </a:r>
+          </a:p>
+        </p:txBody>
+      </p:sp>
+    </p:spTree>
+    <p:extLst>
+      <p:ext uri="{BB962C8B-B14F-4D97-AF65-F5344CB8AC3E}">
+        <p14:creationId xmlns:p14="http://schemas.microsoft.com/office/powerpoint/2010/main" val="917020843"/>
+      </p:ext>
+    </p:extLst>
+  </p:cSld>
+  <p:clrMapOvr>
+    <a:masterClrMapping/>
+  </p:clrMapOvr>
+  <p:timing>
+    <p:tnLst>
+      <p:par>
+        <p:cTn id="1" dur="indefinite" restart="never" nodeType="tmRoot">
+          <p:childTnLst>
+            <p:seq>
+              <p:cTn id="2" dur="indefinite" nodeType="mainSeq"/>
+              <p:prevCondLst>
+                <p:cond evt="onPrev" delay="0">
+                  <p:tgtEl>
+                    <p:sldTgt/>
+                  </p:tgtEl>
+                </p:cond>
+              </p:prevCondLst>
+              <p:nextCondLst>
+                <p:cond evt="onNext" delay="0">
                   <p:tgtEl>
                     <p:sldTgt/>
                   </p:tgtEl>
@@ -2903,7 +4027,7 @@
 </file>
 
 <file path=ppt/slides/slide2.xml><?xml version="1.0" encoding="utf-8"?>
-<p:sld xmlns:a="http://schemas.openxmlformats.org/drawingml/2006/main" xmlns:p="http://schemas.openxmlformats.org/presentationml/2006/main" xmlns:r="http://schemas.openxmlformats.org/officeDocument/2006/relationships" xmlns:p14="http://schemas.microsoft.com/office/powerpoint/2010/main" xmlns:p15="http://schemas.microsoft.com/office/powerpoint/2012/main" xmlns:mc="http://schemas.openxmlformats.org/markup-compatibility/2006">
+<p:sld xmlns:a="http://schemas.openxmlformats.org/drawingml/2006/main" xmlns:r="http://schemas.openxmlformats.org/officeDocument/2006/relationships" xmlns:p="http://schemas.openxmlformats.org/presentationml/2006/main">
   <p:cSld>
     <p:spTree>
       <p:nvGrpSpPr>
@@ -2921,14 +4045,14 @@
       </p:grpSpPr>
       <p:sp>
         <p:nvSpPr>
-          <p:cNvPr id="47" name="CustomShape 1"/>
+          <p:cNvPr id="44" name="CustomShape 1"/>
           <p:cNvSpPr/>
           <p:nvPr/>
         </p:nvSpPr>
         <p:spPr>
           <a:xfrm>
             <a:off x="968040" y="1700640"/>
-            <a:ext cx="7344360" cy="3075840"/>
+            <a:ext cx="7344000" cy="3075480"/>
           </a:xfrm>
           <a:prstGeom prst="rect">
             <a:avLst/>
@@ -2939,13 +4063,20 @@
           </a:ln>
         </p:spPr>
         <p:style>
-          <a:lnRef idx="0"/>
-          <a:fillRef idx="0"/>
-          <a:effectRef idx="0"/>
+          <a:lnRef idx="0">
+            <a:scrgbClr r="0" g="0" b="0"/>
+          </a:lnRef>
+          <a:fillRef idx="0">
+            <a:scrgbClr r="0" g="0" b="0"/>
+          </a:fillRef>
+          <a:effectRef idx="0">
+            <a:scrgbClr r="0" g="0" b="0"/>
+          </a:effectRef>
           <a:fontRef idx="minor"/>
         </p:style>
         <p:txBody>
-          <a:bodyPr lIns="90000" rIns="90000" tIns="45000" bIns="45000"/>
+          <a:bodyPr lIns="90000" tIns="45000" rIns="90000" bIns="45000"/>
+          <a:lstStyle/>
           <a:p>
             <a:pPr>
               <a:lnSpc>
@@ -2953,24 +4084,96 @@
               </a:lnSpc>
             </a:pPr>
             <a:r>
-              <a:rPr b="0" lang="es-ES" sz="2800" spc="-1" strike="noStrike">
-                <a:solidFill>
-                  <a:srgbClr val="ffffff"/>
-                </a:solidFill>
-                <a:latin typeface="Consolas"/>
+              <a:rPr lang="en-US" sz="2800" b="0" strike="noStrike" spc="-1" dirty="0">
+                <a:solidFill>
+                  <a:srgbClr val="FFFFFF"/>
+                </a:solidFill>
+                <a:latin typeface="Consolas"/>
+                <a:ea typeface="DejaVu Sans"/>
               </a:rPr>
               <a:t> </a:t>
             </a:r>
             <a:r>
-              <a:rPr b="0" lang="es-ES" sz="2800" spc="-1" strike="noStrike">
-                <a:solidFill>
-                  <a:srgbClr val="ffffff"/>
-                </a:solidFill>
-                <a:latin typeface="Consolas"/>
-              </a:rPr>
-              <a:t>Mallas discretas y algoritmos en JS</a:t>
-            </a:r>
-            <a:endParaRPr b="0" lang="es-ES" sz="2800" spc="-1" strike="noStrike">
+              <a:rPr lang="en-US" sz="2800" b="0" strike="noStrike" spc="-1" dirty="0" err="1">
+                <a:solidFill>
+                  <a:srgbClr val="FFFFFF"/>
+                </a:solidFill>
+                <a:latin typeface="Consolas"/>
+                <a:ea typeface="DejaVu Sans"/>
+              </a:rPr>
+              <a:t>Mallas</a:t>
+            </a:r>
+            <a:r>
+              <a:rPr lang="en-US" sz="2800" b="0" strike="noStrike" spc="-1" dirty="0">
+                <a:solidFill>
+                  <a:srgbClr val="FFFFFF"/>
+                </a:solidFill>
+                <a:latin typeface="Consolas"/>
+                <a:ea typeface="DejaVu Sans"/>
+              </a:rPr>
+              <a:t> </a:t>
+            </a:r>
+            <a:r>
+              <a:rPr lang="en-US" sz="2800" b="0" strike="noStrike" spc="-1" dirty="0" err="1">
+                <a:solidFill>
+                  <a:srgbClr val="FFFFFF"/>
+                </a:solidFill>
+                <a:latin typeface="Consolas"/>
+                <a:ea typeface="DejaVu Sans"/>
+              </a:rPr>
+              <a:t>discretas</a:t>
+            </a:r>
+            <a:r>
+              <a:rPr lang="en-US" sz="2800" b="0" strike="noStrike" spc="-1" dirty="0">
+                <a:solidFill>
+                  <a:srgbClr val="FFFFFF"/>
+                </a:solidFill>
+                <a:latin typeface="Consolas"/>
+                <a:ea typeface="DejaVu Sans"/>
+              </a:rPr>
+              <a:t> y </a:t>
+            </a:r>
+            <a:r>
+              <a:rPr lang="en-US" sz="2800" b="0" strike="noStrike" spc="-1" dirty="0" err="1">
+                <a:solidFill>
+                  <a:srgbClr val="FFFFFF"/>
+                </a:solidFill>
+                <a:latin typeface="Consolas"/>
+                <a:ea typeface="DejaVu Sans"/>
+              </a:rPr>
+              <a:t>algoritmos</a:t>
+            </a:r>
+            <a:r>
+              <a:rPr lang="en-US" sz="2800" b="0" strike="noStrike" spc="-1" dirty="0">
+                <a:solidFill>
+                  <a:srgbClr val="FFFFFF"/>
+                </a:solidFill>
+                <a:latin typeface="Consolas"/>
+                <a:ea typeface="DejaVu Sans"/>
+              </a:rPr>
+              <a:t> </a:t>
+            </a:r>
+            <a:r>
+              <a:rPr lang="en-US" sz="2800" b="0" strike="noStrike" spc="-1" dirty="0" err="1">
+                <a:solidFill>
+                  <a:srgbClr val="FFFFFF"/>
+                </a:solidFill>
+                <a:latin typeface="Consolas"/>
+                <a:ea typeface="DejaVu Sans"/>
+              </a:rPr>
+              <a:t>en</a:t>
+            </a:r>
+            <a:r>
+              <a:rPr lang="en-US" sz="2800" b="0" strike="noStrike" spc="-1" dirty="0">
+                <a:solidFill>
+                  <a:srgbClr val="FFFFFF"/>
+                </a:solidFill>
+                <a:latin typeface="Consolas"/>
+                <a:ea typeface="DejaVu Sans"/>
+              </a:rPr>
+              <a:t> JS</a:t>
+            </a:r>
+            <a:endParaRPr lang="en-US" sz="2800" b="0" strike="noStrike" spc="-1" dirty="0">
               <a:latin typeface="Arial"/>
             </a:endParaRPr>
           </a:p>
@@ -2980,7 +4183,7 @@
                 <a:spcPct val="100000"/>
               </a:lnSpc>
             </a:pPr>
-            <a:endParaRPr b="0" lang="es-ES" sz="2800" spc="-1" strike="noStrike">
+            <a:endParaRPr lang="en-US" sz="2800" b="0" strike="noStrike" spc="-1" dirty="0">
               <a:latin typeface="Arial"/>
             </a:endParaRPr>
           </a:p>
@@ -2991,24 +4194,16 @@
               </a:lnSpc>
             </a:pPr>
             <a:r>
-              <a:rPr b="0" lang="es-ES" sz="2800" spc="-1" strike="noStrike">
-                <a:solidFill>
-                  <a:srgbClr val="ffffff"/>
-                </a:solidFill>
-                <a:latin typeface="Consolas"/>
-              </a:rPr>
-              <a:t>    </a:t>
-            </a:r>
-            <a:r>
-              <a:rPr b="0" lang="es-ES" sz="2800" spc="-1" strike="noStrike">
-                <a:solidFill>
-                  <a:srgbClr val="ffffff"/>
-                </a:solidFill>
-                <a:latin typeface="Consolas"/>
-              </a:rPr>
-              <a:t>* Machine Learning</a:t>
-            </a:r>
-            <a:endParaRPr b="0" lang="es-ES" sz="2800" spc="-1" strike="noStrike">
+              <a:rPr lang="en-US" sz="2800" b="0" strike="noStrike" spc="-1" dirty="0">
+                <a:solidFill>
+                  <a:srgbClr val="FFFFFF"/>
+                </a:solidFill>
+                <a:latin typeface="Consolas"/>
+                <a:ea typeface="DejaVu Sans"/>
+              </a:rPr>
+              <a:t>    * Machine Learning</a:t>
+            </a:r>
+            <a:endParaRPr lang="en-US" sz="2800" b="0" strike="noStrike" spc="-1" dirty="0">
               <a:latin typeface="Arial"/>
             </a:endParaRPr>
           </a:p>
@@ -3019,24 +4214,56 @@
               </a:lnSpc>
             </a:pPr>
             <a:r>
-              <a:rPr b="0" lang="es-ES" sz="2800" spc="-1" strike="noStrike">
-                <a:solidFill>
-                  <a:srgbClr val="ffffff"/>
-                </a:solidFill>
-                <a:latin typeface="Consolas"/>
-              </a:rPr>
-              <a:t>    </a:t>
-            </a:r>
-            <a:r>
-              <a:rPr b="0" lang="es-ES" sz="2800" spc="-1" strike="noStrike">
-                <a:solidFill>
-                  <a:srgbClr val="ffffff"/>
-                </a:solidFill>
-                <a:latin typeface="Consolas"/>
-              </a:rPr>
-              <a:t>* Algoritmos en JS</a:t>
-            </a:r>
-            <a:endParaRPr b="0" lang="es-ES" sz="2800" spc="-1" strike="noStrike">
+              <a:rPr lang="en-US" sz="2800" b="0" strike="noStrike" spc="-1" dirty="0">
+                <a:solidFill>
+                  <a:srgbClr val="FFFFFF"/>
+                </a:solidFill>
+                <a:latin typeface="Consolas"/>
+                <a:ea typeface="DejaVu Sans"/>
+              </a:rPr>
+              <a:t>    * </a:t>
+            </a:r>
+            <a:r>
+              <a:rPr lang="en-US" sz="2800" b="0" strike="noStrike" spc="-1" dirty="0" err="1">
+                <a:solidFill>
+                  <a:srgbClr val="FFFFFF"/>
+                </a:solidFill>
+                <a:latin typeface="Consolas"/>
+                <a:ea typeface="DejaVu Sans"/>
+              </a:rPr>
+              <a:t>Algoritmos</a:t>
+            </a:r>
+            <a:r>
+              <a:rPr lang="en-US" sz="2800" b="0" strike="noStrike" spc="-1" dirty="0">
+                <a:solidFill>
+                  <a:srgbClr val="FFFFFF"/>
+                </a:solidFill>
+                <a:latin typeface="Consolas"/>
+                <a:ea typeface="DejaVu Sans"/>
+              </a:rPr>
+              <a:t> </a:t>
+            </a:r>
+            <a:r>
+              <a:rPr lang="en-US" sz="2800" b="0" strike="noStrike" spc="-1" dirty="0" err="1">
+                <a:solidFill>
+                  <a:srgbClr val="FFFFFF"/>
+                </a:solidFill>
+                <a:latin typeface="Consolas"/>
+                <a:ea typeface="DejaVu Sans"/>
+              </a:rPr>
+              <a:t>en</a:t>
+            </a:r>
+            <a:r>
+              <a:rPr lang="en-US" sz="2800" b="0" strike="noStrike" spc="-1" dirty="0">
+                <a:solidFill>
+                  <a:srgbClr val="FFFFFF"/>
+                </a:solidFill>
+                <a:latin typeface="Consolas"/>
+                <a:ea typeface="DejaVu Sans"/>
+              </a:rPr>
+              <a:t> JS</a:t>
+            </a:r>
+            <a:endParaRPr lang="en-US" sz="2800" b="0" strike="noStrike" spc="-1" dirty="0">
               <a:latin typeface="Arial"/>
             </a:endParaRPr>
           </a:p>
@@ -3047,24 +4274,46 @@
               </a:lnSpc>
             </a:pPr>
             <a:r>
-              <a:rPr b="0" lang="es-ES" sz="2800" spc="-1" strike="noStrike">
-                <a:solidFill>
-                  <a:srgbClr val="ffffff"/>
-                </a:solidFill>
-                <a:latin typeface="Consolas"/>
-              </a:rPr>
-              <a:t>    </a:t>
-            </a:r>
-            <a:r>
-              <a:rPr b="0" lang="es-ES" sz="2800" spc="-1" strike="noStrike">
-                <a:solidFill>
-                  <a:srgbClr val="ffffff"/>
-                </a:solidFill>
-                <a:latin typeface="Consolas"/>
-              </a:rPr>
-              <a:t>* Mallas discretas</a:t>
-            </a:r>
-            <a:endParaRPr b="0" lang="es-ES" sz="2800" spc="-1" strike="noStrike">
+              <a:rPr lang="en-US" sz="2800" b="0" strike="noStrike" spc="-1" dirty="0">
+                <a:solidFill>
+                  <a:srgbClr val="FFFFFF"/>
+                </a:solidFill>
+                <a:latin typeface="Consolas"/>
+                <a:ea typeface="DejaVu Sans"/>
+              </a:rPr>
+              <a:t>    * </a:t>
+            </a:r>
+            <a:r>
+              <a:rPr lang="en-US" sz="2800" b="0" strike="noStrike" spc="-1" dirty="0" err="1">
+                <a:solidFill>
+                  <a:srgbClr val="FFFFFF"/>
+                </a:solidFill>
+                <a:latin typeface="Consolas"/>
+                <a:ea typeface="DejaVu Sans"/>
+              </a:rPr>
+              <a:t>Mallas</a:t>
+            </a:r>
+            <a:r>
+              <a:rPr lang="en-US" sz="2800" b="0" strike="noStrike" spc="-1" dirty="0">
+                <a:solidFill>
+                  <a:srgbClr val="FFFFFF"/>
+                </a:solidFill>
+                <a:latin typeface="Consolas"/>
+                <a:ea typeface="DejaVu Sans"/>
+              </a:rPr>
+              <a:t> </a:t>
+            </a:r>
+            <a:r>
+              <a:rPr lang="en-US" sz="2800" b="0" strike="noStrike" spc="-1" dirty="0" err="1">
+                <a:solidFill>
+                  <a:srgbClr val="FFFFFF"/>
+                </a:solidFill>
+                <a:latin typeface="Consolas"/>
+                <a:ea typeface="DejaVu Sans"/>
+              </a:rPr>
+              <a:t>discretas</a:t>
+            </a:r>
+            <a:endParaRPr lang="en-US" sz="2800" b="0" strike="noStrike" spc="-1" dirty="0">
               <a:latin typeface="Arial"/>
             </a:endParaRPr>
           </a:p>
@@ -3075,24 +4324,46 @@
               </a:lnSpc>
             </a:pPr>
             <a:r>
-              <a:rPr b="0" lang="es-ES" sz="2800" spc="-1" strike="noStrike">
-                <a:solidFill>
-                  <a:srgbClr val="ffffff"/>
-                </a:solidFill>
-                <a:latin typeface="Consolas"/>
-              </a:rPr>
-              <a:t>    </a:t>
-            </a:r>
-            <a:r>
-              <a:rPr b="0" lang="es-ES" sz="2800" spc="-1" strike="noStrike">
-                <a:solidFill>
-                  <a:srgbClr val="ffffff"/>
-                </a:solidFill>
-                <a:latin typeface="Consolas"/>
-              </a:rPr>
-              <a:t>* Ejemplos de aplicaciones</a:t>
-            </a:r>
-            <a:endParaRPr b="0" lang="es-ES" sz="2800" spc="-1" strike="noStrike">
+              <a:rPr lang="en-US" sz="2800" b="0" strike="noStrike" spc="-1" dirty="0">
+                <a:solidFill>
+                  <a:srgbClr val="FFFFFF"/>
+                </a:solidFill>
+                <a:latin typeface="Consolas"/>
+                <a:ea typeface="DejaVu Sans"/>
+              </a:rPr>
+              <a:t>    * </a:t>
+            </a:r>
+            <a:r>
+              <a:rPr lang="en-US" sz="2800" b="0" strike="noStrike" spc="-1" dirty="0" err="1">
+                <a:solidFill>
+                  <a:srgbClr val="FFFFFF"/>
+                </a:solidFill>
+                <a:latin typeface="Consolas"/>
+                <a:ea typeface="DejaVu Sans"/>
+              </a:rPr>
+              <a:t>Modelo</a:t>
+            </a:r>
+            <a:r>
+              <a:rPr lang="en-US" sz="2800" b="0" strike="noStrike" spc="-1" dirty="0">
+                <a:solidFill>
+                  <a:srgbClr val="FFFFFF"/>
+                </a:solidFill>
+                <a:latin typeface="Consolas"/>
+                <a:ea typeface="DejaVu Sans"/>
+              </a:rPr>
+              <a:t> de </a:t>
+            </a:r>
+            <a:r>
+              <a:rPr lang="en-US" sz="2800" b="0" strike="noStrike" spc="-1" dirty="0" err="1">
+                <a:solidFill>
+                  <a:srgbClr val="FFFFFF"/>
+                </a:solidFill>
+                <a:latin typeface="Consolas"/>
+                <a:ea typeface="DejaVu Sans"/>
+              </a:rPr>
+              <a:t>negocio</a:t>
+            </a:r>
+            <a:endParaRPr lang="en-US" sz="2800" b="0" strike="noStrike" spc="-1" dirty="0">
               <a:latin typeface="Arial"/>
             </a:endParaRPr>
           </a:p>
@@ -3100,14 +4371,14 @@
       </p:sp>
       <p:sp>
         <p:nvSpPr>
-          <p:cNvPr id="48" name="CustomShape 2"/>
+          <p:cNvPr id="45" name="CustomShape 2"/>
           <p:cNvSpPr/>
           <p:nvPr/>
         </p:nvSpPr>
         <p:spPr>
           <a:xfrm>
             <a:off x="496080" y="404640"/>
-            <a:ext cx="8288280" cy="516960"/>
+            <a:ext cx="8287920" cy="516600"/>
           </a:xfrm>
           <a:prstGeom prst="rect">
             <a:avLst/>
@@ -3118,13 +4389,20 @@
           </a:ln>
         </p:spPr>
         <p:style>
-          <a:lnRef idx="0"/>
-          <a:fillRef idx="0"/>
-          <a:effectRef idx="0"/>
+          <a:lnRef idx="0">
+            <a:scrgbClr r="0" g="0" b="0"/>
+          </a:lnRef>
+          <a:fillRef idx="0">
+            <a:scrgbClr r="0" g="0" b="0"/>
+          </a:fillRef>
+          <a:effectRef idx="0">
+            <a:scrgbClr r="0" g="0" b="0"/>
+          </a:effectRef>
           <a:fontRef idx="minor"/>
         </p:style>
         <p:txBody>
-          <a:bodyPr lIns="90000" rIns="90000" tIns="45000" bIns="45000"/>
+          <a:bodyPr lIns="90000" tIns="45000" rIns="90000" bIns="45000"/>
+          <a:lstStyle/>
           <a:p>
             <a:pPr>
               <a:lnSpc>
@@ -3135,15 +4413,16 @@
               </a:spcBef>
             </a:pPr>
             <a:r>
-              <a:rPr b="0" lang="es-ES" sz="2800" spc="-1" strike="noStrike">
-                <a:solidFill>
-                  <a:srgbClr val="ffff99"/>
-                </a:solidFill>
-                <a:latin typeface="Consolas"/>
+              <a:rPr lang="en-US" sz="2800" b="0" strike="noStrike" spc="-1">
+                <a:solidFill>
+                  <a:srgbClr val="FFFF99"/>
+                </a:solidFill>
+                <a:latin typeface="Consolas"/>
+                <a:ea typeface="DejaVu Sans"/>
               </a:rPr>
               <a:t>Índice</a:t>
             </a:r>
-            <a:endParaRPr b="0" lang="es-ES" sz="2800" spc="-1" strike="noStrike">
+            <a:endParaRPr lang="en-US" sz="2800" b="0" strike="noStrike" spc="-1">
               <a:latin typeface="Arial"/>
             </a:endParaRPr>
           </a:p>
@@ -3151,22 +4430,25 @@
       </p:sp>
     </p:spTree>
   </p:cSld>
+  <p:clrMapOvr>
+    <a:masterClrMapping/>
+  </p:clrMapOvr>
   <p:timing>
     <p:tnLst>
       <p:par>
-        <p:cTn id="3" dur="indefinite" restart="never" nodeType="tmRoot">
+        <p:cTn id="1" dur="indefinite" restart="never" nodeType="tmRoot">
           <p:childTnLst>
             <p:seq>
-              <p:cTn id="4" dur="indefinite" nodeType="mainSeq"/>
+              <p:cTn id="2" dur="indefinite" nodeType="mainSeq"/>
               <p:prevCondLst>
-                <p:cond delay="0" evt="onPrev">
+                <p:cond evt="onPrev" delay="0">
                   <p:tgtEl>
                     <p:sldTgt/>
                   </p:tgtEl>
                 </p:cond>
               </p:prevCondLst>
               <p:nextCondLst>
-                <p:cond delay="0" evt="onNext">
+                <p:cond evt="onNext" delay="0">
                   <p:tgtEl>
                     <p:sldTgt/>
                   </p:tgtEl>
@@ -3182,7 +4464,7 @@
 </file>
 
 <file path=ppt/slides/slide3.xml><?xml version="1.0" encoding="utf-8"?>
-<p:sld xmlns:a="http://schemas.openxmlformats.org/drawingml/2006/main" xmlns:p="http://schemas.openxmlformats.org/presentationml/2006/main" xmlns:r="http://schemas.openxmlformats.org/officeDocument/2006/relationships" xmlns:p14="http://schemas.microsoft.com/office/powerpoint/2010/main" xmlns:p15="http://schemas.microsoft.com/office/powerpoint/2012/main" xmlns:mc="http://schemas.openxmlformats.org/markup-compatibility/2006">
+<p:sld xmlns:a="http://schemas.openxmlformats.org/drawingml/2006/main" xmlns:r="http://schemas.openxmlformats.org/officeDocument/2006/relationships" xmlns:p="http://schemas.openxmlformats.org/presentationml/2006/main">
   <p:cSld>
     <p:spTree>
       <p:nvGrpSpPr>
@@ -3200,14 +4482,14 @@
       </p:grpSpPr>
       <p:sp>
         <p:nvSpPr>
-          <p:cNvPr id="49" name="CustomShape 1"/>
+          <p:cNvPr id="46" name="CustomShape 1"/>
           <p:cNvSpPr/>
           <p:nvPr/>
         </p:nvSpPr>
         <p:spPr>
           <a:xfrm>
             <a:off x="683640" y="1268640"/>
-            <a:ext cx="7344360" cy="4478760"/>
+            <a:ext cx="7344000" cy="4478400"/>
           </a:xfrm>
           <a:prstGeom prst="rect">
             <a:avLst/>
@@ -3218,13 +4500,20 @@
           </a:ln>
         </p:spPr>
         <p:style>
-          <a:lnRef idx="0"/>
-          <a:fillRef idx="0"/>
-          <a:effectRef idx="0"/>
+          <a:lnRef idx="0">
+            <a:scrgbClr r="0" g="0" b="0"/>
+          </a:lnRef>
+          <a:fillRef idx="0">
+            <a:scrgbClr r="0" g="0" b="0"/>
+          </a:fillRef>
+          <a:effectRef idx="0">
+            <a:scrgbClr r="0" g="0" b="0"/>
+          </a:effectRef>
           <a:fontRef idx="minor"/>
         </p:style>
         <p:txBody>
-          <a:bodyPr lIns="90000" rIns="90000" tIns="45000" bIns="45000"/>
+          <a:bodyPr lIns="90000" tIns="45000" rIns="90000" bIns="45000"/>
+          <a:lstStyle/>
           <a:p>
             <a:pPr>
               <a:lnSpc>
@@ -3232,93 +4521,90 @@
               </a:lnSpc>
             </a:pPr>
             <a:r>
-              <a:rPr b="0" lang="es-ES" sz="1800" spc="-1" strike="noStrike">
-                <a:solidFill>
-                  <a:srgbClr val="ffffff"/>
-                </a:solidFill>
-                <a:latin typeface="Consolas"/>
+              <a:rPr lang="en-US" sz="1800" b="0" strike="noStrike" spc="-1">
+                <a:solidFill>
+                  <a:srgbClr val="FFFFFF"/>
+                </a:solidFill>
+                <a:latin typeface="Consolas"/>
+                <a:ea typeface="DejaVu Sans"/>
               </a:rPr>
               <a:t>El </a:t>
             </a:r>
             <a:r>
-              <a:rPr b="1" lang="es-ES" sz="1800" spc="-1" strike="noStrike">
-                <a:solidFill>
-                  <a:srgbClr val="ffffff"/>
-                </a:solidFill>
-                <a:latin typeface="Consolas"/>
+              <a:rPr lang="en-US" sz="1800" b="1" strike="noStrike" spc="-1">
+                <a:solidFill>
+                  <a:srgbClr val="FFFFFF"/>
+                </a:solidFill>
+                <a:latin typeface="Consolas"/>
+                <a:ea typeface="DejaVu Sans"/>
               </a:rPr>
               <a:t>aprendizaje automático</a:t>
             </a:r>
             <a:r>
-              <a:rPr b="0" lang="es-ES" sz="1800" spc="-1" strike="noStrike">
-                <a:solidFill>
-                  <a:srgbClr val="ffffff"/>
-                </a:solidFill>
-                <a:latin typeface="Consolas"/>
+              <a:rPr lang="en-US" sz="1800" b="0" strike="noStrike" spc="-1">
+                <a:solidFill>
+                  <a:srgbClr val="FFFFFF"/>
+                </a:solidFill>
+                <a:latin typeface="Consolas"/>
+                <a:ea typeface="DejaVu Sans"/>
               </a:rPr>
               <a:t>  (del inglés, </a:t>
             </a:r>
             <a:r>
-              <a:rPr b="0" i="1" lang="es-ES" sz="1800" spc="-1" strike="noStrike" u="sng">
-                <a:solidFill>
-                  <a:srgbClr val="8f8f8f"/>
+              <a:rPr lang="en-US" sz="1800" b="0" i="1" u="sng" strike="noStrike" spc="-1">
+                <a:solidFill>
+                  <a:srgbClr val="8F8F8F"/>
                 </a:solidFill>
                 <a:uFillTx/>
                 <a:latin typeface="Consolas"/>
-                <a:hlinkClick r:id="rId1"/>
-              </a:rPr>
-              <a:t>machine </a:t>
-            </a:r>
-            <a:r>
-              <a:rPr b="0" i="1" lang="es-ES" sz="1800" spc="-1" strike="noStrike" u="sng">
-                <a:solidFill>
-                  <a:srgbClr val="8f8f8f"/>
+                <a:ea typeface="DejaVu Sans"/>
+                <a:hlinkClick r:id="rId2"/>
+              </a:rPr>
+              <a:t>machine learning</a:t>
+            </a:r>
+            <a:r>
+              <a:rPr lang="en-US" sz="1800" b="0" strike="noStrike" spc="-1">
+                <a:solidFill>
+                  <a:srgbClr val="FFFFFF"/>
+                </a:solidFill>
+                <a:latin typeface="Consolas"/>
+                <a:ea typeface="DejaVu Sans"/>
+              </a:rPr>
+              <a:t>) es … una rama de la </a:t>
+            </a:r>
+            <a:r>
+              <a:rPr lang="en-US" sz="1800" b="0" u="sng" strike="noStrike" spc="-1">
+                <a:solidFill>
+                  <a:srgbClr val="8F8F8F"/>
                 </a:solidFill>
                 <a:uFillTx/>
                 <a:latin typeface="Consolas"/>
-                <a:hlinkClick r:id="rId2"/>
-              </a:rPr>
-              <a:t>learning</a:t>
-            </a:r>
-            <a:r>
-              <a:rPr b="0" lang="es-ES" sz="1800" spc="-1" strike="noStrike">
-                <a:solidFill>
-                  <a:srgbClr val="ffffff"/>
-                </a:solidFill>
-                <a:latin typeface="Consolas"/>
-              </a:rPr>
-              <a:t>) es … una rama de la </a:t>
-            </a:r>
-            <a:r>
-              <a:rPr b="0" lang="es-ES" sz="1800" spc="-1" strike="noStrike" u="sng">
-                <a:solidFill>
-                  <a:srgbClr val="8f8f8f"/>
-                </a:solidFill>
-                <a:uFillTx/>
-                <a:latin typeface="Consolas"/>
+                <a:ea typeface="DejaVu Sans"/>
                 <a:hlinkClick r:id="rId3"/>
               </a:rPr>
               <a:t>inteligencia artificial</a:t>
             </a:r>
             <a:r>
-              <a:rPr b="0" lang="es-ES" sz="1800" spc="-1" strike="noStrike">
-                <a:solidFill>
-                  <a:srgbClr val="ffffff"/>
-                </a:solidFill>
-                <a:latin typeface="Consolas"/>
+              <a:rPr lang="en-US" sz="1800" b="0" strike="noStrike" spc="-1">
+                <a:solidFill>
+                  <a:srgbClr val="FFFFFF"/>
+                </a:solidFill>
+                <a:latin typeface="Consolas"/>
+                <a:ea typeface="DejaVu Sans"/>
               </a:rPr>
               <a:t>, cuyo objetivo es desarrollar técnicas que permitan que las computadoras </a:t>
             </a:r>
             <a:r>
-              <a:rPr b="0" i="1" lang="es-ES" sz="1800" spc="-1" strike="noStrike">
-                <a:solidFill>
-                  <a:srgbClr val="ffffff"/>
-                </a:solidFill>
-                <a:latin typeface="Consolas"/>
+              <a:rPr lang="en-US" sz="1800" b="0" i="1" strike="noStrike" spc="-1">
+                <a:solidFill>
+                  <a:srgbClr val="FFFFFF"/>
+                </a:solidFill>
+                <a:latin typeface="Consolas"/>
+                <a:ea typeface="DejaVu Sans"/>
               </a:rPr>
               <a:t>aprendan</a:t>
             </a:r>
-            <a:endParaRPr b="0" lang="es-ES" sz="1800" spc="-1" strike="noStrike">
+            <a:endParaRPr lang="en-US" sz="1800" b="0" strike="noStrike" spc="-1">
               <a:latin typeface="Arial"/>
             </a:endParaRPr>
           </a:p>
@@ -3328,7 +4614,7 @@
                 <a:spcPct val="100000"/>
               </a:lnSpc>
             </a:pPr>
-            <a:endParaRPr b="0" lang="es-ES" sz="1800" spc="-1" strike="noStrike">
+            <a:endParaRPr lang="en-US" sz="1800" b="0" strike="noStrike" spc="-1">
               <a:latin typeface="Arial"/>
             </a:endParaRPr>
           </a:p>
@@ -3339,75 +4625,82 @@
               </a:lnSpc>
             </a:pPr>
             <a:r>
-              <a:rPr b="0" lang="es-ES" sz="1800" spc="-1" strike="noStrike">
-                <a:solidFill>
-                  <a:srgbClr val="ffffff"/>
-                </a:solidFill>
-                <a:latin typeface="Consolas"/>
+              <a:rPr lang="en-US" sz="1800" b="0" strike="noStrike" spc="-1">
+                <a:solidFill>
+                  <a:srgbClr val="FFFFFF"/>
+                </a:solidFill>
+                <a:latin typeface="Consolas"/>
+                <a:ea typeface="DejaVu Sans"/>
               </a:rPr>
               <a:t>De forma más concreta, los investigadores del aprendizaje de máquinas buscan </a:t>
             </a:r>
             <a:r>
-              <a:rPr b="0" lang="es-ES" sz="1800" spc="-1" strike="noStrike" u="sng">
-                <a:solidFill>
-                  <a:srgbClr val="8f8f8f"/>
+              <a:rPr lang="en-US" sz="1800" b="0" u="sng" strike="noStrike" spc="-1">
+                <a:solidFill>
+                  <a:srgbClr val="8F8F8F"/>
                 </a:solidFill>
                 <a:uFillTx/>
                 <a:latin typeface="Consolas"/>
+                <a:ea typeface="DejaVu Sans"/>
                 <a:hlinkClick r:id="rId4"/>
               </a:rPr>
               <a:t>algoritmos</a:t>
             </a:r>
             <a:r>
-              <a:rPr b="0" lang="es-ES" sz="1800" spc="-1" strike="noStrike">
-                <a:solidFill>
-                  <a:srgbClr val="ffffff"/>
-                </a:solidFill>
-                <a:latin typeface="Consolas"/>
+              <a:rPr lang="en-US" sz="1800" b="0" strike="noStrike" spc="-1">
+                <a:solidFill>
+                  <a:srgbClr val="FFFFFF"/>
+                </a:solidFill>
+                <a:latin typeface="Consolas"/>
+                <a:ea typeface="DejaVu Sans"/>
               </a:rPr>
               <a:t> y para convertir </a:t>
             </a:r>
             <a:r>
-              <a:rPr b="0" lang="es-ES" sz="1800" spc="-1" strike="noStrike" u="sng">
-                <a:solidFill>
-                  <a:srgbClr val="8f8f8f"/>
+              <a:rPr lang="en-US" sz="1800" b="0" u="sng" strike="noStrike" spc="-1">
+                <a:solidFill>
+                  <a:srgbClr val="8F8F8F"/>
                 </a:solidFill>
                 <a:uFillTx/>
                 <a:latin typeface="Consolas"/>
+                <a:ea typeface="DejaVu Sans"/>
                 <a:hlinkClick r:id="rId5"/>
               </a:rPr>
               <a:t>muestras</a:t>
             </a:r>
             <a:r>
-              <a:rPr b="0" lang="es-ES" sz="1800" spc="-1" strike="noStrike">
-                <a:solidFill>
-                  <a:srgbClr val="ffffff"/>
-                </a:solidFill>
-                <a:latin typeface="Consolas"/>
+              <a:rPr lang="en-US" sz="1800" b="0" strike="noStrike" spc="-1">
+                <a:solidFill>
+                  <a:srgbClr val="FFFFFF"/>
+                </a:solidFill>
+                <a:latin typeface="Consolas"/>
+                <a:ea typeface="DejaVu Sans"/>
               </a:rPr>
               <a:t> de datos en </a:t>
             </a:r>
             <a:r>
-              <a:rPr b="0" lang="es-ES" sz="1800" spc="-1" strike="noStrike" u="sng">
-                <a:solidFill>
-                  <a:srgbClr val="8f8f8f"/>
+              <a:rPr lang="en-US" sz="1800" b="0" u="sng" strike="noStrike" spc="-1">
+                <a:solidFill>
+                  <a:srgbClr val="8F8F8F"/>
                 </a:solidFill>
                 <a:uFillTx/>
                 <a:latin typeface="Consolas"/>
+                <a:ea typeface="DejaVu Sans"/>
                 <a:hlinkClick r:id="rId6"/>
               </a:rPr>
               <a:t>programas de computadora</a:t>
             </a:r>
             <a:r>
-              <a:rPr b="0" lang="es-ES" sz="1800" spc="-1" strike="noStrike">
-                <a:solidFill>
-                  <a:srgbClr val="ffffff"/>
-                </a:solidFill>
-                <a:latin typeface="Consolas"/>
+              <a:rPr lang="en-US" sz="1800" b="0" strike="noStrike" spc="-1">
+                <a:solidFill>
+                  <a:srgbClr val="FFFFFF"/>
+                </a:solidFill>
+                <a:latin typeface="Consolas"/>
+                <a:ea typeface="DejaVu Sans"/>
               </a:rPr>
               <a:t>, sin tener que escribir los últimos explícitamente. </a:t>
             </a:r>
-            <a:endParaRPr b="0" lang="es-ES" sz="1800" spc="-1" strike="noStrike">
+            <a:endParaRPr lang="en-US" sz="1800" b="0" strike="noStrike" spc="-1">
               <a:latin typeface="Arial"/>
             </a:endParaRPr>
           </a:p>
@@ -3417,7 +4710,7 @@
                 <a:spcPct val="100000"/>
               </a:lnSpc>
             </a:pPr>
-            <a:endParaRPr b="0" lang="es-ES" sz="1800" spc="-1" strike="noStrike">
+            <a:endParaRPr lang="en-US" sz="1800" b="0" strike="noStrike" spc="-1">
               <a:latin typeface="Arial"/>
             </a:endParaRPr>
           </a:p>
@@ -3428,15 +4721,16 @@
               </a:lnSpc>
             </a:pPr>
             <a:r>
-              <a:rPr b="0" lang="es-ES" sz="1800" spc="-1" strike="noStrike">
-                <a:solidFill>
-                  <a:srgbClr val="ffffff"/>
-                </a:solidFill>
-                <a:latin typeface="Consolas"/>
+              <a:rPr lang="en-US" sz="1800" b="0" strike="noStrike" spc="-1">
+                <a:solidFill>
+                  <a:srgbClr val="FFFFFF"/>
+                </a:solidFill>
+                <a:latin typeface="Consolas"/>
+                <a:ea typeface="DejaVu Sans"/>
               </a:rPr>
               <a:t>Los modelos o programas resultantes deben ser capaces de generalizar comportamientos e inferencias para un conjunto más amplio (potencialmente infinito) de datos.</a:t>
             </a:r>
-            <a:endParaRPr b="0" lang="es-ES" sz="1800" spc="-1" strike="noStrike">
+            <a:endParaRPr lang="en-US" sz="1800" b="0" strike="noStrike" spc="-1">
               <a:latin typeface="Arial"/>
             </a:endParaRPr>
           </a:p>
@@ -3444,14 +4738,14 @@
       </p:sp>
       <p:sp>
         <p:nvSpPr>
-          <p:cNvPr id="50" name="CustomShape 2"/>
+          <p:cNvPr id="47" name="CustomShape 2"/>
           <p:cNvSpPr/>
           <p:nvPr/>
         </p:nvSpPr>
         <p:spPr>
           <a:xfrm>
             <a:off x="496080" y="404640"/>
-            <a:ext cx="8288280" cy="516960"/>
+            <a:ext cx="8287920" cy="516600"/>
           </a:xfrm>
           <a:prstGeom prst="rect">
             <a:avLst/>
@@ -3462,13 +4756,20 @@
           </a:ln>
         </p:spPr>
         <p:style>
-          <a:lnRef idx="0"/>
-          <a:fillRef idx="0"/>
-          <a:effectRef idx="0"/>
+          <a:lnRef idx="0">
+            <a:scrgbClr r="0" g="0" b="0"/>
+          </a:lnRef>
+          <a:fillRef idx="0">
+            <a:scrgbClr r="0" g="0" b="0"/>
+          </a:fillRef>
+          <a:effectRef idx="0">
+            <a:scrgbClr r="0" g="0" b="0"/>
+          </a:effectRef>
           <a:fontRef idx="minor"/>
         </p:style>
         <p:txBody>
-          <a:bodyPr lIns="90000" rIns="90000" tIns="45000" bIns="45000"/>
+          <a:bodyPr lIns="90000" tIns="45000" rIns="90000" bIns="45000"/>
+          <a:lstStyle/>
           <a:p>
             <a:pPr>
               <a:lnSpc>
@@ -3479,15 +4780,16 @@
               </a:spcBef>
             </a:pPr>
             <a:r>
-              <a:rPr b="0" lang="es-ES" sz="2800" spc="-1" strike="noStrike">
-                <a:solidFill>
-                  <a:srgbClr val="ffff99"/>
-                </a:solidFill>
-                <a:latin typeface="Consolas"/>
+              <a:rPr lang="en-US" sz="2800" b="0" strike="noStrike" spc="-1">
+                <a:solidFill>
+                  <a:srgbClr val="FFFF99"/>
+                </a:solidFill>
+                <a:latin typeface="Consolas"/>
+                <a:ea typeface="DejaVu Sans"/>
               </a:rPr>
               <a:t>Machine Learning</a:t>
             </a:r>
-            <a:endParaRPr b="0" lang="es-ES" sz="2800" spc="-1" strike="noStrike">
+            <a:endParaRPr lang="en-US" sz="2800" b="0" strike="noStrike" spc="-1">
               <a:latin typeface="Arial"/>
             </a:endParaRPr>
           </a:p>
@@ -3495,14 +4797,14 @@
       </p:sp>
       <p:sp>
         <p:nvSpPr>
-          <p:cNvPr id="51" name="CustomShape 3"/>
+          <p:cNvPr id="48" name="CustomShape 3"/>
           <p:cNvSpPr/>
           <p:nvPr/>
         </p:nvSpPr>
         <p:spPr>
           <a:xfrm>
             <a:off x="683640" y="6084000"/>
-            <a:ext cx="7562520" cy="303480"/>
+            <a:ext cx="7562160" cy="303120"/>
           </a:xfrm>
           <a:prstGeom prst="rect">
             <a:avLst/>
@@ -3513,13 +4815,20 @@
           </a:ln>
         </p:spPr>
         <p:style>
-          <a:lnRef idx="0"/>
-          <a:fillRef idx="0"/>
-          <a:effectRef idx="0"/>
+          <a:lnRef idx="0">
+            <a:scrgbClr r="0" g="0" b="0"/>
+          </a:lnRef>
+          <a:fillRef idx="0">
+            <a:scrgbClr r="0" g="0" b="0"/>
+          </a:fillRef>
+          <a:effectRef idx="0">
+            <a:scrgbClr r="0" g="0" b="0"/>
+          </a:effectRef>
           <a:fontRef idx="minor"/>
         </p:style>
         <p:txBody>
-          <a:bodyPr lIns="90000" rIns="90000" tIns="45000" bIns="45000"/>
+          <a:bodyPr lIns="90000" tIns="45000" rIns="90000" bIns="45000"/>
+          <a:lstStyle/>
           <a:p>
             <a:pPr>
               <a:lnSpc>
@@ -3527,15 +4836,16 @@
               </a:lnSpc>
             </a:pPr>
             <a:r>
-              <a:rPr b="0" lang="es-ES" sz="1400" spc="-1" strike="noStrike">
-                <a:solidFill>
-                  <a:srgbClr val="ffffff"/>
-                </a:solidFill>
-                <a:latin typeface="Consolas"/>
+              <a:rPr lang="en-US" sz="1400" b="0" strike="noStrike" spc="-1">
+                <a:solidFill>
+                  <a:srgbClr val="FFFFFF"/>
+                </a:solidFill>
+                <a:latin typeface="Consolas"/>
+                <a:ea typeface="DejaVu Sans"/>
               </a:rPr>
               <a:t>https://es.wikipedia.org/wiki/Aprendizaje_autom%C3%A1tico</a:t>
             </a:r>
-            <a:endParaRPr b="0" lang="es-ES" sz="1400" spc="-1" strike="noStrike">
+            <a:endParaRPr lang="en-US" sz="1400" b="0" strike="noStrike" spc="-1">
               <a:latin typeface="Arial"/>
             </a:endParaRPr>
           </a:p>
@@ -3543,22 +4853,25 @@
       </p:sp>
     </p:spTree>
   </p:cSld>
+  <p:clrMapOvr>
+    <a:masterClrMapping/>
+  </p:clrMapOvr>
   <p:timing>
     <p:tnLst>
       <p:par>
-        <p:cTn id="5" dur="indefinite" restart="never" nodeType="tmRoot">
+        <p:cTn id="1" dur="indefinite" restart="never" nodeType="tmRoot">
           <p:childTnLst>
             <p:seq>
-              <p:cTn id="6" dur="indefinite" nodeType="mainSeq"/>
+              <p:cTn id="2" dur="indefinite" nodeType="mainSeq"/>
               <p:prevCondLst>
-                <p:cond delay="0" evt="onPrev">
+                <p:cond evt="onPrev" delay="0">
                   <p:tgtEl>
                     <p:sldTgt/>
                   </p:tgtEl>
                 </p:cond>
               </p:prevCondLst>
               <p:nextCondLst>
-                <p:cond delay="0" evt="onNext">
+                <p:cond evt="onNext" delay="0">
                   <p:tgtEl>
                     <p:sldTgt/>
                   </p:tgtEl>
@@ -3574,7 +4887,7 @@
 </file>
 
 <file path=ppt/slides/slide4.xml><?xml version="1.0" encoding="utf-8"?>
-<p:sld xmlns:a="http://schemas.openxmlformats.org/drawingml/2006/main" xmlns:p="http://schemas.openxmlformats.org/presentationml/2006/main" xmlns:r="http://schemas.openxmlformats.org/officeDocument/2006/relationships" xmlns:p14="http://schemas.microsoft.com/office/powerpoint/2010/main" xmlns:p15="http://schemas.microsoft.com/office/powerpoint/2012/main" xmlns:mc="http://schemas.openxmlformats.org/markup-compatibility/2006">
+<p:sld xmlns:a="http://schemas.openxmlformats.org/drawingml/2006/main" xmlns:r="http://schemas.openxmlformats.org/officeDocument/2006/relationships" xmlns:p="http://schemas.openxmlformats.org/presentationml/2006/main">
   <p:cSld>
     <p:spTree>
       <p:nvGrpSpPr>
@@ -3592,14 +4905,14 @@
       </p:grpSpPr>
       <p:sp>
         <p:nvSpPr>
-          <p:cNvPr id="52" name="CustomShape 1"/>
+          <p:cNvPr id="49" name="CustomShape 1"/>
           <p:cNvSpPr/>
           <p:nvPr/>
         </p:nvSpPr>
         <p:spPr>
           <a:xfrm>
             <a:off x="496080" y="404640"/>
-            <a:ext cx="8288280" cy="516960"/>
+            <a:ext cx="8287920" cy="516600"/>
           </a:xfrm>
           <a:prstGeom prst="rect">
             <a:avLst/>
@@ -3610,13 +4923,20 @@
           </a:ln>
         </p:spPr>
         <p:style>
-          <a:lnRef idx="0"/>
-          <a:fillRef idx="0"/>
-          <a:effectRef idx="0"/>
+          <a:lnRef idx="0">
+            <a:scrgbClr r="0" g="0" b="0"/>
+          </a:lnRef>
+          <a:fillRef idx="0">
+            <a:scrgbClr r="0" g="0" b="0"/>
+          </a:fillRef>
+          <a:effectRef idx="0">
+            <a:scrgbClr r="0" g="0" b="0"/>
+          </a:effectRef>
           <a:fontRef idx="minor"/>
         </p:style>
         <p:txBody>
-          <a:bodyPr lIns="90000" rIns="90000" tIns="45000" bIns="45000"/>
+          <a:bodyPr lIns="90000" tIns="45000" rIns="90000" bIns="45000"/>
+          <a:lstStyle/>
           <a:p>
             <a:pPr>
               <a:lnSpc>
@@ -3627,15 +4947,16 @@
               </a:spcBef>
             </a:pPr>
             <a:r>
-              <a:rPr b="0" lang="es-ES" sz="2800" spc="-1" strike="noStrike">
-                <a:solidFill>
-                  <a:srgbClr val="ffff99"/>
-                </a:solidFill>
-                <a:latin typeface="Consolas"/>
+              <a:rPr lang="en-US" sz="2800" b="0" strike="noStrike" spc="-1">
+                <a:solidFill>
+                  <a:srgbClr val="FFFF99"/>
+                </a:solidFill>
+                <a:latin typeface="Consolas"/>
+                <a:ea typeface="DejaVu Sans"/>
               </a:rPr>
               <a:t>Algoritmos</a:t>
             </a:r>
-            <a:endParaRPr b="0" lang="es-ES" sz="2800" spc="-1" strike="noStrike">
+            <a:endParaRPr lang="en-US" sz="2800" b="0" strike="noStrike" spc="-1">
               <a:latin typeface="Arial"/>
             </a:endParaRPr>
           </a:p>
@@ -3643,14 +4964,14 @@
       </p:sp>
       <p:sp>
         <p:nvSpPr>
-          <p:cNvPr id="53" name="TextShape 2"/>
-          <p:cNvSpPr txBox="1"/>
+          <p:cNvPr id="50" name="CustomShape 2"/>
+          <p:cNvSpPr/>
           <p:nvPr/>
         </p:nvSpPr>
         <p:spPr>
           <a:xfrm>
             <a:off x="5303520" y="640080"/>
-            <a:ext cx="3143520" cy="2649960"/>
+            <a:ext cx="3143160" cy="2649600"/>
           </a:xfrm>
           <a:prstGeom prst="rect">
             <a:avLst/>
@@ -3660,78 +4981,315 @@
             <a:noFill/>
           </a:ln>
         </p:spPr>
-        <p:txBody>
-          <a:bodyPr lIns="90000" rIns="90000" tIns="45000" bIns="45000"/>
-          <a:p>
-            <a:r>
-              <a:rPr b="0" lang="es-ES" sz="1800" spc="-1" strike="noStrike">
-                <a:latin typeface="Arial"/>
-              </a:rPr>
-              <a:t>Clustering: Agrupación por atributos </a:t>
-            </a:r>
-            <a:endParaRPr b="0" lang="es-ES" sz="1800" spc="-1" strike="noStrike">
-              <a:latin typeface="Arial"/>
-            </a:endParaRPr>
-          </a:p>
-          <a:p>
-            <a:endParaRPr b="0" lang="es-ES" sz="1800" spc="-1" strike="noStrike">
-              <a:latin typeface="Arial"/>
-            </a:endParaRPr>
-          </a:p>
-          <a:p>
-            <a:r>
-              <a:rPr b="0" lang="es-ES" sz="1800" spc="-1" strike="noStrike">
-                <a:latin typeface="Arial"/>
-              </a:rPr>
-              <a:t>Classification: Identificación a partir de variables  </a:t>
-            </a:r>
-            <a:endParaRPr b="0" lang="es-ES" sz="1800" spc="-1" strike="noStrike">
-              <a:latin typeface="Arial"/>
-            </a:endParaRPr>
-          </a:p>
-          <a:p>
-            <a:endParaRPr b="0" lang="es-ES" sz="1800" spc="-1" strike="noStrike">
-              <a:latin typeface="Arial"/>
-            </a:endParaRPr>
-          </a:p>
-          <a:p>
-            <a:r>
-              <a:rPr b="0" lang="es-ES" sz="1800" spc="-1" strike="noStrike">
-                <a:latin typeface="Arial"/>
-              </a:rPr>
-              <a:t>Regression: Estimación de valores entre una variable dependiente y</a:t>
-            </a:r>
-            <a:endParaRPr b="0" lang="es-ES" sz="1800" spc="-1" strike="noStrike">
-              <a:latin typeface="Arial"/>
-            </a:endParaRPr>
-          </a:p>
-          <a:p>
-            <a:r>
-              <a:rPr b="0" lang="es-ES" sz="1800" spc="-1" strike="noStrike">
-                <a:latin typeface="Arial"/>
-              </a:rPr>
-              <a:t>variables independientes</a:t>
-            </a:r>
-            <a:endParaRPr b="0" lang="es-ES" sz="1800" spc="-1" strike="noStrike">
-              <a:latin typeface="Arial"/>
-            </a:endParaRPr>
+        <p:style>
+          <a:lnRef idx="0">
+            <a:scrgbClr r="0" g="0" b="0"/>
+          </a:lnRef>
+          <a:fillRef idx="0">
+            <a:scrgbClr r="0" g="0" b="0"/>
+          </a:fillRef>
+          <a:effectRef idx="0">
+            <a:scrgbClr r="0" g="0" b="0"/>
+          </a:effectRef>
+          <a:fontRef idx="minor"/>
+        </p:style>
+        <p:txBody>
+          <a:bodyPr lIns="90000" tIns="45000" rIns="90000" bIns="45000"/>
+          <a:lstStyle/>
+          <a:p>
+            <a:pPr>
+              <a:lnSpc>
+                <a:spcPct val="100000"/>
+              </a:lnSpc>
+            </a:pPr>
+            <a:r>
+              <a:rPr lang="en-US" sz="1800" b="1" strike="noStrike" spc="-1" dirty="0">
+                <a:solidFill>
+                  <a:schemeClr val="bg1">
+                    <a:lumMod val="95000"/>
+                  </a:schemeClr>
+                </a:solidFill>
+                <a:latin typeface="Consolas" panose="020B0609020204030204" pitchFamily="49" charset="0"/>
+              </a:rPr>
+              <a:t>Clustering</a:t>
+            </a:r>
+            <a:r>
+              <a:rPr lang="en-US" sz="1800" b="0" strike="noStrike" spc="-1" dirty="0">
+                <a:solidFill>
+                  <a:schemeClr val="bg1">
+                    <a:lumMod val="95000"/>
+                  </a:schemeClr>
+                </a:solidFill>
+                <a:latin typeface="Consolas" panose="020B0609020204030204" pitchFamily="49" charset="0"/>
+              </a:rPr>
+              <a:t>: </a:t>
+            </a:r>
+            <a:r>
+              <a:rPr lang="en-US" sz="1800" b="0" strike="noStrike" spc="-1" dirty="0" err="1">
+                <a:solidFill>
+                  <a:schemeClr val="bg1">
+                    <a:lumMod val="95000"/>
+                  </a:schemeClr>
+                </a:solidFill>
+                <a:latin typeface="Consolas" panose="020B0609020204030204" pitchFamily="49" charset="0"/>
+              </a:rPr>
+              <a:t>Agrupación</a:t>
+            </a:r>
+            <a:r>
+              <a:rPr lang="en-US" sz="1800" b="0" strike="noStrike" spc="-1" dirty="0">
+                <a:solidFill>
+                  <a:schemeClr val="bg1">
+                    <a:lumMod val="95000"/>
+                  </a:schemeClr>
+                </a:solidFill>
+                <a:latin typeface="Consolas" panose="020B0609020204030204" pitchFamily="49" charset="0"/>
+              </a:rPr>
+              <a:t> por </a:t>
+            </a:r>
+            <a:r>
+              <a:rPr lang="es-ES" sz="1800" b="0" strike="noStrike" spc="-1" dirty="0">
+                <a:solidFill>
+                  <a:schemeClr val="bg1">
+                    <a:lumMod val="95000"/>
+                  </a:schemeClr>
+                </a:solidFill>
+                <a:latin typeface="Consolas" panose="020B0609020204030204" pitchFamily="49" charset="0"/>
+              </a:rPr>
+              <a:t>atributos</a:t>
+            </a:r>
+            <a:r>
+              <a:rPr lang="en-US" sz="1800" b="0" strike="noStrike" spc="-1" dirty="0">
+                <a:solidFill>
+                  <a:schemeClr val="bg1">
+                    <a:lumMod val="95000"/>
+                  </a:schemeClr>
+                </a:solidFill>
+                <a:latin typeface="Consolas" panose="020B0609020204030204" pitchFamily="49" charset="0"/>
+              </a:rPr>
+              <a:t> </a:t>
+            </a:r>
+          </a:p>
+          <a:p>
+            <a:pPr>
+              <a:lnSpc>
+                <a:spcPct val="100000"/>
+              </a:lnSpc>
+            </a:pPr>
+            <a:endParaRPr lang="en-US" sz="1800" b="0" strike="noStrike" spc="-1" dirty="0">
+              <a:solidFill>
+                <a:schemeClr val="bg1">
+                  <a:lumMod val="95000"/>
+                </a:schemeClr>
+              </a:solidFill>
+              <a:latin typeface="Consolas" panose="020B0609020204030204" pitchFamily="49" charset="0"/>
+            </a:endParaRPr>
+          </a:p>
+          <a:p>
+            <a:pPr>
+              <a:lnSpc>
+                <a:spcPct val="100000"/>
+              </a:lnSpc>
+            </a:pPr>
+            <a:r>
+              <a:rPr lang="en-US" sz="1800" b="1" strike="noStrike" spc="-1" dirty="0">
+                <a:solidFill>
+                  <a:schemeClr val="bg1">
+                    <a:lumMod val="95000"/>
+                  </a:schemeClr>
+                </a:solidFill>
+                <a:latin typeface="Consolas" panose="020B0609020204030204" pitchFamily="49" charset="0"/>
+              </a:rPr>
+              <a:t>Classification</a:t>
+            </a:r>
+            <a:r>
+              <a:rPr lang="en-US" sz="1800" b="0" strike="noStrike" spc="-1" dirty="0">
+                <a:solidFill>
+                  <a:schemeClr val="bg1">
+                    <a:lumMod val="95000"/>
+                  </a:schemeClr>
+                </a:solidFill>
+                <a:latin typeface="Consolas" panose="020B0609020204030204" pitchFamily="49" charset="0"/>
+              </a:rPr>
+              <a:t>: </a:t>
+            </a:r>
+            <a:r>
+              <a:rPr lang="en-US" sz="1800" b="0" strike="noStrike" spc="-1" dirty="0" err="1">
+                <a:solidFill>
+                  <a:schemeClr val="bg1">
+                    <a:lumMod val="95000"/>
+                  </a:schemeClr>
+                </a:solidFill>
+                <a:latin typeface="Consolas" panose="020B0609020204030204" pitchFamily="49" charset="0"/>
+              </a:rPr>
+              <a:t>Identificación</a:t>
+            </a:r>
+            <a:r>
+              <a:rPr lang="en-US" sz="1800" b="0" strike="noStrike" spc="-1" dirty="0">
+                <a:solidFill>
+                  <a:schemeClr val="bg1">
+                    <a:lumMod val="95000"/>
+                  </a:schemeClr>
+                </a:solidFill>
+                <a:latin typeface="Consolas" panose="020B0609020204030204" pitchFamily="49" charset="0"/>
+              </a:rPr>
+              <a:t> a </a:t>
+            </a:r>
+            <a:r>
+              <a:rPr lang="en-US" sz="1800" b="0" strike="noStrike" spc="-1" dirty="0" err="1">
+                <a:solidFill>
+                  <a:schemeClr val="bg1">
+                    <a:lumMod val="95000"/>
+                  </a:schemeClr>
+                </a:solidFill>
+                <a:latin typeface="Consolas" panose="020B0609020204030204" pitchFamily="49" charset="0"/>
+              </a:rPr>
+              <a:t>partir</a:t>
+            </a:r>
+            <a:r>
+              <a:rPr lang="en-US" sz="1800" b="0" strike="noStrike" spc="-1" dirty="0">
+                <a:solidFill>
+                  <a:schemeClr val="bg1">
+                    <a:lumMod val="95000"/>
+                  </a:schemeClr>
+                </a:solidFill>
+                <a:latin typeface="Consolas" panose="020B0609020204030204" pitchFamily="49" charset="0"/>
+              </a:rPr>
+              <a:t> de variables  </a:t>
+            </a:r>
+          </a:p>
+          <a:p>
+            <a:pPr>
+              <a:lnSpc>
+                <a:spcPct val="100000"/>
+              </a:lnSpc>
+            </a:pPr>
+            <a:endParaRPr lang="en-US" sz="1800" b="0" strike="noStrike" spc="-1" dirty="0">
+              <a:solidFill>
+                <a:schemeClr val="bg1">
+                  <a:lumMod val="95000"/>
+                </a:schemeClr>
+              </a:solidFill>
+              <a:latin typeface="Consolas" panose="020B0609020204030204" pitchFamily="49" charset="0"/>
+            </a:endParaRPr>
+          </a:p>
+          <a:p>
+            <a:pPr>
+              <a:lnSpc>
+                <a:spcPct val="100000"/>
+              </a:lnSpc>
+            </a:pPr>
+            <a:r>
+              <a:rPr lang="en-US" sz="1800" b="1" strike="noStrike" spc="-1" dirty="0">
+                <a:solidFill>
+                  <a:schemeClr val="bg1">
+                    <a:lumMod val="95000"/>
+                  </a:schemeClr>
+                </a:solidFill>
+                <a:latin typeface="Consolas" panose="020B0609020204030204" pitchFamily="49" charset="0"/>
+              </a:rPr>
+              <a:t>Regression</a:t>
+            </a:r>
+            <a:r>
+              <a:rPr lang="en-US" sz="1800" b="0" strike="noStrike" spc="-1" dirty="0">
+                <a:solidFill>
+                  <a:schemeClr val="bg1">
+                    <a:lumMod val="95000"/>
+                  </a:schemeClr>
+                </a:solidFill>
+                <a:latin typeface="Consolas" panose="020B0609020204030204" pitchFamily="49" charset="0"/>
+              </a:rPr>
+              <a:t>: Estimación de </a:t>
+            </a:r>
+            <a:r>
+              <a:rPr lang="en-US" sz="1800" b="0" strike="noStrike" spc="-1" dirty="0" err="1">
+                <a:solidFill>
+                  <a:schemeClr val="bg1">
+                    <a:lumMod val="95000"/>
+                  </a:schemeClr>
+                </a:solidFill>
+                <a:latin typeface="Consolas" panose="020B0609020204030204" pitchFamily="49" charset="0"/>
+              </a:rPr>
+              <a:t>valores</a:t>
+            </a:r>
+            <a:r>
+              <a:rPr lang="en-US" sz="1800" b="0" strike="noStrike" spc="-1" dirty="0">
+                <a:solidFill>
+                  <a:schemeClr val="bg1">
+                    <a:lumMod val="95000"/>
+                  </a:schemeClr>
+                </a:solidFill>
+                <a:latin typeface="Consolas" panose="020B0609020204030204" pitchFamily="49" charset="0"/>
+              </a:rPr>
+              <a:t> entre una variable </a:t>
+            </a:r>
+            <a:r>
+              <a:rPr lang="en-US" sz="1800" b="0" strike="noStrike" spc="-1" dirty="0" err="1">
+                <a:solidFill>
+                  <a:schemeClr val="bg1">
+                    <a:lumMod val="95000"/>
+                  </a:schemeClr>
+                </a:solidFill>
+                <a:latin typeface="Consolas" panose="020B0609020204030204" pitchFamily="49" charset="0"/>
+              </a:rPr>
+              <a:t>dependiente</a:t>
+            </a:r>
+            <a:r>
+              <a:rPr lang="en-US" sz="1800" b="0" strike="noStrike" spc="-1" dirty="0">
+                <a:solidFill>
+                  <a:schemeClr val="bg1">
+                    <a:lumMod val="95000"/>
+                  </a:schemeClr>
+                </a:solidFill>
+                <a:latin typeface="Consolas" panose="020B0609020204030204" pitchFamily="49" charset="0"/>
+              </a:rPr>
+              <a:t> y</a:t>
+            </a:r>
+          </a:p>
+          <a:p>
+            <a:pPr>
+              <a:lnSpc>
+                <a:spcPct val="100000"/>
+              </a:lnSpc>
+            </a:pPr>
+            <a:r>
+              <a:rPr lang="en-US" sz="1800" b="0" strike="noStrike" spc="-1" dirty="0">
+                <a:solidFill>
+                  <a:schemeClr val="bg1">
+                    <a:lumMod val="95000"/>
+                  </a:schemeClr>
+                </a:solidFill>
+                <a:latin typeface="Consolas" panose="020B0609020204030204" pitchFamily="49" charset="0"/>
+              </a:rPr>
+              <a:t>variables </a:t>
+            </a:r>
+            <a:r>
+              <a:rPr lang="es-ES" sz="1800" b="0" strike="noStrike" spc="-1" dirty="0">
+                <a:solidFill>
+                  <a:schemeClr val="bg1">
+                    <a:lumMod val="95000"/>
+                  </a:schemeClr>
+                </a:solidFill>
+                <a:latin typeface="Consolas" panose="020B0609020204030204" pitchFamily="49" charset="0"/>
+              </a:rPr>
+              <a:t>independientes</a:t>
+            </a:r>
           </a:p>
         </p:txBody>
       </p:sp>
       <p:pic>
         <p:nvPicPr>
-          <p:cNvPr id="54" name="" descr=""/>
+          <p:cNvPr id="51" name="Imagen 50"/>
           <p:cNvPicPr/>
           <p:nvPr/>
         </p:nvPicPr>
         <p:blipFill>
-          <a:blip r:embed="rId1"/>
+          <a:blip r:embed="rId2"/>
           <a:stretch/>
         </p:blipFill>
         <p:spPr>
           <a:xfrm>
             <a:off x="646200" y="1005840"/>
-            <a:ext cx="4200120" cy="5571720"/>
+            <a:ext cx="4199760" cy="5571360"/>
           </a:xfrm>
           <a:prstGeom prst="rect">
             <a:avLst/>
@@ -3743,22 +5301,25 @@
       </p:pic>
     </p:spTree>
   </p:cSld>
+  <p:clrMapOvr>
+    <a:masterClrMapping/>
+  </p:clrMapOvr>
   <p:timing>
     <p:tnLst>
       <p:par>
-        <p:cTn id="7" dur="indefinite" restart="never" nodeType="tmRoot">
+        <p:cTn id="1" dur="indefinite" restart="never" nodeType="tmRoot">
           <p:childTnLst>
             <p:seq>
-              <p:cTn id="8" dur="indefinite" nodeType="mainSeq"/>
+              <p:cTn id="2" dur="indefinite" nodeType="mainSeq"/>
               <p:prevCondLst>
-                <p:cond delay="0" evt="onPrev">
+                <p:cond evt="onPrev" delay="0">
                   <p:tgtEl>
                     <p:sldTgt/>
                   </p:tgtEl>
                 </p:cond>
               </p:prevCondLst>
               <p:nextCondLst>
-                <p:cond delay="0" evt="onNext">
+                <p:cond evt="onNext" delay="0">
                   <p:tgtEl>
                     <p:sldTgt/>
                   </p:tgtEl>
@@ -3774,7 +5335,7 @@
 </file>
 
 <file path=ppt/slides/slide5.xml><?xml version="1.0" encoding="utf-8"?>
-<p:sld xmlns:a="http://schemas.openxmlformats.org/drawingml/2006/main" xmlns:p="http://schemas.openxmlformats.org/presentationml/2006/main" xmlns:r="http://schemas.openxmlformats.org/officeDocument/2006/relationships" xmlns:p14="http://schemas.microsoft.com/office/powerpoint/2010/main" xmlns:p15="http://schemas.microsoft.com/office/powerpoint/2012/main" xmlns:mc="http://schemas.openxmlformats.org/markup-compatibility/2006">
+<p:sld xmlns:a="http://schemas.openxmlformats.org/drawingml/2006/main" xmlns:r="http://schemas.openxmlformats.org/officeDocument/2006/relationships" xmlns:p="http://schemas.openxmlformats.org/presentationml/2006/main">
   <p:cSld>
     <p:spTree>
       <p:nvGrpSpPr>
@@ -3790,44 +5351,9 @@
           <a:chExt cx="0" cy="0"/>
         </a:xfrm>
       </p:grpSpPr>
-      <p:sp>
-        <p:nvSpPr>
-          <p:cNvPr id="55" name="TextShape 1"/>
-          <p:cNvSpPr txBox="1"/>
-          <p:nvPr/>
-        </p:nvSpPr>
-        <p:spPr>
-          <a:xfrm>
-            <a:off x="3399120" y="6126480"/>
-            <a:ext cx="2910240" cy="232560"/>
-          </a:xfrm>
-          <a:prstGeom prst="rect">
-            <a:avLst/>
-          </a:prstGeom>
-          <a:noFill/>
-          <a:ln>
-            <a:noFill/>
-          </a:ln>
-        </p:spPr>
-        <p:txBody>
-          <a:bodyPr lIns="90000" rIns="90000" tIns="45000" bIns="45000"/>
-          <a:p>
-            <a:r>
-              <a:rPr b="0" lang="es-ES" sz="1000" spc="-1" strike="noStrike">
-                <a:latin typeface="Arial"/>
-                <a:hlinkClick r:id="rId1"/>
-              </a:rPr>
-              <a:t>https://github.com/sacridini/Awesome-Geospatial</a:t>
-            </a:r>
-            <a:endParaRPr b="0" lang="es-ES" sz="1000" spc="-1" strike="noStrike">
-              <a:latin typeface="Arial"/>
-            </a:endParaRPr>
-          </a:p>
-        </p:txBody>
-      </p:sp>
       <p:pic>
         <p:nvPicPr>
-          <p:cNvPr id="56" name="" descr=""/>
+          <p:cNvPr id="53" name="Imagen 52"/>
           <p:cNvPicPr/>
           <p:nvPr/>
         </p:nvPicPr>
@@ -3837,8 +5363,8 @@
         </p:blipFill>
         <p:spPr>
           <a:xfrm>
-            <a:off x="91440" y="325440"/>
-            <a:ext cx="8869680" cy="4795200"/>
+            <a:off x="137339" y="757806"/>
+            <a:ext cx="8869320" cy="4794840"/>
           </a:xfrm>
           <a:prstGeom prst="rect">
             <a:avLst/>
@@ -3848,24 +5374,99 @@
           </a:ln>
         </p:spPr>
       </p:pic>
+      <p:sp>
+        <p:nvSpPr>
+          <p:cNvPr id="52" name="CustomShape 1"/>
+          <p:cNvSpPr/>
+          <p:nvPr/>
+        </p:nvSpPr>
+        <p:spPr>
+          <a:xfrm>
+            <a:off x="384404" y="2722860"/>
+            <a:ext cx="8375191" cy="432366"/>
+          </a:xfrm>
+          <a:prstGeom prst="rect">
+            <a:avLst/>
+          </a:prstGeom>
+          <a:solidFill>
+            <a:schemeClr val="tx1"/>
+          </a:solidFill>
+          <a:ln>
+            <a:noFill/>
+          </a:ln>
+        </p:spPr>
+        <p:style>
+          <a:lnRef idx="0">
+            <a:scrgbClr r="0" g="0" b="0"/>
+          </a:lnRef>
+          <a:fillRef idx="0">
+            <a:scrgbClr r="0" g="0" b="0"/>
+          </a:fillRef>
+          <a:effectRef idx="0">
+            <a:scrgbClr r="0" g="0" b="0"/>
+          </a:effectRef>
+          <a:fontRef idx="minor"/>
+        </p:style>
+        <p:txBody>
+          <a:bodyPr lIns="90000" tIns="45000" rIns="90000" bIns="45000"/>
+          <a:lstStyle/>
+          <a:p>
+            <a:pPr>
+              <a:lnSpc>
+                <a:spcPct val="100000"/>
+              </a:lnSpc>
+            </a:pPr>
+            <a:r>
+              <a:rPr lang="en-US" sz="2400" b="0" u="sng" strike="noStrike" spc="-1">
+                <a:solidFill>
+                  <a:schemeClr val="bg1">
+                    <a:lumMod val="95000"/>
+                  </a:schemeClr>
+                </a:solidFill>
+                <a:uFillTx/>
+                <a:latin typeface="Consolas" panose="020B0609020204030204" pitchFamily="49" charset="0"/>
+                <a:hlinkClick r:id="rId3">
+                  <a:extLst>
+                    <a:ext uri="{A12FA001-AC4F-418D-AE19-62706E023703}">
+                      <ahyp:hlinkClr xmlns:ahyp="http://schemas.microsoft.com/office/drawing/2018/hyperlinkcolor" val="tx"/>
+                    </a:ext>
+                  </a:extLst>
+                </a:hlinkClick>
+              </a:rPr>
+              <a:t>https://github.com/sacridini/Awesome-Geospatial</a:t>
+            </a:r>
+            <a:endParaRPr lang="en-US" sz="2400" b="0" strike="noStrike" spc="-1">
+              <a:solidFill>
+                <a:schemeClr val="bg1">
+                  <a:lumMod val="95000"/>
+                </a:schemeClr>
+              </a:solidFill>
+              <a:latin typeface="Consolas" panose="020B0609020204030204" pitchFamily="49" charset="0"/>
+            </a:endParaRPr>
+          </a:p>
+        </p:txBody>
+      </p:sp>
     </p:spTree>
   </p:cSld>
+  <p:clrMapOvr>
+    <a:masterClrMapping/>
+  </p:clrMapOvr>
   <p:timing>
     <p:tnLst>
       <p:par>
-        <p:cTn id="9" dur="indefinite" restart="never" nodeType="tmRoot">
+        <p:cTn id="1" dur="indefinite" restart="never" nodeType="tmRoot">
           <p:childTnLst>
             <p:seq>
-              <p:cTn id="10" dur="indefinite" nodeType="mainSeq"/>
+              <p:cTn id="2" dur="indefinite" nodeType="mainSeq"/>
               <p:prevCondLst>
-                <p:cond delay="0" evt="onPrev">
+                <p:cond evt="onPrev" delay="0">
                   <p:tgtEl>
                     <p:sldTgt/>
                   </p:tgtEl>
                 </p:cond>
               </p:prevCondLst>
               <p:nextCondLst>
-                <p:cond delay="0" evt="onNext">
+                <p:cond evt="onNext" delay="0">
                   <p:tgtEl>
                     <p:sldTgt/>
                   </p:tgtEl>
@@ -3881,7 +5482,7 @@
 </file>
 
 <file path=ppt/slides/slide6.xml><?xml version="1.0" encoding="utf-8"?>
-<p:sld xmlns:a="http://schemas.openxmlformats.org/drawingml/2006/main" xmlns:p="http://schemas.openxmlformats.org/presentationml/2006/main" xmlns:r="http://schemas.openxmlformats.org/officeDocument/2006/relationships" xmlns:p14="http://schemas.microsoft.com/office/powerpoint/2010/main" xmlns:p15="http://schemas.microsoft.com/office/powerpoint/2012/main" xmlns:mc="http://schemas.openxmlformats.org/markup-compatibility/2006">
+<p:sld xmlns:a="http://schemas.openxmlformats.org/drawingml/2006/main" xmlns:r="http://schemas.openxmlformats.org/officeDocument/2006/relationships" xmlns:p="http://schemas.openxmlformats.org/presentationml/2006/main">
   <p:cSld>
     <p:spTree>
       <p:nvGrpSpPr>
@@ -3899,14 +5500,14 @@
       </p:grpSpPr>
       <p:sp>
         <p:nvSpPr>
-          <p:cNvPr id="57" name="CustomShape 1"/>
+          <p:cNvPr id="55" name="CustomShape 1"/>
           <p:cNvSpPr/>
           <p:nvPr/>
         </p:nvSpPr>
         <p:spPr>
           <a:xfrm>
-            <a:off x="1043640" y="2565000"/>
-            <a:ext cx="7560360" cy="1004760"/>
+            <a:off x="496080" y="404640"/>
+            <a:ext cx="8287920" cy="516600"/>
           </a:xfrm>
           <a:prstGeom prst="rect">
             <a:avLst/>
@@ -3917,73 +5518,212 @@
           </a:ln>
         </p:spPr>
         <p:style>
-          <a:lnRef idx="0"/>
-          <a:fillRef idx="0"/>
-          <a:effectRef idx="0"/>
+          <a:lnRef idx="0">
+            <a:scrgbClr r="0" g="0" b="0"/>
+          </a:lnRef>
+          <a:fillRef idx="0">
+            <a:scrgbClr r="0" g="0" b="0"/>
+          </a:fillRef>
+          <a:effectRef idx="0">
+            <a:scrgbClr r="0" g="0" b="0"/>
+          </a:effectRef>
           <a:fontRef idx="minor"/>
         </p:style>
         <p:txBody>
-          <a:bodyPr lIns="90000" rIns="90000" tIns="45000" bIns="45000"/>
+          <a:bodyPr lIns="90000" tIns="45000" rIns="90000" bIns="45000"/>
+          <a:lstStyle/>
           <a:p>
             <a:pPr>
               <a:lnSpc>
                 <a:spcPct val="100000"/>
               </a:lnSpc>
               <a:spcBef>
-                <a:spcPts val="2999"/>
+                <a:spcPts val="1400"/>
               </a:spcBef>
             </a:pPr>
             <a:r>
-              <a:rPr b="0" lang="es-ES" sz="6000" spc="-1" strike="noStrike">
-                <a:solidFill>
-                  <a:srgbClr val="ffff99"/>
-                </a:solidFill>
-                <a:latin typeface="Consolas"/>
-              </a:rPr>
-              <a:t>(</a:t>
-            </a:r>
-            <a:r>
-              <a:rPr b="0" lang="es-ES" sz="6000" spc="-1" strike="noStrike">
-                <a:solidFill>
-                  <a:srgbClr val="ffff99"/>
-                </a:solidFill>
-                <a:latin typeface="Consolas"/>
-              </a:rPr>
-              <a:t>Parentesis</a:t>
-            </a:r>
-            <a:r>
-              <a:rPr b="0" lang="es-ES" sz="6000" spc="-1" strike="noStrike">
-                <a:solidFill>
-                  <a:srgbClr val="ffff99"/>
-                </a:solidFill>
-                <a:latin typeface="Consolas"/>
-              </a:rPr>
-              <a:t>)</a:t>
-            </a:r>
-            <a:endParaRPr b="0" lang="es-ES" sz="6000" spc="-1" strike="noStrike">
+              <a:rPr lang="en-US" sz="2800" b="0" strike="noStrike" spc="-1" dirty="0" err="1">
+                <a:solidFill>
+                  <a:srgbClr val="FFFF99"/>
+                </a:solidFill>
+                <a:latin typeface="Consolas"/>
+                <a:ea typeface="DejaVu Sans"/>
+              </a:rPr>
+              <a:t>GeoDa</a:t>
+            </a:r>
+            <a:r>
+              <a:rPr lang="en-US" sz="2800" b="0" strike="noStrike" spc="-1" dirty="0">
+                <a:solidFill>
+                  <a:srgbClr val="FFFF99"/>
+                </a:solidFill>
+                <a:latin typeface="Consolas"/>
+                <a:ea typeface="DejaVu Sans"/>
+              </a:rPr>
+              <a:t> un “</a:t>
+            </a:r>
+            <a:r>
+              <a:rPr lang="en-US" sz="2800" b="0" strike="noStrike" spc="-1" dirty="0" err="1">
+                <a:solidFill>
+                  <a:srgbClr val="FFFF99"/>
+                </a:solidFill>
+                <a:latin typeface="Consolas"/>
+                <a:ea typeface="DejaVu Sans"/>
+              </a:rPr>
+              <a:t>clasico</a:t>
+            </a:r>
+            <a:r>
+              <a:rPr lang="en-US" sz="2800" b="0" strike="noStrike" spc="-1" dirty="0">
+                <a:solidFill>
+                  <a:srgbClr val="FFFF99"/>
+                </a:solidFill>
+                <a:latin typeface="Consolas"/>
+                <a:ea typeface="DejaVu Sans"/>
+              </a:rPr>
+              <a:t>” de los SIG</a:t>
+            </a:r>
+            <a:endParaRPr lang="en-US" sz="2800" b="0" strike="noStrike" spc="-1" dirty="0">
               <a:latin typeface="Arial"/>
             </a:endParaRPr>
           </a:p>
         </p:txBody>
       </p:sp>
+      <p:sp>
+        <p:nvSpPr>
+          <p:cNvPr id="56" name="CustomShape 2"/>
+          <p:cNvSpPr/>
+          <p:nvPr/>
+        </p:nvSpPr>
+        <p:spPr>
+          <a:xfrm>
+            <a:off x="2205636" y="5844960"/>
+            <a:ext cx="5380284" cy="275040"/>
+          </a:xfrm>
+          <a:prstGeom prst="rect">
+            <a:avLst/>
+          </a:prstGeom>
+          <a:noFill/>
+          <a:ln>
+            <a:noFill/>
+          </a:ln>
+        </p:spPr>
+        <p:style>
+          <a:lnRef idx="0">
+            <a:scrgbClr r="0" g="0" b="0"/>
+          </a:lnRef>
+          <a:fillRef idx="0">
+            <a:scrgbClr r="0" g="0" b="0"/>
+          </a:fillRef>
+          <a:effectRef idx="0">
+            <a:scrgbClr r="0" g="0" b="0"/>
+          </a:effectRef>
+          <a:fontRef idx="minor"/>
+        </p:style>
+        <p:txBody>
+          <a:bodyPr lIns="90000" tIns="45000" rIns="90000" bIns="45000"/>
+          <a:lstStyle/>
+          <a:p>
+            <a:pPr>
+              <a:lnSpc>
+                <a:spcPct val="100000"/>
+              </a:lnSpc>
+            </a:pPr>
+            <a:r>
+              <a:rPr lang="en-US" sz="2400" b="0" u="sng" strike="noStrike" spc="-1" dirty="0">
+                <a:solidFill>
+                  <a:schemeClr val="bg1">
+                    <a:lumMod val="95000"/>
+                  </a:schemeClr>
+                </a:solidFill>
+                <a:uFillTx/>
+                <a:latin typeface="Consolas" panose="020B0609020204030204" pitchFamily="49" charset="0"/>
+                <a:hlinkClick r:id="rId2">
+                  <a:extLst>
+                    <a:ext uri="{A12FA001-AC4F-418D-AE19-62706E023703}">
+                      <ahyp:hlinkClr xmlns:ahyp="http://schemas.microsoft.com/office/drawing/2018/hyperlinkcolor" val="tx"/>
+                    </a:ext>
+                  </a:extLst>
+                </a:hlinkClick>
+              </a:rPr>
+              <a:t>https://geodacenter.github.io/</a:t>
+            </a:r>
+            <a:endParaRPr lang="en-US" sz="2400" b="0" strike="noStrike" spc="-1" dirty="0">
+              <a:solidFill>
+                <a:schemeClr val="bg1">
+                  <a:lumMod val="95000"/>
+                </a:schemeClr>
+              </a:solidFill>
+              <a:latin typeface="Consolas" panose="020B0609020204030204" pitchFamily="49" charset="0"/>
+            </a:endParaRPr>
+          </a:p>
+        </p:txBody>
+      </p:sp>
+      <p:pic>
+        <p:nvPicPr>
+          <p:cNvPr id="57" name="Imagen 56"/>
+          <p:cNvPicPr/>
+          <p:nvPr/>
+        </p:nvPicPr>
+        <p:blipFill>
+          <a:blip r:embed="rId3"/>
+          <a:stretch/>
+        </p:blipFill>
+        <p:spPr>
+          <a:xfrm>
+            <a:off x="4125960" y="2194560"/>
+            <a:ext cx="4148280" cy="3200040"/>
+          </a:xfrm>
+          <a:prstGeom prst="rect">
+            <a:avLst/>
+          </a:prstGeom>
+          <a:ln>
+            <a:noFill/>
+          </a:ln>
+        </p:spPr>
+      </p:pic>
+      <p:pic>
+        <p:nvPicPr>
+          <p:cNvPr id="58" name="Imagen 57"/>
+          <p:cNvPicPr/>
+          <p:nvPr/>
+        </p:nvPicPr>
+        <p:blipFill>
+          <a:blip r:embed="rId4"/>
+          <a:stretch/>
+        </p:blipFill>
+        <p:spPr>
+          <a:xfrm>
+            <a:off x="914400" y="1328760"/>
+            <a:ext cx="4476960" cy="3242880"/>
+          </a:xfrm>
+          <a:prstGeom prst="rect">
+            <a:avLst/>
+          </a:prstGeom>
+          <a:ln>
+            <a:noFill/>
+          </a:ln>
+        </p:spPr>
+      </p:pic>
     </p:spTree>
   </p:cSld>
+  <p:clrMapOvr>
+    <a:masterClrMapping/>
+  </p:clrMapOvr>
   <p:timing>
     <p:tnLst>
       <p:par>
-        <p:cTn id="11" dur="indefinite" restart="never" nodeType="tmRoot">
+        <p:cTn id="1" dur="indefinite" restart="never" nodeType="tmRoot">
           <p:childTnLst>
             <p:seq>
-              <p:cTn id="12" dur="indefinite" nodeType="mainSeq"/>
+              <p:cTn id="2" dur="indefinite" nodeType="mainSeq"/>
               <p:prevCondLst>
-                <p:cond delay="0" evt="onPrev">
+                <p:cond evt="onPrev" delay="0">
                   <p:tgtEl>
                     <p:sldTgt/>
                   </p:tgtEl>
                 </p:cond>
               </p:prevCondLst>
               <p:nextCondLst>
-                <p:cond delay="0" evt="onNext">
+                <p:cond evt="onNext" delay="0">
                   <p:tgtEl>
                     <p:sldTgt/>
                   </p:tgtEl>
@@ -3999,7 +5739,7 @@
 </file>
 
 <file path=ppt/slides/slide7.xml><?xml version="1.0" encoding="utf-8"?>
-<p:sld xmlns:a="http://schemas.openxmlformats.org/drawingml/2006/main" xmlns:p="http://schemas.openxmlformats.org/presentationml/2006/main" xmlns:r="http://schemas.openxmlformats.org/officeDocument/2006/relationships" xmlns:p14="http://schemas.microsoft.com/office/powerpoint/2010/main" xmlns:p15="http://schemas.microsoft.com/office/powerpoint/2012/main" xmlns:mc="http://schemas.openxmlformats.org/markup-compatibility/2006">
+<p:sld xmlns:a="http://schemas.openxmlformats.org/drawingml/2006/main" xmlns:r="http://schemas.openxmlformats.org/officeDocument/2006/relationships" xmlns:p="http://schemas.openxmlformats.org/presentationml/2006/main">
   <p:cSld>
     <p:spTree>
       <p:nvGrpSpPr>
@@ -4017,14 +5757,14 @@
       </p:grpSpPr>
       <p:sp>
         <p:nvSpPr>
-          <p:cNvPr id="58" name="CustomShape 1"/>
+          <p:cNvPr id="60" name="CustomShape 1"/>
           <p:cNvSpPr/>
           <p:nvPr/>
         </p:nvSpPr>
         <p:spPr>
           <a:xfrm>
             <a:off x="496080" y="404640"/>
-            <a:ext cx="8288280" cy="516960"/>
+            <a:ext cx="8287920" cy="516600"/>
           </a:xfrm>
           <a:prstGeom prst="rect">
             <a:avLst/>
@@ -4035,13 +5775,20 @@
           </a:ln>
         </p:spPr>
         <p:style>
-          <a:lnRef idx="0"/>
-          <a:fillRef idx="0"/>
-          <a:effectRef idx="0"/>
+          <a:lnRef idx="0">
+            <a:scrgbClr r="0" g="0" b="0"/>
+          </a:lnRef>
+          <a:fillRef idx="0">
+            <a:scrgbClr r="0" g="0" b="0"/>
+          </a:fillRef>
+          <a:effectRef idx="0">
+            <a:scrgbClr r="0" g="0" b="0"/>
+          </a:effectRef>
           <a:fontRef idx="minor"/>
         </p:style>
         <p:txBody>
-          <a:bodyPr lIns="90000" rIns="90000" tIns="45000" bIns="45000"/>
+          <a:bodyPr lIns="90000" tIns="45000" rIns="90000" bIns="45000"/>
+          <a:lstStyle/>
           <a:p>
             <a:pPr>
               <a:lnSpc>
@@ -4052,15 +5799,16 @@
               </a:spcBef>
             </a:pPr>
             <a:r>
-              <a:rPr b="0" lang="es-ES" sz="2800" spc="-1" strike="noStrike">
-                <a:solidFill>
-                  <a:srgbClr val="ffff99"/>
-                </a:solidFill>
-                <a:latin typeface="Consolas"/>
-              </a:rPr>
-              <a:t>GeDa un “clasico” de los SIG</a:t>
-            </a:r>
-            <a:endParaRPr b="0" lang="es-ES" sz="2800" spc="-1" strike="noStrike">
+              <a:rPr lang="en-US" sz="2800" b="0" strike="noStrike" spc="-1">
+                <a:solidFill>
+                  <a:srgbClr val="FFFF99"/>
+                </a:solidFill>
+                <a:latin typeface="Consolas"/>
+                <a:ea typeface="DejaVu Sans"/>
+              </a:rPr>
+              <a:t>Javascript</a:t>
+            </a:r>
+            <a:endParaRPr lang="en-US" sz="2800" b="0" strike="noStrike" spc="-1">
               <a:latin typeface="Arial"/>
             </a:endParaRPr>
           </a:p>
@@ -4068,14 +5816,14 @@
       </p:sp>
       <p:sp>
         <p:nvSpPr>
-          <p:cNvPr id="59" name="TextShape 2"/>
-          <p:cNvSpPr txBox="1"/>
+          <p:cNvPr id="61" name="CustomShape 2"/>
+          <p:cNvSpPr/>
           <p:nvPr/>
         </p:nvSpPr>
         <p:spPr>
           <a:xfrm>
-            <a:off x="3108960" y="5985360"/>
-            <a:ext cx="1800720" cy="232560"/>
+            <a:off x="3200400" y="1828799"/>
+            <a:ext cx="4982902" cy="387209"/>
           </a:xfrm>
           <a:prstGeom prst="rect">
             <a:avLst/>
@@ -4085,48 +5833,60 @@
             <a:noFill/>
           </a:ln>
         </p:spPr>
-        <p:txBody>
-          <a:bodyPr lIns="90000" rIns="90000" tIns="45000" bIns="45000"/>
-          <a:p>
-            <a:r>
-              <a:rPr b="0" lang="es-ES" sz="1000" spc="-1" strike="noStrike">
-                <a:latin typeface="Arial"/>
-                <a:hlinkClick r:id="rId1"/>
-              </a:rPr>
-              <a:t>https://geodacenter.github.io/</a:t>
-            </a:r>
-            <a:endParaRPr b="0" lang="es-ES" sz="1000" spc="-1" strike="noStrike">
-              <a:latin typeface="Arial"/>
+        <p:style>
+          <a:lnRef idx="0">
+            <a:scrgbClr r="0" g="0" b="0"/>
+          </a:lnRef>
+          <a:fillRef idx="0">
+            <a:scrgbClr r="0" g="0" b="0"/>
+          </a:fillRef>
+          <a:effectRef idx="0">
+            <a:scrgbClr r="0" g="0" b="0"/>
+          </a:effectRef>
+          <a:fontRef idx="minor"/>
+        </p:style>
+        <p:txBody>
+          <a:bodyPr lIns="90000" tIns="45000" rIns="90000" bIns="45000"/>
+          <a:lstStyle/>
+          <a:p>
+            <a:pPr>
+              <a:lnSpc>
+                <a:spcPct val="100000"/>
+              </a:lnSpc>
+            </a:pPr>
+            <a:r>
+              <a:rPr lang="en-US" sz="2000" b="0" u="sng" strike="noStrike" spc="-1" dirty="0">
+                <a:solidFill>
+                  <a:schemeClr val="bg1">
+                    <a:lumMod val="95000"/>
+                  </a:schemeClr>
+                </a:solidFill>
+                <a:uFillTx/>
+                <a:latin typeface="Consolas" panose="020B0609020204030204" pitchFamily="49" charset="0"/>
+                <a:hlinkClick r:id="rId2">
+                  <a:extLst>
+                    <a:ext uri="{A12FA001-AC4F-418D-AE19-62706E023703}">
+                      <ahyp:hlinkClr xmlns:ahyp="http://schemas.microsoft.com/office/drawing/2018/hyperlinkcolor" val="tx"/>
+                    </a:ext>
+                  </a:extLst>
+                </a:hlinkClick>
+              </a:rPr>
+              <a:t>http://rousseau.io/turf-mapboxjs/</a:t>
+            </a:r>
+            <a:endParaRPr lang="en-US" sz="2000" b="0" strike="noStrike" spc="-1" dirty="0">
+              <a:solidFill>
+                <a:schemeClr val="bg1">
+                  <a:lumMod val="95000"/>
+                </a:schemeClr>
+              </a:solidFill>
+              <a:latin typeface="Consolas" panose="020B0609020204030204" pitchFamily="49" charset="0"/>
             </a:endParaRPr>
           </a:p>
         </p:txBody>
       </p:sp>
       <p:pic>
         <p:nvPicPr>
-          <p:cNvPr id="60" name="" descr=""/>
-          <p:cNvPicPr/>
-          <p:nvPr/>
-        </p:nvPicPr>
-        <p:blipFill>
-          <a:blip r:embed="rId2"/>
-          <a:stretch/>
-        </p:blipFill>
-        <p:spPr>
-          <a:xfrm>
-            <a:off x="4125960" y="2194560"/>
-            <a:ext cx="4148640" cy="3200400"/>
-          </a:xfrm>
-          <a:prstGeom prst="rect">
-            <a:avLst/>
-          </a:prstGeom>
-          <a:ln>
-            <a:noFill/>
-          </a:ln>
-        </p:spPr>
-      </p:pic>
-      <p:pic>
-        <p:nvPicPr>
-          <p:cNvPr id="61" name="" descr=""/>
+          <p:cNvPr id="62" name="Imagen 61"/>
           <p:cNvPicPr/>
           <p:nvPr/>
         </p:nvPicPr>
@@ -4136,8 +5896,8 @@
         </p:blipFill>
         <p:spPr>
           <a:xfrm>
-            <a:off x="914400" y="1328760"/>
-            <a:ext cx="4477320" cy="3243240"/>
+            <a:off x="731520" y="1227600"/>
+            <a:ext cx="1332720" cy="1332720"/>
           </a:xfrm>
           <a:prstGeom prst="rect">
             <a:avLst/>
@@ -4147,24 +5907,319 @@
           </a:ln>
         </p:spPr>
       </p:pic>
+      <p:sp>
+        <p:nvSpPr>
+          <p:cNvPr id="63" name="CustomShape 3"/>
+          <p:cNvSpPr/>
+          <p:nvPr/>
+        </p:nvSpPr>
+        <p:spPr>
+          <a:xfrm>
+            <a:off x="3200401" y="1463039"/>
+            <a:ext cx="4982902" cy="387209"/>
+          </a:xfrm>
+          <a:prstGeom prst="rect">
+            <a:avLst/>
+          </a:prstGeom>
+          <a:noFill/>
+          <a:ln>
+            <a:noFill/>
+          </a:ln>
+        </p:spPr>
+        <p:style>
+          <a:lnRef idx="0">
+            <a:scrgbClr r="0" g="0" b="0"/>
+          </a:lnRef>
+          <a:fillRef idx="0">
+            <a:scrgbClr r="0" g="0" b="0"/>
+          </a:fillRef>
+          <a:effectRef idx="0">
+            <a:scrgbClr r="0" g="0" b="0"/>
+          </a:effectRef>
+          <a:fontRef idx="minor"/>
+        </p:style>
+        <p:txBody>
+          <a:bodyPr lIns="90000" tIns="45000" rIns="90000" bIns="45000"/>
+          <a:lstStyle/>
+          <a:p>
+            <a:pPr>
+              <a:lnSpc>
+                <a:spcPct val="100000"/>
+              </a:lnSpc>
+            </a:pPr>
+            <a:r>
+              <a:rPr lang="en-US" sz="2000" b="0" u="sng" strike="noStrike" spc="-1" dirty="0">
+                <a:solidFill>
+                  <a:schemeClr val="bg1">
+                    <a:lumMod val="95000"/>
+                  </a:schemeClr>
+                </a:solidFill>
+                <a:uFillTx/>
+                <a:latin typeface="Consolas" panose="020B0609020204030204" pitchFamily="49" charset="0"/>
+                <a:hlinkClick r:id="rId4">
+                  <a:extLst>
+                    <a:ext uri="{A12FA001-AC4F-418D-AE19-62706E023703}">
+                      <ahyp:hlinkClr xmlns:ahyp="http://schemas.microsoft.com/office/drawing/2018/hyperlinkcolor" val="tx"/>
+                    </a:ext>
+                  </a:extLst>
+                </a:hlinkClick>
+              </a:rPr>
+              <a:t>https://github.com/Turfjs</a:t>
+            </a:r>
+            <a:endParaRPr lang="en-US" sz="2000" b="0" strike="noStrike" spc="-1" dirty="0">
+              <a:solidFill>
+                <a:schemeClr val="bg1">
+                  <a:lumMod val="95000"/>
+                </a:schemeClr>
+              </a:solidFill>
+              <a:latin typeface="Consolas" panose="020B0609020204030204" pitchFamily="49" charset="0"/>
+            </a:endParaRPr>
+          </a:p>
+        </p:txBody>
+      </p:sp>
+      <p:pic>
+        <p:nvPicPr>
+          <p:cNvPr id="64" name="Imagen 63"/>
+          <p:cNvPicPr/>
+          <p:nvPr/>
+        </p:nvPicPr>
+        <p:blipFill>
+          <a:blip r:embed="rId5"/>
+          <a:stretch/>
+        </p:blipFill>
+        <p:spPr>
+          <a:xfrm>
+            <a:off x="789171" y="5313682"/>
+            <a:ext cx="2856960" cy="637560"/>
+          </a:xfrm>
+          <a:prstGeom prst="rect">
+            <a:avLst/>
+          </a:prstGeom>
+          <a:ln>
+            <a:noFill/>
+          </a:ln>
+        </p:spPr>
+      </p:pic>
+      <p:sp>
+        <p:nvSpPr>
+          <p:cNvPr id="65" name="CustomShape 4"/>
+          <p:cNvSpPr/>
+          <p:nvPr/>
+        </p:nvSpPr>
+        <p:spPr>
+          <a:xfrm>
+            <a:off x="4249131" y="5496561"/>
+            <a:ext cx="5251603" cy="387209"/>
+          </a:xfrm>
+          <a:prstGeom prst="rect">
+            <a:avLst/>
+          </a:prstGeom>
+          <a:noFill/>
+          <a:ln>
+            <a:noFill/>
+          </a:ln>
+        </p:spPr>
+        <p:style>
+          <a:lnRef idx="0">
+            <a:scrgbClr r="0" g="0" b="0"/>
+          </a:lnRef>
+          <a:fillRef idx="0">
+            <a:scrgbClr r="0" g="0" b="0"/>
+          </a:fillRef>
+          <a:effectRef idx="0">
+            <a:scrgbClr r="0" g="0" b="0"/>
+          </a:effectRef>
+          <a:fontRef idx="minor"/>
+        </p:style>
+        <p:txBody>
+          <a:bodyPr lIns="90000" tIns="45000" rIns="90000" bIns="45000"/>
+          <a:lstStyle/>
+          <a:p>
+            <a:pPr>
+              <a:lnSpc>
+                <a:spcPct val="100000"/>
+              </a:lnSpc>
+            </a:pPr>
+            <a:r>
+              <a:rPr lang="en-US" sz="2000" b="0" u="sng" strike="noStrike" spc="-1">
+                <a:solidFill>
+                  <a:schemeClr val="bg1">
+                    <a:lumMod val="95000"/>
+                  </a:schemeClr>
+                </a:solidFill>
+                <a:uFillTx/>
+                <a:latin typeface="Consolas" panose="020B0609020204030204" pitchFamily="49" charset="0"/>
+                <a:hlinkClick r:id="rId6">
+                  <a:extLst>
+                    <a:ext uri="{A12FA001-AC4F-418D-AE19-62706E023703}">
+                      <ahyp:hlinkClr xmlns:ahyp="http://schemas.microsoft.com/office/drawing/2018/hyperlinkcolor" val="tx"/>
+                    </a:ext>
+                  </a:extLst>
+                </a:hlinkClick>
+              </a:rPr>
+              <a:t>https://www.tensorflow.org/js</a:t>
+            </a:r>
+            <a:endParaRPr lang="en-US" sz="2000" b="0" strike="noStrike" spc="-1">
+              <a:solidFill>
+                <a:schemeClr val="bg1">
+                  <a:lumMod val="95000"/>
+                </a:schemeClr>
+              </a:solidFill>
+              <a:latin typeface="Consolas" panose="020B0609020204030204" pitchFamily="49" charset="0"/>
+            </a:endParaRPr>
+          </a:p>
+        </p:txBody>
+      </p:sp>
+      <p:pic>
+        <p:nvPicPr>
+          <p:cNvPr id="66" name="Imagen 65"/>
+          <p:cNvPicPr/>
+          <p:nvPr/>
+        </p:nvPicPr>
+        <p:blipFill>
+          <a:blip r:embed="rId7"/>
+          <a:stretch/>
+        </p:blipFill>
+        <p:spPr>
+          <a:xfrm>
+            <a:off x="473040" y="2667600"/>
+            <a:ext cx="1904400" cy="1904400"/>
+          </a:xfrm>
+          <a:prstGeom prst="rect">
+            <a:avLst/>
+          </a:prstGeom>
+          <a:ln>
+            <a:noFill/>
+          </a:ln>
+        </p:spPr>
+      </p:pic>
+      <p:sp>
+        <p:nvSpPr>
+          <p:cNvPr id="67" name="CustomShape 5"/>
+          <p:cNvSpPr/>
+          <p:nvPr/>
+        </p:nvSpPr>
+        <p:spPr>
+          <a:xfrm>
+            <a:off x="3396239" y="3383279"/>
+            <a:ext cx="3478694" cy="387209"/>
+          </a:xfrm>
+          <a:prstGeom prst="rect">
+            <a:avLst/>
+          </a:prstGeom>
+          <a:noFill/>
+          <a:ln>
+            <a:noFill/>
+          </a:ln>
+        </p:spPr>
+        <p:style>
+          <a:lnRef idx="0">
+            <a:scrgbClr r="0" g="0" b="0"/>
+          </a:lnRef>
+          <a:fillRef idx="0">
+            <a:scrgbClr r="0" g="0" b="0"/>
+          </a:fillRef>
+          <a:effectRef idx="0">
+            <a:scrgbClr r="0" g="0" b="0"/>
+          </a:effectRef>
+          <a:fontRef idx="minor"/>
+        </p:style>
+        <p:txBody>
+          <a:bodyPr lIns="90000" tIns="45000" rIns="90000" bIns="45000"/>
+          <a:lstStyle/>
+          <a:p>
+            <a:pPr>
+              <a:lnSpc>
+                <a:spcPct val="100000"/>
+              </a:lnSpc>
+            </a:pPr>
+            <a:r>
+              <a:rPr lang="en-US" sz="2000" b="0" u="sng" strike="noStrike" spc="-1">
+                <a:solidFill>
+                  <a:schemeClr val="bg1">
+                    <a:lumMod val="95000"/>
+                  </a:schemeClr>
+                </a:solidFill>
+                <a:uFillTx/>
+                <a:latin typeface="Consolas" panose="020B0609020204030204" pitchFamily="49" charset="0"/>
+                <a:hlinkClick r:id="rId8">
+                  <a:extLst>
+                    <a:ext uri="{A12FA001-AC4F-418D-AE19-62706E023703}">
+                      <ahyp:hlinkClr xmlns:ahyp="http://schemas.microsoft.com/office/drawing/2018/hyperlinkcolor" val="tx"/>
+                    </a:ext>
+                  </a:extLst>
+                </a:hlinkClick>
+              </a:rPr>
+              <a:t>http://geoblaze.io/</a:t>
+            </a:r>
+            <a:endParaRPr lang="en-US" sz="2000" b="0" strike="noStrike" spc="-1">
+              <a:solidFill>
+                <a:schemeClr val="bg1">
+                  <a:lumMod val="95000"/>
+                </a:schemeClr>
+              </a:solidFill>
+              <a:latin typeface="Consolas" panose="020B0609020204030204" pitchFamily="49" charset="0"/>
+            </a:endParaRPr>
+          </a:p>
+        </p:txBody>
+      </p:sp>
+      <p:cxnSp>
+        <p:nvCxnSpPr>
+          <p:cNvPr id="3" name="Conector recto 2">
+            <a:extLst>
+              <a:ext uri="{FF2B5EF4-FFF2-40B4-BE49-F238E27FC236}">
+                <a16:creationId xmlns:a16="http://schemas.microsoft.com/office/drawing/2014/main" id="{8FB14560-A4DC-484A-889E-1EBB612CEEE9}"/>
+              </a:ext>
+            </a:extLst>
+          </p:cNvPr>
+          <p:cNvCxnSpPr/>
+          <p:nvPr/>
+        </p:nvCxnSpPr>
+        <p:spPr>
+          <a:xfrm>
+            <a:off x="473040" y="4786489"/>
+            <a:ext cx="7978964" cy="0"/>
+          </a:xfrm>
+          <a:prstGeom prst="line">
+            <a:avLst/>
+          </a:prstGeom>
+        </p:spPr>
+        <p:style>
+          <a:lnRef idx="1">
+            <a:schemeClr val="accent1"/>
+          </a:lnRef>
+          <a:fillRef idx="0">
+            <a:schemeClr val="accent1"/>
+          </a:fillRef>
+          <a:effectRef idx="0">
+            <a:schemeClr val="accent1"/>
+          </a:effectRef>
+          <a:fontRef idx="minor">
+            <a:schemeClr val="tx1"/>
+          </a:fontRef>
+        </p:style>
+      </p:cxnSp>
     </p:spTree>
   </p:cSld>
+  <p:clrMapOvr>
+    <a:masterClrMapping/>
+  </p:clrMapOvr>
   <p:timing>
     <p:tnLst>
       <p:par>
-        <p:cTn id="13" dur="indefinite" restart="never" nodeType="tmRoot">
+        <p:cTn id="1" dur="indefinite" restart="never" nodeType="tmRoot">
           <p:childTnLst>
             <p:seq>
-              <p:cTn id="14" dur="indefinite" nodeType="mainSeq"/>
+              <p:cTn id="2" dur="indefinite" nodeType="mainSeq"/>
               <p:prevCondLst>
-                <p:cond delay="0" evt="onPrev">
+                <p:cond evt="onPrev" delay="0">
                   <p:tgtEl>
                     <p:sldTgt/>
                   </p:tgtEl>
                 </p:cond>
               </p:prevCondLst>
               <p:nextCondLst>
-                <p:cond delay="0" evt="onNext">
+                <p:cond evt="onNext" delay="0">
                   <p:tgtEl>
                     <p:sldTgt/>
                   </p:tgtEl>
@@ -4180,7 +6235,7 @@
 </file>
 
 <file path=ppt/slides/slide8.xml><?xml version="1.0" encoding="utf-8"?>
-<p:sld xmlns:a="http://schemas.openxmlformats.org/drawingml/2006/main" xmlns:p="http://schemas.openxmlformats.org/presentationml/2006/main" xmlns:r="http://schemas.openxmlformats.org/officeDocument/2006/relationships" xmlns:p14="http://schemas.microsoft.com/office/powerpoint/2010/main" xmlns:p15="http://schemas.microsoft.com/office/powerpoint/2012/main" xmlns:mc="http://schemas.openxmlformats.org/markup-compatibility/2006">
+<p:sld xmlns:a="http://schemas.openxmlformats.org/drawingml/2006/main" xmlns:r="http://schemas.openxmlformats.org/officeDocument/2006/relationships" xmlns:p="http://schemas.openxmlformats.org/presentationml/2006/main">
   <p:cSld>
     <p:spTree>
       <p:nvGrpSpPr>
@@ -4198,14 +6253,14 @@
       </p:grpSpPr>
       <p:sp>
         <p:nvSpPr>
-          <p:cNvPr id="62" name="CustomShape 1"/>
+          <p:cNvPr id="68" name="CustomShape 1"/>
           <p:cNvSpPr/>
           <p:nvPr/>
         </p:nvSpPr>
         <p:spPr>
           <a:xfrm>
-            <a:off x="1043640" y="2565000"/>
-            <a:ext cx="7560360" cy="1004760"/>
+            <a:off x="496080" y="404640"/>
+            <a:ext cx="8287920" cy="516600"/>
           </a:xfrm>
           <a:prstGeom prst="rect">
             <a:avLst/>
@@ -4216,73 +6271,435 @@
           </a:ln>
         </p:spPr>
         <p:style>
-          <a:lnRef idx="0"/>
-          <a:fillRef idx="0"/>
-          <a:effectRef idx="0"/>
+          <a:lnRef idx="0">
+            <a:scrgbClr r="0" g="0" b="0"/>
+          </a:lnRef>
+          <a:fillRef idx="0">
+            <a:scrgbClr r="0" g="0" b="0"/>
+          </a:fillRef>
+          <a:effectRef idx="0">
+            <a:scrgbClr r="0" g="0" b="0"/>
+          </a:effectRef>
           <a:fontRef idx="minor"/>
         </p:style>
         <p:txBody>
-          <a:bodyPr lIns="90000" rIns="90000" tIns="45000" bIns="45000"/>
+          <a:bodyPr lIns="90000" tIns="45000" rIns="90000" bIns="45000"/>
+          <a:lstStyle/>
           <a:p>
             <a:pPr>
               <a:lnSpc>
                 <a:spcPct val="100000"/>
               </a:lnSpc>
               <a:spcBef>
-                <a:spcPts val="2999"/>
+                <a:spcPts val="1400"/>
               </a:spcBef>
             </a:pPr>
             <a:r>
-              <a:rPr b="0" lang="es-ES" sz="6000" spc="-1" strike="noStrike">
-                <a:solidFill>
-                  <a:srgbClr val="ffff99"/>
-                </a:solidFill>
-                <a:latin typeface="Consolas"/>
-              </a:rPr>
-              <a:t>(Fin </a:t>
-            </a:r>
-            <a:r>
-              <a:rPr b="0" lang="es-ES" sz="6000" spc="-1" strike="noStrike">
-                <a:solidFill>
-                  <a:srgbClr val="ffff99"/>
-                </a:solidFill>
-                <a:latin typeface="Consolas"/>
-              </a:rPr>
-              <a:t>Parentesis</a:t>
-            </a:r>
-            <a:r>
-              <a:rPr b="0" lang="es-ES" sz="6000" spc="-1" strike="noStrike">
-                <a:solidFill>
-                  <a:srgbClr val="ffff99"/>
-                </a:solidFill>
-                <a:latin typeface="Consolas"/>
-              </a:rPr>
-              <a:t>)</a:t>
-            </a:r>
-            <a:endParaRPr b="0" lang="es-ES" sz="6000" spc="-1" strike="noStrike">
+              <a:rPr lang="en-US" sz="2800" b="0" strike="noStrike" spc="-1">
+                <a:solidFill>
+                  <a:srgbClr val="FFFF99"/>
+                </a:solidFill>
+                <a:latin typeface="Consolas"/>
+                <a:ea typeface="DejaVu Sans"/>
+              </a:rPr>
+              <a:t>“Problema”</a:t>
+            </a:r>
+            <a:endParaRPr lang="en-US" sz="2800" b="0" strike="noStrike" spc="-1">
               <a:latin typeface="Arial"/>
             </a:endParaRPr>
           </a:p>
         </p:txBody>
       </p:sp>
+      <p:sp>
+        <p:nvSpPr>
+          <p:cNvPr id="69" name="CustomShape 2"/>
+          <p:cNvSpPr/>
+          <p:nvPr/>
+        </p:nvSpPr>
+        <p:spPr>
+          <a:xfrm>
+            <a:off x="519480" y="1554480"/>
+            <a:ext cx="7344000" cy="3075480"/>
+          </a:xfrm>
+          <a:prstGeom prst="rect">
+            <a:avLst/>
+          </a:prstGeom>
+          <a:noFill/>
+          <a:ln>
+            <a:noFill/>
+          </a:ln>
+        </p:spPr>
+        <p:style>
+          <a:lnRef idx="0">
+            <a:scrgbClr r="0" g="0" b="0"/>
+          </a:lnRef>
+          <a:fillRef idx="0">
+            <a:scrgbClr r="0" g="0" b="0"/>
+          </a:fillRef>
+          <a:effectRef idx="0">
+            <a:scrgbClr r="0" g="0" b="0"/>
+          </a:effectRef>
+          <a:fontRef idx="minor"/>
+        </p:style>
+        <p:txBody>
+          <a:bodyPr lIns="90000" tIns="45000" rIns="90000" bIns="45000"/>
+          <a:lstStyle/>
+          <a:p>
+            <a:pPr>
+              <a:lnSpc>
+                <a:spcPct val="100000"/>
+              </a:lnSpc>
+            </a:pPr>
+            <a:r>
+              <a:rPr lang="en-US" sz="2800" b="0" strike="noStrike" spc="-1" dirty="0" err="1">
+                <a:solidFill>
+                  <a:srgbClr val="FFFFFF"/>
+                </a:solidFill>
+                <a:latin typeface="Consolas"/>
+                <a:ea typeface="DejaVu Sans"/>
+              </a:rPr>
+              <a:t>Cuando</a:t>
+            </a:r>
+            <a:r>
+              <a:rPr lang="en-US" sz="2800" b="0" strike="noStrike" spc="-1" dirty="0">
+                <a:solidFill>
+                  <a:srgbClr val="FFFFFF"/>
+                </a:solidFill>
+                <a:latin typeface="Consolas"/>
+                <a:ea typeface="DejaVu Sans"/>
+              </a:rPr>
+              <a:t> </a:t>
+            </a:r>
+            <a:r>
+              <a:rPr lang="en-US" sz="2800" b="0" strike="noStrike" spc="-1" dirty="0" err="1">
+                <a:solidFill>
+                  <a:srgbClr val="FFFFFF"/>
+                </a:solidFill>
+                <a:latin typeface="Consolas"/>
+                <a:ea typeface="DejaVu Sans"/>
+              </a:rPr>
+              <a:t>analizamos</a:t>
+            </a:r>
+            <a:r>
+              <a:rPr lang="en-US" sz="2800" b="0" strike="noStrike" spc="-1" dirty="0">
+                <a:solidFill>
+                  <a:srgbClr val="FFFFFF"/>
+                </a:solidFill>
+                <a:latin typeface="Consolas"/>
+                <a:ea typeface="DejaVu Sans"/>
+              </a:rPr>
+              <a:t> y </a:t>
+            </a:r>
+            <a:r>
+              <a:rPr lang="en-US" sz="2800" b="0" strike="noStrike" spc="-1" dirty="0" err="1">
+                <a:solidFill>
+                  <a:srgbClr val="FFFFFF"/>
+                </a:solidFill>
+                <a:latin typeface="Consolas"/>
+                <a:ea typeface="DejaVu Sans"/>
+              </a:rPr>
+              <a:t>utilizamos</a:t>
+            </a:r>
+            <a:r>
+              <a:rPr lang="en-US" sz="2800" b="0" strike="noStrike" spc="-1" dirty="0">
+                <a:solidFill>
+                  <a:srgbClr val="FFFFFF"/>
+                </a:solidFill>
+                <a:latin typeface="Consolas"/>
+                <a:ea typeface="DejaVu Sans"/>
+              </a:rPr>
+              <a:t> </a:t>
+            </a:r>
+            <a:r>
+              <a:rPr lang="en-US" sz="2800" b="0" strike="noStrike" spc="-1" dirty="0" err="1">
+                <a:solidFill>
+                  <a:srgbClr val="FFFFFF"/>
+                </a:solidFill>
+                <a:latin typeface="Consolas"/>
+                <a:ea typeface="DejaVu Sans"/>
+              </a:rPr>
+              <a:t>algoritmos</a:t>
+            </a:r>
+            <a:r>
+              <a:rPr lang="en-US" sz="2800" b="0" strike="noStrike" spc="-1" dirty="0">
+                <a:solidFill>
+                  <a:srgbClr val="FFFFFF"/>
+                </a:solidFill>
+                <a:latin typeface="Consolas"/>
+                <a:ea typeface="DejaVu Sans"/>
+              </a:rPr>
+              <a:t> con </a:t>
+            </a:r>
+            <a:r>
+              <a:rPr lang="en-US" sz="2800" b="0" strike="noStrike" spc="-1" dirty="0" err="1">
+                <a:solidFill>
+                  <a:srgbClr val="FFFFFF"/>
+                </a:solidFill>
+                <a:latin typeface="Consolas"/>
+                <a:ea typeface="DejaVu Sans"/>
+              </a:rPr>
+              <a:t>fenómenos</a:t>
+            </a:r>
+            <a:r>
+              <a:rPr lang="en-US" sz="2800" b="0" strike="noStrike" spc="-1" dirty="0">
+                <a:solidFill>
+                  <a:srgbClr val="FFFFFF"/>
+                </a:solidFill>
+                <a:latin typeface="Consolas"/>
+                <a:ea typeface="DejaVu Sans"/>
+              </a:rPr>
+              <a:t> </a:t>
+            </a:r>
+            <a:r>
+              <a:rPr lang="en-US" sz="2800" b="0" strike="noStrike" spc="-1" dirty="0" err="1">
+                <a:solidFill>
+                  <a:srgbClr val="FFFFFF"/>
+                </a:solidFill>
+                <a:latin typeface="Consolas"/>
+                <a:ea typeface="DejaVu Sans"/>
+              </a:rPr>
+              <a:t>puntuales</a:t>
+            </a:r>
+            <a:r>
+              <a:rPr lang="en-US" sz="2800" b="0" strike="noStrike" spc="-1" dirty="0">
+                <a:solidFill>
+                  <a:srgbClr val="FFFFFF"/>
+                </a:solidFill>
+                <a:latin typeface="Consolas"/>
+                <a:ea typeface="DejaVu Sans"/>
+              </a:rPr>
+              <a:t> (puntos) y </a:t>
+            </a:r>
+            <a:r>
+              <a:rPr lang="en-US" sz="2800" b="0" strike="noStrike" spc="-1" dirty="0" err="1">
+                <a:solidFill>
+                  <a:srgbClr val="FFFFFF"/>
+                </a:solidFill>
+                <a:latin typeface="Consolas"/>
+                <a:ea typeface="DejaVu Sans"/>
+              </a:rPr>
+              <a:t>queremos</a:t>
+            </a:r>
+            <a:r>
+              <a:rPr lang="en-US" sz="2800" b="0" strike="noStrike" spc="-1" dirty="0">
+                <a:solidFill>
+                  <a:srgbClr val="FFFFFF"/>
+                </a:solidFill>
+                <a:latin typeface="Consolas"/>
+                <a:ea typeface="DejaVu Sans"/>
+              </a:rPr>
+              <a:t> </a:t>
+            </a:r>
+            <a:r>
+              <a:rPr lang="en-US" sz="2800" b="0" strike="noStrike" spc="-1" dirty="0" err="1">
+                <a:solidFill>
+                  <a:srgbClr val="FFFFFF"/>
+                </a:solidFill>
+                <a:latin typeface="Consolas"/>
+                <a:ea typeface="DejaVu Sans"/>
+              </a:rPr>
+              <a:t>realizar</a:t>
+            </a:r>
+            <a:r>
+              <a:rPr lang="en-US" sz="2800" b="0" strike="noStrike" spc="-1" dirty="0">
+                <a:solidFill>
+                  <a:srgbClr val="FFFFFF"/>
+                </a:solidFill>
+                <a:latin typeface="Consolas"/>
+                <a:ea typeface="DejaVu Sans"/>
+              </a:rPr>
+              <a:t> </a:t>
+            </a:r>
+            <a:r>
+              <a:rPr lang="en-US" sz="2800" b="0" strike="noStrike" spc="-1" dirty="0" err="1">
+                <a:solidFill>
+                  <a:srgbClr val="FFFFFF"/>
+                </a:solidFill>
+                <a:latin typeface="Consolas"/>
+                <a:ea typeface="DejaVu Sans"/>
+              </a:rPr>
+              <a:t>predicciones</a:t>
+            </a:r>
+            <a:r>
+              <a:rPr lang="en-US" sz="2800" b="0" strike="noStrike" spc="-1" dirty="0">
+                <a:solidFill>
+                  <a:srgbClr val="FFFFFF"/>
+                </a:solidFill>
+                <a:latin typeface="Consolas"/>
+                <a:ea typeface="DejaVu Sans"/>
+              </a:rPr>
+              <a:t>.</a:t>
+            </a:r>
+            <a:endParaRPr lang="en-US" sz="2800" b="0" strike="noStrike" spc="-1" dirty="0">
+              <a:latin typeface="Arial"/>
+            </a:endParaRPr>
+          </a:p>
+          <a:p>
+            <a:pPr>
+              <a:lnSpc>
+                <a:spcPct val="100000"/>
+              </a:lnSpc>
+            </a:pPr>
+            <a:r>
+              <a:rPr lang="en-US" sz="2800" b="0" strike="noStrike" spc="-1" dirty="0">
+                <a:solidFill>
+                  <a:srgbClr val="FFFFFF"/>
+                </a:solidFill>
+                <a:latin typeface="Consolas"/>
+                <a:ea typeface="DejaVu Sans"/>
+              </a:rPr>
+              <a:t>Las </a:t>
+            </a:r>
+            <a:r>
+              <a:rPr lang="en-US" sz="2800" b="0" strike="noStrike" spc="-1" dirty="0" err="1">
+                <a:solidFill>
+                  <a:srgbClr val="FFFFFF"/>
+                </a:solidFill>
+                <a:latin typeface="Consolas"/>
+                <a:ea typeface="DejaVu Sans"/>
+              </a:rPr>
+              <a:t>coordenadas</a:t>
+            </a:r>
+            <a:r>
+              <a:rPr lang="en-US" sz="2800" b="0" strike="noStrike" spc="-1" dirty="0">
+                <a:solidFill>
+                  <a:srgbClr val="FFFFFF"/>
+                </a:solidFill>
+                <a:latin typeface="Consolas"/>
+                <a:ea typeface="DejaVu Sans"/>
+              </a:rPr>
+              <a:t> </a:t>
+            </a:r>
+            <a:r>
+              <a:rPr lang="en-US" sz="2800" b="0" strike="noStrike" spc="-1" dirty="0" err="1">
+                <a:solidFill>
+                  <a:srgbClr val="FFFFFF"/>
+                </a:solidFill>
+                <a:latin typeface="Consolas"/>
+                <a:ea typeface="DejaVu Sans"/>
+              </a:rPr>
+              <a:t>pueden</a:t>
+            </a:r>
+            <a:r>
+              <a:rPr lang="en-US" sz="2800" b="0" strike="noStrike" spc="-1" dirty="0">
+                <a:solidFill>
+                  <a:srgbClr val="FFFFFF"/>
+                </a:solidFill>
+                <a:latin typeface="Consolas"/>
+                <a:ea typeface="DejaVu Sans"/>
+              </a:rPr>
+              <a:t> NO ser </a:t>
+            </a:r>
+            <a:r>
+              <a:rPr lang="en-US" sz="2800" b="0" strike="noStrike" spc="-1" dirty="0" err="1">
+                <a:solidFill>
+                  <a:srgbClr val="FFFFFF"/>
+                </a:solidFill>
+                <a:latin typeface="Consolas"/>
+                <a:ea typeface="DejaVu Sans"/>
+              </a:rPr>
+              <a:t>tomadas</a:t>
+            </a:r>
+            <a:r>
+              <a:rPr lang="en-US" sz="2800" b="0" strike="noStrike" spc="-1" dirty="0">
+                <a:solidFill>
+                  <a:srgbClr val="FFFFFF"/>
+                </a:solidFill>
+                <a:latin typeface="Consolas"/>
+                <a:ea typeface="DejaVu Sans"/>
+              </a:rPr>
+              <a:t> </a:t>
+            </a:r>
+            <a:r>
+              <a:rPr lang="en-US" sz="2800" b="0" strike="noStrike" spc="-1" dirty="0" err="1">
+                <a:solidFill>
+                  <a:srgbClr val="FFFFFF"/>
+                </a:solidFill>
+                <a:latin typeface="Consolas"/>
+                <a:ea typeface="DejaVu Sans"/>
+              </a:rPr>
+              <a:t>en</a:t>
+            </a:r>
+            <a:r>
+              <a:rPr lang="en-US" sz="2800" b="0" strike="noStrike" spc="-1" dirty="0">
+                <a:solidFill>
+                  <a:srgbClr val="FFFFFF"/>
+                </a:solidFill>
+                <a:latin typeface="Consolas"/>
+                <a:ea typeface="DejaVu Sans"/>
+              </a:rPr>
+              <a:t> </a:t>
+            </a:r>
+            <a:r>
+              <a:rPr lang="en-US" sz="2800" b="0" strike="noStrike" spc="-1" dirty="0" err="1">
+                <a:solidFill>
+                  <a:srgbClr val="FFFFFF"/>
+                </a:solidFill>
+                <a:latin typeface="Consolas"/>
+                <a:ea typeface="DejaVu Sans"/>
+              </a:rPr>
+              <a:t>consideración</a:t>
+            </a:r>
+            <a:r>
+              <a:rPr lang="en-US" sz="2800" b="0" strike="noStrike" spc="-1" dirty="0">
+                <a:solidFill>
+                  <a:srgbClr val="FFFFFF"/>
+                </a:solidFill>
+                <a:latin typeface="Consolas"/>
+                <a:ea typeface="DejaVu Sans"/>
+              </a:rPr>
+              <a:t> tanto com input o output</a:t>
+            </a:r>
+            <a:endParaRPr lang="en-US" sz="2800" b="0" strike="noStrike" spc="-1" dirty="0">
+              <a:latin typeface="Arial"/>
+            </a:endParaRPr>
+          </a:p>
+        </p:txBody>
+      </p:sp>
+      <p:pic>
+        <p:nvPicPr>
+          <p:cNvPr id="70" name="Imagen 69"/>
+          <p:cNvPicPr/>
+          <p:nvPr/>
+        </p:nvPicPr>
+        <p:blipFill>
+          <a:blip r:embed="rId2"/>
+          <a:stretch/>
+        </p:blipFill>
+        <p:spPr>
+          <a:xfrm>
+            <a:off x="6675120" y="4630320"/>
+            <a:ext cx="1730880" cy="1714320"/>
+          </a:xfrm>
+          <a:prstGeom prst="rect">
+            <a:avLst/>
+          </a:prstGeom>
+          <a:ln>
+            <a:noFill/>
+          </a:ln>
+        </p:spPr>
+      </p:pic>
     </p:spTree>
   </p:cSld>
+  <p:clrMapOvr>
+    <a:masterClrMapping/>
+  </p:clrMapOvr>
   <p:timing>
     <p:tnLst>
       <p:par>
-        <p:cTn id="15" dur="indefinite" restart="never" nodeType="tmRoot">
+        <p:cTn id="1" dur="indefinite" restart="never" nodeType="tmRoot">
           <p:childTnLst>
             <p:seq>
-              <p:cTn id="16" dur="indefinite" nodeType="mainSeq"/>
+              <p:cTn id="2" dur="indefinite" nodeType="mainSeq"/>
               <p:prevCondLst>
-                <p:cond delay="0" evt="onPrev">
+                <p:cond evt="onPrev" delay="0">
                   <p:tgtEl>
                     <p:sldTgt/>
                   </p:tgtEl>
                 </p:cond>
               </p:prevCondLst>
               <p:nextCondLst>
-                <p:cond delay="0" evt="onNext">
+                <p:cond evt="onNext" delay="0">
                   <p:tgtEl>
                     <p:sldTgt/>
                   </p:tgtEl>
@@ -4298,7 +6715,7 @@
 </file>
 
 <file path=ppt/slides/slide9.xml><?xml version="1.0" encoding="utf-8"?>
-<p:sld xmlns:a="http://schemas.openxmlformats.org/drawingml/2006/main" xmlns:p="http://schemas.openxmlformats.org/presentationml/2006/main" xmlns:r="http://schemas.openxmlformats.org/officeDocument/2006/relationships" xmlns:p14="http://schemas.microsoft.com/office/powerpoint/2010/main" xmlns:p15="http://schemas.microsoft.com/office/powerpoint/2012/main" xmlns:mc="http://schemas.openxmlformats.org/markup-compatibility/2006">
+<p:sld xmlns:a="http://schemas.openxmlformats.org/drawingml/2006/main" xmlns:r="http://schemas.openxmlformats.org/officeDocument/2006/relationships" xmlns:p="http://schemas.openxmlformats.org/presentationml/2006/main">
   <p:cSld>
     <p:spTree>
       <p:nvGrpSpPr>
@@ -4316,14 +6733,14 @@
       </p:grpSpPr>
       <p:sp>
         <p:nvSpPr>
-          <p:cNvPr id="63" name="CustomShape 1"/>
+          <p:cNvPr id="71" name="CustomShape 1"/>
           <p:cNvSpPr/>
           <p:nvPr/>
         </p:nvSpPr>
         <p:spPr>
           <a:xfrm>
             <a:off x="496080" y="404640"/>
-            <a:ext cx="8288280" cy="516960"/>
+            <a:ext cx="8287920" cy="516600"/>
           </a:xfrm>
           <a:prstGeom prst="rect">
             <a:avLst/>
@@ -4334,13 +6751,20 @@
           </a:ln>
         </p:spPr>
         <p:style>
-          <a:lnRef idx="0"/>
-          <a:fillRef idx="0"/>
-          <a:effectRef idx="0"/>
+          <a:lnRef idx="0">
+            <a:scrgbClr r="0" g="0" b="0"/>
+          </a:lnRef>
+          <a:fillRef idx="0">
+            <a:scrgbClr r="0" g="0" b="0"/>
+          </a:fillRef>
+          <a:effectRef idx="0">
+            <a:scrgbClr r="0" g="0" b="0"/>
+          </a:effectRef>
           <a:fontRef idx="minor"/>
         </p:style>
         <p:txBody>
-          <a:bodyPr lIns="90000" rIns="90000" tIns="45000" bIns="45000"/>
+          <a:bodyPr lIns="90000" tIns="45000" rIns="90000" bIns="45000"/>
+          <a:lstStyle/>
           <a:p>
             <a:pPr>
               <a:lnSpc>
@@ -4351,24 +6775,16 @@
               </a:spcBef>
             </a:pPr>
             <a:r>
-              <a:rPr b="0" lang="es-ES" sz="2800" spc="-1" strike="noStrike">
-                <a:solidFill>
-                  <a:srgbClr val="ffff99"/>
-                </a:solidFill>
-                <a:latin typeface="Consolas"/>
-              </a:rPr>
-              <a:t>Javas</a:t>
-            </a:r>
-            <a:r>
-              <a:rPr b="0" lang="es-ES" sz="2800" spc="-1" strike="noStrike">
-                <a:solidFill>
-                  <a:srgbClr val="ffff99"/>
-                </a:solidFill>
-                <a:latin typeface="Consolas"/>
-              </a:rPr>
-              <a:t>cript</a:t>
-            </a:r>
-            <a:endParaRPr b="0" lang="es-ES" sz="2800" spc="-1" strike="noStrike">
+              <a:rPr lang="en-US" sz="2800" b="0" strike="noStrike" spc="-1">
+                <a:solidFill>
+                  <a:srgbClr val="FFFF99"/>
+                </a:solidFill>
+                <a:latin typeface="Consolas"/>
+                <a:ea typeface="DejaVu Sans"/>
+              </a:rPr>
+              <a:t>Accidentes tráfico</a:t>
+            </a:r>
+            <a:endParaRPr lang="en-US" sz="2800" b="0" strike="noStrike" spc="-1">
               <a:latin typeface="Arial"/>
             </a:endParaRPr>
           </a:p>
@@ -4376,14 +6792,14 @@
       </p:sp>
       <p:sp>
         <p:nvSpPr>
-          <p:cNvPr id="64" name="TextShape 2"/>
-          <p:cNvSpPr txBox="1"/>
+          <p:cNvPr id="72" name="CustomShape 2"/>
+          <p:cNvSpPr/>
           <p:nvPr/>
         </p:nvSpPr>
         <p:spPr>
           <a:xfrm>
-            <a:off x="3200400" y="1828800"/>
-            <a:ext cx="1986840" cy="232560"/>
+            <a:off x="365760" y="1280160"/>
+            <a:ext cx="7344000" cy="1369080"/>
           </a:xfrm>
           <a:prstGeom prst="rect">
             <a:avLst/>
@@ -4393,17 +6809,158 @@
             <a:noFill/>
           </a:ln>
         </p:spPr>
-        <p:txBody>
-          <a:bodyPr lIns="90000" rIns="90000" tIns="45000" bIns="45000"/>
-          <a:p>
-            <a:r>
-              <a:rPr b="0" lang="es-ES" sz="1000" spc="-1" strike="noStrike">
-                <a:latin typeface="Arial"/>
-                <a:hlinkClick r:id="rId1"/>
-              </a:rPr>
-              <a:t>http://rousseau.io/turf-mapboxjs/</a:t>
-            </a:r>
-            <a:endParaRPr b="0" lang="es-ES" sz="1000" spc="-1" strike="noStrike">
+        <p:style>
+          <a:lnRef idx="0">
+            <a:scrgbClr r="0" g="0" b="0"/>
+          </a:lnRef>
+          <a:fillRef idx="0">
+            <a:scrgbClr r="0" g="0" b="0"/>
+          </a:fillRef>
+          <a:effectRef idx="0">
+            <a:scrgbClr r="0" g="0" b="0"/>
+          </a:effectRef>
+          <a:fontRef idx="minor"/>
+        </p:style>
+        <p:txBody>
+          <a:bodyPr lIns="90000" tIns="45000" rIns="90000" bIns="45000"/>
+          <a:lstStyle/>
+          <a:p>
+            <a:pPr>
+              <a:lnSpc>
+                <a:spcPct val="100000"/>
+              </a:lnSpc>
+            </a:pPr>
+            <a:r>
+              <a:rPr lang="en-US" sz="2800" b="0" strike="noStrike" spc="-1" dirty="0">
+                <a:solidFill>
+                  <a:srgbClr val="FFFFFF"/>
+                </a:solidFill>
+                <a:latin typeface="Consolas"/>
+                <a:ea typeface="DejaVu Sans"/>
+              </a:rPr>
+              <a:t>¿</a:t>
+            </a:r>
+            <a:r>
+              <a:rPr lang="en-US" sz="2800" b="0" strike="noStrike" spc="-1" dirty="0" err="1">
+                <a:solidFill>
+                  <a:srgbClr val="FFFFFF"/>
+                </a:solidFill>
+                <a:latin typeface="Consolas"/>
+                <a:ea typeface="DejaVu Sans"/>
+              </a:rPr>
+              <a:t>En</a:t>
+            </a:r>
+            <a:r>
+              <a:rPr lang="en-US" sz="2800" b="0" strike="noStrike" spc="-1" dirty="0">
+                <a:solidFill>
+                  <a:srgbClr val="FFFFFF"/>
+                </a:solidFill>
+                <a:latin typeface="Consolas"/>
+                <a:ea typeface="DejaVu Sans"/>
+              </a:rPr>
+              <a:t> que sitios de BCN es </a:t>
+            </a:r>
+            <a:r>
+              <a:rPr lang="en-US" sz="2800" b="0" strike="noStrike" spc="-1" dirty="0" err="1">
+                <a:solidFill>
+                  <a:srgbClr val="FFFFFF"/>
+                </a:solidFill>
+                <a:latin typeface="Consolas"/>
+                <a:ea typeface="DejaVu Sans"/>
+              </a:rPr>
+              <a:t>más</a:t>
+            </a:r>
+            <a:r>
+              <a:rPr lang="en-US" sz="2800" b="0" strike="noStrike" spc="-1" dirty="0">
+                <a:solidFill>
+                  <a:srgbClr val="FFFFFF"/>
+                </a:solidFill>
+                <a:latin typeface="Consolas"/>
+                <a:ea typeface="DejaVu Sans"/>
+              </a:rPr>
+              <a:t> probable que </a:t>
+            </a:r>
+            <a:r>
+              <a:rPr lang="en-US" sz="2800" b="0" strike="noStrike" spc="-1" dirty="0" err="1">
+                <a:solidFill>
+                  <a:srgbClr val="FFFFFF"/>
+                </a:solidFill>
+                <a:latin typeface="Consolas"/>
+                <a:ea typeface="DejaVu Sans"/>
+              </a:rPr>
+              <a:t>haya</a:t>
+            </a:r>
+            <a:r>
+              <a:rPr lang="en-US" sz="2800" b="0" strike="noStrike" spc="-1" dirty="0">
+                <a:solidFill>
+                  <a:srgbClr val="FFFFFF"/>
+                </a:solidFill>
+                <a:latin typeface="Consolas"/>
+                <a:ea typeface="DejaVu Sans"/>
+              </a:rPr>
+              <a:t> un </a:t>
+            </a:r>
+            <a:r>
+              <a:rPr lang="en-US" sz="2800" b="0" strike="noStrike" spc="-1" dirty="0" err="1">
+                <a:solidFill>
+                  <a:srgbClr val="FFFFFF"/>
+                </a:solidFill>
+                <a:latin typeface="Consolas"/>
+                <a:ea typeface="DejaVu Sans"/>
+              </a:rPr>
+              <a:t>accidente</a:t>
+            </a:r>
+            <a:r>
+              <a:rPr lang="en-US" sz="2800" b="0" strike="noStrike" spc="-1" dirty="0">
+                <a:solidFill>
+                  <a:srgbClr val="FFFFFF"/>
+                </a:solidFill>
+                <a:latin typeface="Consolas"/>
+                <a:ea typeface="DejaVu Sans"/>
+              </a:rPr>
+              <a:t> un </a:t>
+            </a:r>
+            <a:r>
+              <a:rPr lang="en-US" sz="2800" b="0" strike="noStrike" spc="-1" dirty="0" err="1">
+                <a:solidFill>
+                  <a:srgbClr val="FFFFFF"/>
+                </a:solidFill>
+                <a:latin typeface="Consolas"/>
+                <a:ea typeface="DejaVu Sans"/>
+              </a:rPr>
+              <a:t>Sábado</a:t>
+            </a:r>
+            <a:r>
+              <a:rPr lang="en-US" sz="2800" b="0" strike="noStrike" spc="-1" dirty="0">
+                <a:solidFill>
+                  <a:srgbClr val="FFFFFF"/>
+                </a:solidFill>
+                <a:latin typeface="Consolas"/>
+                <a:ea typeface="DejaVu Sans"/>
+              </a:rPr>
+              <a:t> a las 5h de la </a:t>
+            </a:r>
+            <a:r>
+              <a:rPr lang="en-US" sz="2800" b="0" strike="noStrike" spc="-1" dirty="0" err="1">
+                <a:solidFill>
+                  <a:srgbClr val="FFFFFF"/>
+                </a:solidFill>
+                <a:latin typeface="Consolas"/>
+                <a:ea typeface="DejaVu Sans"/>
+              </a:rPr>
+              <a:t>mañana</a:t>
+            </a:r>
+            <a:r>
+              <a:rPr lang="en-US" sz="2800" b="0" strike="noStrike" spc="-1" dirty="0">
+                <a:solidFill>
+                  <a:srgbClr val="FFFFFF"/>
+                </a:solidFill>
+                <a:latin typeface="Consolas"/>
+                <a:ea typeface="DejaVu Sans"/>
+              </a:rPr>
+              <a:t>?</a:t>
+            </a:r>
+            <a:endParaRPr lang="en-US" sz="2800" b="0" strike="noStrike" spc="-1" dirty="0">
               <a:latin typeface="Arial"/>
             </a:endParaRPr>
           </a:p>
@@ -4411,7 +6968,7 @@
       </p:sp>
       <p:pic>
         <p:nvPicPr>
-          <p:cNvPr id="65" name="" descr=""/>
+          <p:cNvPr id="73" name="Imagen 72"/>
           <p:cNvPicPr/>
           <p:nvPr/>
         </p:nvPicPr>
@@ -4421,8 +6978,8 @@
         </p:blipFill>
         <p:spPr>
           <a:xfrm>
-            <a:off x="914400" y="1188720"/>
-            <a:ext cx="1333080" cy="1333080"/>
+            <a:off x="1554480" y="2788560"/>
+            <a:ext cx="5713920" cy="3703320"/>
           </a:xfrm>
           <a:prstGeom prst="rect">
             <a:avLst/>
@@ -4432,175 +6989,27 @@
           </a:ln>
         </p:spPr>
       </p:pic>
-      <p:sp>
-        <p:nvSpPr>
-          <p:cNvPr id="66" name="TextShape 3"/>
-          <p:cNvSpPr txBox="1"/>
-          <p:nvPr/>
-        </p:nvSpPr>
-        <p:spPr>
-          <a:xfrm>
-            <a:off x="3200400" y="1463040"/>
-            <a:ext cx="1524960" cy="232560"/>
-          </a:xfrm>
-          <a:prstGeom prst="rect">
-            <a:avLst/>
-          </a:prstGeom>
-          <a:noFill/>
-          <a:ln>
-            <a:noFill/>
-          </a:ln>
-        </p:spPr>
-        <p:txBody>
-          <a:bodyPr lIns="90000" rIns="90000" tIns="45000" bIns="45000"/>
-          <a:p>
-            <a:r>
-              <a:rPr b="0" lang="es-ES" sz="1000" spc="-1" strike="noStrike">
-                <a:latin typeface="Arial"/>
-                <a:hlinkClick r:id="rId3"/>
-              </a:rPr>
-              <a:t>https://github.com/Turfjs</a:t>
-            </a:r>
-            <a:endParaRPr b="0" lang="es-ES" sz="1000" spc="-1" strike="noStrike">
-              <a:latin typeface="Arial"/>
-            </a:endParaRPr>
-          </a:p>
-        </p:txBody>
-      </p:sp>
-      <p:pic>
-        <p:nvPicPr>
-          <p:cNvPr id="67" name="" descr=""/>
-          <p:cNvPicPr/>
-          <p:nvPr/>
-        </p:nvPicPr>
-        <p:blipFill>
-          <a:blip r:embed="rId4"/>
-          <a:stretch/>
-        </p:blipFill>
-        <p:spPr>
-          <a:xfrm>
-            <a:off x="891720" y="5029200"/>
-            <a:ext cx="2857320" cy="637920"/>
-          </a:xfrm>
-          <a:prstGeom prst="rect">
-            <a:avLst/>
-          </a:prstGeom>
-          <a:ln>
-            <a:noFill/>
-          </a:ln>
-        </p:spPr>
-      </p:pic>
-      <p:sp>
-        <p:nvSpPr>
-          <p:cNvPr id="68" name="TextShape 4"/>
-          <p:cNvSpPr txBox="1"/>
-          <p:nvPr/>
-        </p:nvSpPr>
-        <p:spPr>
-          <a:xfrm>
-            <a:off x="4351680" y="5212080"/>
-            <a:ext cx="1774800" cy="232560"/>
-          </a:xfrm>
-          <a:prstGeom prst="rect">
-            <a:avLst/>
-          </a:prstGeom>
-          <a:noFill/>
-          <a:ln>
-            <a:noFill/>
-          </a:ln>
-        </p:spPr>
-        <p:txBody>
-          <a:bodyPr lIns="90000" rIns="90000" tIns="45000" bIns="45000"/>
-          <a:p>
-            <a:r>
-              <a:rPr b="0" lang="es-ES" sz="1000" spc="-1" strike="noStrike">
-                <a:latin typeface="Arial"/>
-                <a:hlinkClick r:id="rId5"/>
-              </a:rPr>
-              <a:t>https://www.tensorflow.org/js</a:t>
-            </a:r>
-            <a:endParaRPr b="0" lang="es-ES" sz="1000" spc="-1" strike="noStrike">
-              <a:latin typeface="Arial"/>
-            </a:endParaRPr>
-          </a:p>
-        </p:txBody>
-      </p:sp>
-      <p:pic>
-        <p:nvPicPr>
-          <p:cNvPr id="69" name="" descr=""/>
-          <p:cNvPicPr/>
-          <p:nvPr/>
-        </p:nvPicPr>
-        <p:blipFill>
-          <a:blip r:embed="rId6"/>
-          <a:stretch/>
-        </p:blipFill>
-        <p:spPr>
-          <a:xfrm>
-            <a:off x="655560" y="2651760"/>
-            <a:ext cx="1904760" cy="1904760"/>
-          </a:xfrm>
-          <a:prstGeom prst="rect">
-            <a:avLst/>
-          </a:prstGeom>
-          <a:ln>
-            <a:noFill/>
-          </a:ln>
-        </p:spPr>
-      </p:pic>
-      <p:sp>
-        <p:nvSpPr>
-          <p:cNvPr id="70" name="TextShape 5"/>
-          <p:cNvSpPr txBox="1"/>
-          <p:nvPr/>
-        </p:nvSpPr>
-        <p:spPr>
-          <a:xfrm>
-            <a:off x="3396240" y="3383280"/>
-            <a:ext cx="1175760" cy="232560"/>
-          </a:xfrm>
-          <a:prstGeom prst="rect">
-            <a:avLst/>
-          </a:prstGeom>
-          <a:noFill/>
-          <a:ln>
-            <a:noFill/>
-          </a:ln>
-        </p:spPr>
-        <p:txBody>
-          <a:bodyPr lIns="90000" rIns="90000" tIns="45000" bIns="45000"/>
-          <a:p>
-            <a:r>
-              <a:rPr b="0" lang="es-ES" sz="1000" spc="-1" strike="noStrike">
-                <a:latin typeface="Arial"/>
-                <a:hlinkClick r:id="rId7"/>
-              </a:rPr>
-              <a:t>http://geoblaze.io/</a:t>
-            </a:r>
-            <a:endParaRPr b="0" lang="es-ES" sz="1000" spc="-1" strike="noStrike">
-              <a:latin typeface="Arial"/>
-            </a:endParaRPr>
-          </a:p>
-        </p:txBody>
-      </p:sp>
     </p:spTree>
   </p:cSld>
+  <p:clrMapOvr>
+    <a:masterClrMapping/>
+  </p:clrMapOvr>
   <p:timing>
     <p:tnLst>
       <p:par>
-        <p:cTn id="17" dur="indefinite" restart="never" nodeType="tmRoot">
+        <p:cTn id="1" dur="indefinite" restart="never" nodeType="tmRoot">
           <p:childTnLst>
             <p:seq>
-              <p:cTn id="18" dur="indefinite" nodeType="mainSeq"/>
+              <p:cTn id="2" dur="indefinite" nodeType="mainSeq"/>
               <p:prevCondLst>
-                <p:cond delay="0" evt="onPrev">
+                <p:cond evt="onPrev" delay="0">
                   <p:tgtEl>
                     <p:sldTgt/>
                   </p:tgtEl>
                 </p:cond>
               </p:prevCondLst>
               <p:nextCondLst>
-                <p:cond delay="0" evt="onNext">
+                <p:cond evt="onNext" delay="0">
                   <p:tgtEl>
                     <p:sldTgt/>
                   </p:tgtEl>
@@ -4632,28 +7041,28 @@
         <a:srgbClr val="636363"/>
       </a:lt2>
       <a:accent1>
-        <a:srgbClr val="00c6bb"/>
+        <a:srgbClr val="00C6BB"/>
       </a:accent1>
       <a:accent2>
-        <a:srgbClr val="6feba0"/>
+        <a:srgbClr val="6FEBA0"/>
       </a:accent2>
       <a:accent3>
-        <a:srgbClr val="b6df5e"/>
+        <a:srgbClr val="B6DF5E"/>
       </a:accent3>
       <a:accent4>
-        <a:srgbClr val="efb251"/>
+        <a:srgbClr val="EFB251"/>
       </a:accent4>
       <a:accent5>
-        <a:srgbClr val="ef755f"/>
+        <a:srgbClr val="EF755F"/>
       </a:accent5>
       <a:accent6>
-        <a:srgbClr val="ed515c"/>
+        <a:srgbClr val="ED515C"/>
       </a:accent6>
       <a:hlink>
-        <a:srgbClr val="8f8f8f"/>
+        <a:srgbClr val="8F8F8F"/>
       </a:hlink>
       <a:folHlink>
-        <a:srgbClr val="a5a5a5"/>
+        <a:srgbClr val="A5A5A5"/>
       </a:folHlink>
     </a:clrScheme>
     <a:fontScheme name="Office">
@@ -4835,5 +7244,7 @@
       </a:bgFillStyleLst>
     </a:fmtScheme>
   </a:themeElements>
+  <a:objectDefaults/>
+  <a:extraClrSchemeLst/>
 </a:theme>
 </file>